--- a/Heart Failure Detection.pptx
+++ b/Heart Failure Detection.pptx
@@ -5,10 +5,10 @@
     <p:sldMasterId id="2147483648" r:id="rId1"/>
   </p:sldMasterIdLst>
   <p:notesMasterIdLst>
-    <p:notesMasterId r:id="rId13"/>
+    <p:notesMasterId r:id="rId14"/>
   </p:notesMasterIdLst>
   <p:handoutMasterIdLst>
-    <p:handoutMasterId r:id="rId14"/>
+    <p:handoutMasterId r:id="rId15"/>
   </p:handoutMasterIdLst>
   <p:sldIdLst>
     <p:sldId id="256" r:id="rId2"/>
@@ -19,9 +19,10 @@
     <p:sldId id="266" r:id="rId7"/>
     <p:sldId id="261" r:id="rId8"/>
     <p:sldId id="262" r:id="rId9"/>
-    <p:sldId id="263" r:id="rId10"/>
-    <p:sldId id="264" r:id="rId11"/>
-    <p:sldId id="265" r:id="rId12"/>
+    <p:sldId id="267" r:id="rId10"/>
+    <p:sldId id="263" r:id="rId11"/>
+    <p:sldId id="264" r:id="rId12"/>
+    <p:sldId id="265" r:id="rId13"/>
   </p:sldIdLst>
   <p:sldSz cx="12192000" cy="6858000"/>
   <p:notesSz cx="6858000" cy="9144000"/>
@@ -145,7 +146,7 @@
 <file path=ppt/revisionInfo.xml><?xml version="1.0" encoding="utf-8"?>
 <p1510:revInfo xmlns:a="http://schemas.openxmlformats.org/drawingml/2006/main" xmlns:r="http://schemas.openxmlformats.org/officeDocument/2006/relationships" xmlns:p1510="http://schemas.microsoft.com/office/powerpoint/2015/10/main">
   <p1510:revLst>
-    <p1510:client id="{1A8502D2-6165-45C4-A125-0BDB5634B1C0}" v="10" dt="2021-05-26T20:46:55.381"/>
+    <p1510:client id="{1A8502D2-6165-45C4-A125-0BDB5634B1C0}" v="24" dt="2021-05-27T18:57:08.079"/>
   </p1510:revLst>
 </p1510:revInfo>
 </file>
@@ -155,7 +156,7 @@
   <pc:docChgLst>
     <pc:chgData name="Gabriel Allen" userId="c7c74c84cd207ce6" providerId="LiveId" clId="{1A8502D2-6165-45C4-A125-0BDB5634B1C0}"/>
     <pc:docChg chg="undo redo custSel addSld modSld">
-      <pc:chgData name="Gabriel Allen" userId="c7c74c84cd207ce6" providerId="LiveId" clId="{1A8502D2-6165-45C4-A125-0BDB5634B1C0}" dt="2021-05-26T20:46:55.381" v="1872"/>
+      <pc:chgData name="Gabriel Allen" userId="c7c74c84cd207ce6" providerId="LiveId" clId="{1A8502D2-6165-45C4-A125-0BDB5634B1C0}" dt="2021-05-27T19:24:45.945" v="2996" actId="2711"/>
       <pc:docMkLst>
         <pc:docMk/>
       </pc:docMkLst>
@@ -346,50 +347,266 @@
           </ac:picMkLst>
         </pc:picChg>
       </pc:sldChg>
-      <pc:sldChg chg="modSp mod">
-        <pc:chgData name="Gabriel Allen" userId="c7c74c84cd207ce6" providerId="LiveId" clId="{1A8502D2-6165-45C4-A125-0BDB5634B1C0}" dt="2021-05-26T20:32:19.242" v="1844" actId="404"/>
+      <pc:sldChg chg="addSp delSp modSp mod modClrScheme chgLayout">
+        <pc:chgData name="Gabriel Allen" userId="c7c74c84cd207ce6" providerId="LiveId" clId="{1A8502D2-6165-45C4-A125-0BDB5634B1C0}" dt="2021-05-27T19:24:21.685" v="2995" actId="20577"/>
         <pc:sldMkLst>
           <pc:docMk/>
           <pc:sldMk cId="2081049267" sldId="261"/>
         </pc:sldMkLst>
-        <pc:spChg chg="mod">
-          <ac:chgData name="Gabriel Allen" userId="c7c74c84cd207ce6" providerId="LiveId" clId="{1A8502D2-6165-45C4-A125-0BDB5634B1C0}" dt="2021-05-26T20:32:19.242" v="1844" actId="404"/>
+        <pc:spChg chg="mod ord">
+          <ac:chgData name="Gabriel Allen" userId="c7c74c84cd207ce6" providerId="LiveId" clId="{1A8502D2-6165-45C4-A125-0BDB5634B1C0}" dt="2021-05-27T18:31:54.927" v="1873" actId="700"/>
           <ac:spMkLst>
             <pc:docMk/>
             <pc:sldMk cId="2081049267" sldId="261"/>
             <ac:spMk id="2" creationId="{BD14A437-42ED-4164-9FD2-FB3A78B7D9E9}"/>
           </ac:spMkLst>
         </pc:spChg>
+        <pc:spChg chg="del mod ord">
+          <ac:chgData name="Gabriel Allen" userId="c7c74c84cd207ce6" providerId="LiveId" clId="{1A8502D2-6165-45C4-A125-0BDB5634B1C0}" dt="2021-05-27T18:31:54.927" v="1873" actId="700"/>
+          <ac:spMkLst>
+            <pc:docMk/>
+            <pc:sldMk cId="2081049267" sldId="261"/>
+            <ac:spMk id="3" creationId="{EE9CBE5C-61CD-497B-95DF-3F49EF315EB1}"/>
+          </ac:spMkLst>
+        </pc:spChg>
+        <pc:spChg chg="add mod ord">
+          <ac:chgData name="Gabriel Allen" userId="c7c74c84cd207ce6" providerId="LiveId" clId="{1A8502D2-6165-45C4-A125-0BDB5634B1C0}" dt="2021-05-27T19:24:21.685" v="2995" actId="20577"/>
+          <ac:spMkLst>
+            <pc:docMk/>
+            <pc:sldMk cId="2081049267" sldId="261"/>
+            <ac:spMk id="4" creationId="{93A339A8-47A2-4B82-9149-F77E9548D09B}"/>
+          </ac:spMkLst>
+        </pc:spChg>
+        <pc:spChg chg="add del mod ord">
+          <ac:chgData name="Gabriel Allen" userId="c7c74c84cd207ce6" providerId="LiveId" clId="{1A8502D2-6165-45C4-A125-0BDB5634B1C0}" dt="2021-05-27T18:32:21.858" v="1874" actId="931"/>
+          <ac:spMkLst>
+            <pc:docMk/>
+            <pc:sldMk cId="2081049267" sldId="261"/>
+            <ac:spMk id="5" creationId="{94E6D483-383F-4426-9CB8-56B9E834C496}"/>
+          </ac:spMkLst>
+        </pc:spChg>
+        <pc:picChg chg="add mod">
+          <ac:chgData name="Gabriel Allen" userId="c7c74c84cd207ce6" providerId="LiveId" clId="{1A8502D2-6165-45C4-A125-0BDB5634B1C0}" dt="2021-05-27T18:48:00.710" v="2094" actId="1440"/>
+          <ac:picMkLst>
+            <pc:docMk/>
+            <pc:sldMk cId="2081049267" sldId="261"/>
+            <ac:picMk id="7" creationId="{51277F7C-B37C-4B45-BB9B-9812BBB5F883}"/>
+          </ac:picMkLst>
+        </pc:picChg>
       </pc:sldChg>
-      <pc:sldChg chg="modSp mod">
-        <pc:chgData name="Gabriel Allen" userId="c7c74c84cd207ce6" providerId="LiveId" clId="{1A8502D2-6165-45C4-A125-0BDB5634B1C0}" dt="2021-05-26T20:32:12.958" v="1843" actId="255"/>
+      <pc:sldChg chg="addSp delSp modSp mod modClrScheme chgLayout">
+        <pc:chgData name="Gabriel Allen" userId="c7c74c84cd207ce6" providerId="LiveId" clId="{1A8502D2-6165-45C4-A125-0BDB5634B1C0}" dt="2021-05-27T19:04:45.043" v="2563" actId="20577"/>
         <pc:sldMkLst>
           <pc:docMk/>
           <pc:sldMk cId="75736108" sldId="262"/>
         </pc:sldMkLst>
-        <pc:spChg chg="mod">
-          <ac:chgData name="Gabriel Allen" userId="c7c74c84cd207ce6" providerId="LiveId" clId="{1A8502D2-6165-45C4-A125-0BDB5634B1C0}" dt="2021-05-26T20:32:12.958" v="1843" actId="255"/>
+        <pc:spChg chg="mod ord">
+          <ac:chgData name="Gabriel Allen" userId="c7c74c84cd207ce6" providerId="LiveId" clId="{1A8502D2-6165-45C4-A125-0BDB5634B1C0}" dt="2021-05-27T18:35:45.795" v="1898" actId="700"/>
           <ac:spMkLst>
             <pc:docMk/>
             <pc:sldMk cId="75736108" sldId="262"/>
             <ac:spMk id="2" creationId="{9B338BBA-9A57-40BC-A484-04B434ECB92B}"/>
           </ac:spMkLst>
         </pc:spChg>
+        <pc:spChg chg="del mod ord">
+          <ac:chgData name="Gabriel Allen" userId="c7c74c84cd207ce6" providerId="LiveId" clId="{1A8502D2-6165-45C4-A125-0BDB5634B1C0}" dt="2021-05-27T18:33:41.614" v="1881" actId="700"/>
+          <ac:spMkLst>
+            <pc:docMk/>
+            <pc:sldMk cId="75736108" sldId="262"/>
+            <ac:spMk id="3" creationId="{9D0E508F-997E-4C9F-BFC3-DDBFF6CCAE1F}"/>
+          </ac:spMkLst>
+        </pc:spChg>
+        <pc:spChg chg="add del mod ord">
+          <ac:chgData name="Gabriel Allen" userId="c7c74c84cd207ce6" providerId="LiveId" clId="{1A8502D2-6165-45C4-A125-0BDB5634B1C0}" dt="2021-05-27T18:34:03.735" v="1882" actId="931"/>
+          <ac:spMkLst>
+            <pc:docMk/>
+            <pc:sldMk cId="75736108" sldId="262"/>
+            <ac:spMk id="4" creationId="{F1C6231E-5665-4DD6-9C7B-B70449181DEC}"/>
+          </ac:spMkLst>
+        </pc:spChg>
+        <pc:spChg chg="add del mod ord">
+          <ac:chgData name="Gabriel Allen" userId="c7c74c84cd207ce6" providerId="LiveId" clId="{1A8502D2-6165-45C4-A125-0BDB5634B1C0}" dt="2021-05-27T18:34:07.942" v="1883" actId="931"/>
+          <ac:spMkLst>
+            <pc:docMk/>
+            <pc:sldMk cId="75736108" sldId="262"/>
+            <ac:spMk id="5" creationId="{1041EE41-EB6D-46FB-A3AD-66A655852372}"/>
+          </ac:spMkLst>
+        </pc:spChg>
+        <pc:spChg chg="add mod ord">
+          <ac:chgData name="Gabriel Allen" userId="c7c74c84cd207ce6" providerId="LiveId" clId="{1A8502D2-6165-45C4-A125-0BDB5634B1C0}" dt="2021-05-27T18:44:45.504" v="2092" actId="20577"/>
+          <ac:spMkLst>
+            <pc:docMk/>
+            <pc:sldMk cId="75736108" sldId="262"/>
+            <ac:spMk id="10" creationId="{BFB1CAA9-1A6F-4907-A91A-5BA9CD5D078D}"/>
+          </ac:spMkLst>
+        </pc:spChg>
+        <pc:spChg chg="add mod ord">
+          <ac:chgData name="Gabriel Allen" userId="c7c74c84cd207ce6" providerId="LiveId" clId="{1A8502D2-6165-45C4-A125-0BDB5634B1C0}" dt="2021-05-27T18:44:46.582" v="2093" actId="20577"/>
+          <ac:spMkLst>
+            <pc:docMk/>
+            <pc:sldMk cId="75736108" sldId="262"/>
+            <ac:spMk id="11" creationId="{B80AC329-95F3-4823-BE6A-2A4F93E1A33D}"/>
+          </ac:spMkLst>
+        </pc:spChg>
+        <pc:spChg chg="mod">
+          <ac:chgData name="Gabriel Allen" userId="c7c74c84cd207ce6" providerId="LiveId" clId="{1A8502D2-6165-45C4-A125-0BDB5634B1C0}" dt="2021-05-27T19:04:45.043" v="2563" actId="20577"/>
+          <ac:spMkLst>
+            <pc:docMk/>
+            <pc:sldMk cId="75736108" sldId="262"/>
+            <ac:spMk id="12" creationId="{A7D35AC2-F3D7-44B4-B3FD-768392193218}"/>
+          </ac:spMkLst>
+        </pc:spChg>
+        <pc:picChg chg="add mod ord">
+          <ac:chgData name="Gabriel Allen" userId="c7c74c84cd207ce6" providerId="LiveId" clId="{1A8502D2-6165-45C4-A125-0BDB5634B1C0}" dt="2021-05-27T18:49:12.505" v="2096" actId="1440"/>
+          <ac:picMkLst>
+            <pc:docMk/>
+            <pc:sldMk cId="75736108" sldId="262"/>
+            <ac:picMk id="7" creationId="{D6176749-EEB8-4836-AD7D-DA574CF100C9}"/>
+          </ac:picMkLst>
+        </pc:picChg>
+        <pc:picChg chg="add mod ord">
+          <ac:chgData name="Gabriel Allen" userId="c7c74c84cd207ce6" providerId="LiveId" clId="{1A8502D2-6165-45C4-A125-0BDB5634B1C0}" dt="2021-05-27T18:48:50.617" v="2095" actId="1440"/>
+          <ac:picMkLst>
+            <pc:docMk/>
+            <pc:sldMk cId="75736108" sldId="262"/>
+            <ac:picMk id="9" creationId="{21E6641B-B70A-4416-829A-98F84F65B594}"/>
+          </ac:picMkLst>
+        </pc:picChg>
       </pc:sldChg>
-      <pc:sldChg chg="modSp mod">
-        <pc:chgData name="Gabriel Allen" userId="c7c74c84cd207ce6" providerId="LiveId" clId="{1A8502D2-6165-45C4-A125-0BDB5634B1C0}" dt="2021-05-26T20:32:27.166" v="1845" actId="2711"/>
+      <pc:sldChg chg="addSp delSp modSp mod modClrScheme chgLayout">
+        <pc:chgData name="Gabriel Allen" userId="c7c74c84cd207ce6" providerId="LiveId" clId="{1A8502D2-6165-45C4-A125-0BDB5634B1C0}" dt="2021-05-27T19:19:45.920" v="2900" actId="122"/>
         <pc:sldMkLst>
           <pc:docMk/>
           <pc:sldMk cId="4210805558" sldId="263"/>
         </pc:sldMkLst>
-        <pc:spChg chg="mod">
-          <ac:chgData name="Gabriel Allen" userId="c7c74c84cd207ce6" providerId="LiveId" clId="{1A8502D2-6165-45C4-A125-0BDB5634B1C0}" dt="2021-05-26T20:32:27.166" v="1845" actId="2711"/>
+        <pc:spChg chg="mod ord">
+          <ac:chgData name="Gabriel Allen" userId="c7c74c84cd207ce6" providerId="LiveId" clId="{1A8502D2-6165-45C4-A125-0BDB5634B1C0}" dt="2021-05-27T18:39:44.407" v="1999" actId="700"/>
           <ac:spMkLst>
             <pc:docMk/>
             <pc:sldMk cId="4210805558" sldId="263"/>
             <ac:spMk id="2" creationId="{992B0293-51AD-4B9D-A7FC-756BB5B6EBCD}"/>
           </ac:spMkLst>
         </pc:spChg>
+        <pc:spChg chg="del">
+          <ac:chgData name="Gabriel Allen" userId="c7c74c84cd207ce6" providerId="LiveId" clId="{1A8502D2-6165-45C4-A125-0BDB5634B1C0}" dt="2021-05-27T18:38:44.844" v="1986" actId="478"/>
+          <ac:spMkLst>
+            <pc:docMk/>
+            <pc:sldMk cId="4210805558" sldId="263"/>
+            <ac:spMk id="3" creationId="{AF86589E-60EA-41C1-B529-003AFEA9958F}"/>
+          </ac:spMkLst>
+        </pc:spChg>
+        <pc:spChg chg="add mod ord">
+          <ac:chgData name="Gabriel Allen" userId="c7c74c84cd207ce6" providerId="LiveId" clId="{1A8502D2-6165-45C4-A125-0BDB5634B1C0}" dt="2021-05-27T18:42:24.025" v="2087" actId="2711"/>
+          <ac:spMkLst>
+            <pc:docMk/>
+            <pc:sldMk cId="4210805558" sldId="263"/>
+            <ac:spMk id="8" creationId="{2D8D761C-3715-488C-8B1E-4606D4128E5B}"/>
+          </ac:spMkLst>
+        </pc:spChg>
+        <pc:spChg chg="add del mod ord">
+          <ac:chgData name="Gabriel Allen" userId="c7c74c84cd207ce6" providerId="LiveId" clId="{1A8502D2-6165-45C4-A125-0BDB5634B1C0}" dt="2021-05-27T18:39:58.360" v="2003" actId="931"/>
+          <ac:spMkLst>
+            <pc:docMk/>
+            <pc:sldMk cId="4210805558" sldId="263"/>
+            <ac:spMk id="9" creationId="{90E23DEE-32DD-4245-AD6D-976708FAE81D}"/>
+          </ac:spMkLst>
+        </pc:spChg>
+        <pc:spChg chg="add mod ord">
+          <ac:chgData name="Gabriel Allen" userId="c7c74c84cd207ce6" providerId="LiveId" clId="{1A8502D2-6165-45C4-A125-0BDB5634B1C0}" dt="2021-05-27T18:52:31.921" v="2105" actId="313"/>
+          <ac:spMkLst>
+            <pc:docMk/>
+            <pc:sldMk cId="4210805558" sldId="263"/>
+            <ac:spMk id="10" creationId="{13B1EAC4-15FF-4C1A-8B31-29DF94484B1D}"/>
+          </ac:spMkLst>
+        </pc:spChg>
+        <pc:spChg chg="add del mod ord">
+          <ac:chgData name="Gabriel Allen" userId="c7c74c84cd207ce6" providerId="LiveId" clId="{1A8502D2-6165-45C4-A125-0BDB5634B1C0}" dt="2021-05-27T18:40:10.905" v="2006" actId="931"/>
+          <ac:spMkLst>
+            <pc:docMk/>
+            <pc:sldMk cId="4210805558" sldId="263"/>
+            <ac:spMk id="11" creationId="{2FA8D4AB-0B40-4379-A7E7-2FAB5C492B47}"/>
+          </ac:spMkLst>
+        </pc:spChg>
+        <pc:spChg chg="del mod">
+          <ac:chgData name="Gabriel Allen" userId="c7c74c84cd207ce6" providerId="LiveId" clId="{1A8502D2-6165-45C4-A125-0BDB5634B1C0}" dt="2021-05-27T18:52:25.704" v="2103"/>
+          <ac:spMkLst>
+            <pc:docMk/>
+            <pc:sldMk cId="4210805558" sldId="263"/>
+            <ac:spMk id="16" creationId="{49897B50-6CB8-4EDE-B012-E65C8E019B2E}"/>
+          </ac:spMkLst>
+        </pc:spChg>
+        <pc:spChg chg="add mod">
+          <ac:chgData name="Gabriel Allen" userId="c7c74c84cd207ce6" providerId="LiveId" clId="{1A8502D2-6165-45C4-A125-0BDB5634B1C0}" dt="2021-05-27T19:19:45.920" v="2900" actId="122"/>
+          <ac:spMkLst>
+            <pc:docMk/>
+            <pc:sldMk cId="4210805558" sldId="263"/>
+            <ac:spMk id="17" creationId="{632700C3-3FB0-4D35-BB8A-EBC1972A1727}"/>
+          </ac:spMkLst>
+        </pc:spChg>
+        <pc:spChg chg="add del mod">
+          <ac:chgData name="Gabriel Allen" userId="c7c74c84cd207ce6" providerId="LiveId" clId="{1A8502D2-6165-45C4-A125-0BDB5634B1C0}" dt="2021-05-27T18:57:03.825" v="2181" actId="931"/>
+          <ac:spMkLst>
+            <pc:docMk/>
+            <pc:sldMk cId="4210805558" sldId="263"/>
+            <ac:spMk id="19" creationId="{ED888B74-BDFF-4D64-A690-B3C47480560C}"/>
+          </ac:spMkLst>
+        </pc:spChg>
+        <pc:spChg chg="add del mod">
+          <ac:chgData name="Gabriel Allen" userId="c7c74c84cd207ce6" providerId="LiveId" clId="{1A8502D2-6165-45C4-A125-0BDB5634B1C0}" dt="2021-05-27T18:57:08.079" v="2184" actId="931"/>
+          <ac:spMkLst>
+            <pc:docMk/>
+            <pc:sldMk cId="4210805558" sldId="263"/>
+            <ac:spMk id="21" creationId="{830E4C4C-A78E-4A2F-860D-AD8A07877F89}"/>
+          </ac:spMkLst>
+        </pc:spChg>
+        <pc:picChg chg="add del mod">
+          <ac:chgData name="Gabriel Allen" userId="c7c74c84cd207ce6" providerId="LiveId" clId="{1A8502D2-6165-45C4-A125-0BDB5634B1C0}" dt="2021-05-27T18:39:50.877" v="2001" actId="478"/>
+          <ac:picMkLst>
+            <pc:docMk/>
+            <pc:sldMk cId="4210805558" sldId="263"/>
+            <ac:picMk id="5" creationId="{DC70DE37-DB92-423A-B60C-9A99B8CA814B}"/>
+          </ac:picMkLst>
+        </pc:picChg>
+        <pc:picChg chg="add del mod">
+          <ac:chgData name="Gabriel Allen" userId="c7c74c84cd207ce6" providerId="LiveId" clId="{1A8502D2-6165-45C4-A125-0BDB5634B1C0}" dt="2021-05-27T18:39:51.510" v="2002" actId="478"/>
+          <ac:picMkLst>
+            <pc:docMk/>
+            <pc:sldMk cId="4210805558" sldId="263"/>
+            <ac:picMk id="7" creationId="{5CC29851-D471-4896-B86B-13B20C194E5B}"/>
+          </ac:picMkLst>
+        </pc:picChg>
+        <pc:picChg chg="add del mod">
+          <ac:chgData name="Gabriel Allen" userId="c7c74c84cd207ce6" providerId="LiveId" clId="{1A8502D2-6165-45C4-A125-0BDB5634B1C0}" dt="2021-05-27T18:56:54.854" v="2179" actId="478"/>
+          <ac:picMkLst>
+            <pc:docMk/>
+            <pc:sldMk cId="4210805558" sldId="263"/>
+            <ac:picMk id="13" creationId="{5C41AE7E-AE54-42F4-9E17-E7D0D1A283A7}"/>
+          </ac:picMkLst>
+        </pc:picChg>
+        <pc:picChg chg="add del mod">
+          <ac:chgData name="Gabriel Allen" userId="c7c74c84cd207ce6" providerId="LiveId" clId="{1A8502D2-6165-45C4-A125-0BDB5634B1C0}" dt="2021-05-27T18:56:55.493" v="2180" actId="478"/>
+          <ac:picMkLst>
+            <pc:docMk/>
+            <pc:sldMk cId="4210805558" sldId="263"/>
+            <ac:picMk id="15" creationId="{0E89F4A4-C7F7-4926-81DE-ABDD711B066A}"/>
+          </ac:picMkLst>
+        </pc:picChg>
+        <pc:picChg chg="add mod">
+          <ac:chgData name="Gabriel Allen" userId="c7c74c84cd207ce6" providerId="LiveId" clId="{1A8502D2-6165-45C4-A125-0BDB5634B1C0}" dt="2021-05-27T18:57:11.921" v="2187" actId="1440"/>
+          <ac:picMkLst>
+            <pc:docMk/>
+            <pc:sldMk cId="4210805558" sldId="263"/>
+            <ac:picMk id="23" creationId="{6984E023-2778-460A-B8DB-AC9E7D557E46}"/>
+          </ac:picMkLst>
+        </pc:picChg>
+        <pc:picChg chg="add mod">
+          <ac:chgData name="Gabriel Allen" userId="c7c74c84cd207ce6" providerId="LiveId" clId="{1A8502D2-6165-45C4-A125-0BDB5634B1C0}" dt="2021-05-27T18:57:13.603" v="2188" actId="1440"/>
+          <ac:picMkLst>
+            <pc:docMk/>
+            <pc:sldMk cId="4210805558" sldId="263"/>
+            <ac:picMk id="25" creationId="{6E82364D-FC87-461C-80F3-440C70BF7211}"/>
+          </ac:picMkLst>
+        </pc:picChg>
       </pc:sldChg>
       <pc:sldChg chg="modSp mod">
         <pc:chgData name="Gabriel Allen" userId="c7c74c84cd207ce6" providerId="LiveId" clId="{1A8502D2-6165-45C4-A125-0BDB5634B1C0}" dt="2021-05-26T20:32:50.375" v="1847" actId="404"/>
@@ -422,7 +639,7 @@
         </pc:spChg>
       </pc:sldChg>
       <pc:sldChg chg="addSp delSp modSp new mod modClrScheme chgLayout">
-        <pc:chgData name="Gabriel Allen" userId="c7c74c84cd207ce6" providerId="LiveId" clId="{1A8502D2-6165-45C4-A125-0BDB5634B1C0}" dt="2021-05-26T20:31:51.622" v="1840" actId="2711"/>
+        <pc:chgData name="Gabriel Allen" userId="c7c74c84cd207ce6" providerId="LiveId" clId="{1A8502D2-6165-45C4-A125-0BDB5634B1C0}" dt="2021-05-27T18:58:23.837" v="2190" actId="20577"/>
         <pc:sldMkLst>
           <pc:docMk/>
           <pc:sldMk cId="599704222" sldId="266"/>
@@ -444,7 +661,7 @@
           </ac:spMkLst>
         </pc:spChg>
         <pc:spChg chg="add mod">
-          <ac:chgData name="Gabriel Allen" userId="c7c74c84cd207ce6" providerId="LiveId" clId="{1A8502D2-6165-45C4-A125-0BDB5634B1C0}" dt="2021-05-26T20:31:03.423" v="1835" actId="2711"/>
+          <ac:chgData name="Gabriel Allen" userId="c7c74c84cd207ce6" providerId="LiveId" clId="{1A8502D2-6165-45C4-A125-0BDB5634B1C0}" dt="2021-05-27T18:58:23.837" v="2190" actId="20577"/>
           <ac:spMkLst>
             <pc:docMk/>
             <pc:sldMk cId="599704222" sldId="266"/>
@@ -457,6 +674,45 @@
             <pc:docMk/>
             <pc:sldMk cId="599704222" sldId="266"/>
             <ac:picMk id="5" creationId="{90187632-113A-40FE-BCE9-8430D265B31A}"/>
+          </ac:picMkLst>
+        </pc:picChg>
+      </pc:sldChg>
+      <pc:sldChg chg="addSp delSp modSp new mod modClrScheme chgLayout">
+        <pc:chgData name="Gabriel Allen" userId="c7c74c84cd207ce6" providerId="LiveId" clId="{1A8502D2-6165-45C4-A125-0BDB5634B1C0}" dt="2021-05-27T19:24:45.945" v="2996" actId="2711"/>
+        <pc:sldMkLst>
+          <pc:docMk/>
+          <pc:sldMk cId="1090972995" sldId="267"/>
+        </pc:sldMkLst>
+        <pc:spChg chg="mod ord">
+          <ac:chgData name="Gabriel Allen" userId="c7c74c84cd207ce6" providerId="LiveId" clId="{1A8502D2-6165-45C4-A125-0BDB5634B1C0}" dt="2021-05-27T18:35:36.714" v="1897" actId="700"/>
+          <ac:spMkLst>
+            <pc:docMk/>
+            <pc:sldMk cId="1090972995" sldId="267"/>
+            <ac:spMk id="2" creationId="{D4B2E94F-DFE0-46F9-ABFB-7917FF6B5AC3}"/>
+          </ac:spMkLst>
+        </pc:spChg>
+        <pc:spChg chg="del">
+          <ac:chgData name="Gabriel Allen" userId="c7c74c84cd207ce6" providerId="LiveId" clId="{1A8502D2-6165-45C4-A125-0BDB5634B1C0}" dt="2021-05-27T18:34:54.121" v="1891" actId="931"/>
+          <ac:spMkLst>
+            <pc:docMk/>
+            <pc:sldMk cId="1090972995" sldId="267"/>
+            <ac:spMk id="3" creationId="{ECE81515-8C5E-43CA-A691-2B4C8F704620}"/>
+          </ac:spMkLst>
+        </pc:spChg>
+        <pc:spChg chg="add mod ord">
+          <ac:chgData name="Gabriel Allen" userId="c7c74c84cd207ce6" providerId="LiveId" clId="{1A8502D2-6165-45C4-A125-0BDB5634B1C0}" dt="2021-05-27T19:24:45.945" v="2996" actId="2711"/>
+          <ac:spMkLst>
+            <pc:docMk/>
+            <pc:sldMk cId="1090972995" sldId="267"/>
+            <ac:spMk id="6" creationId="{20313F4B-4166-4657-87E6-701011F26768}"/>
+          </ac:spMkLst>
+        </pc:spChg>
+        <pc:picChg chg="add mod ord">
+          <ac:chgData name="Gabriel Allen" userId="c7c74c84cd207ce6" providerId="LiveId" clId="{1A8502D2-6165-45C4-A125-0BDB5634B1C0}" dt="2021-05-27T18:49:24.539" v="2097" actId="1440"/>
+          <ac:picMkLst>
+            <pc:docMk/>
+            <pc:sldMk cId="1090972995" sldId="267"/>
+            <ac:picMk id="5" creationId="{5E18AA0D-7F7E-4B30-BD4C-C114E25A1778}"/>
           </ac:picMkLst>
         </pc:picChg>
       </pc:sldChg>
@@ -547,7 +803,7 @@
           <a:p>
             <a:fld id="{043B725B-653D-4166-A8E9-72A38A1847CF}" type="datetimeFigureOut">
               <a:rPr lang="en-US"/>
-              <a:t>5/26/2021</a:t>
+              <a:t>5/27/2021</a:t>
             </a:fld>
             <a:endParaRPr/>
           </a:p>
@@ -712,7 +968,7 @@
           <a:p>
             <a:fld id="{783F64CD-0576-4A9A-BD06-7889D6E60BDC}" type="datetimeFigureOut">
               <a:rPr lang="en-US"/>
-              <a:t>5/26/2021</a:t>
+              <a:t>5/27/2021</a:t>
             </a:fld>
             <a:endParaRPr/>
           </a:p>
@@ -1310,7 +1566,7 @@
           <a:p>
             <a:fld id="{37CC0096-1860-4642-9CD2-0079EA5E7CD1}" type="datetimeFigureOut">
               <a:rPr lang="en-US"/>
-              <a:t>5/26/2021</a:t>
+              <a:t>5/27/2021</a:t>
             </a:fld>
             <a:endParaRPr/>
           </a:p>
@@ -1559,7 +1815,7 @@
           <a:p>
             <a:fld id="{37CC0096-1860-4642-9CD2-0079EA5E7CD1}" type="datetimeFigureOut">
               <a:rPr lang="en-US"/>
-              <a:t>5/26/2021</a:t>
+              <a:t>5/27/2021</a:t>
             </a:fld>
             <a:endParaRPr/>
           </a:p>
@@ -1745,7 +2001,7 @@
           <a:p>
             <a:fld id="{37CC0096-1860-4642-9CD2-0079EA5E7CD1}" type="datetimeFigureOut">
               <a:rPr lang="en-US"/>
-              <a:t>5/26/2021</a:t>
+              <a:t>5/27/2021</a:t>
             </a:fld>
             <a:endParaRPr/>
           </a:p>
@@ -2276,7 +2532,7 @@
           <a:p>
             <a:fld id="{37CC0096-1860-4642-9CD2-0079EA5E7CD1}" type="datetimeFigureOut">
               <a:rPr lang="en-US"/>
-              <a:t>5/26/2021</a:t>
+              <a:t>5/27/2021</a:t>
             </a:fld>
             <a:endParaRPr/>
           </a:p>
@@ -2728,7 +2984,7 @@
           <a:p>
             <a:fld id="{37CC0096-1860-4642-9CD2-0079EA5E7CD1}" type="datetimeFigureOut">
               <a:rPr lang="en-US"/>
-              <a:t>5/26/2021</a:t>
+              <a:t>5/27/2021</a:t>
             </a:fld>
             <a:endParaRPr/>
           </a:p>
@@ -2858,7 +3114,7 @@
           <a:p>
             <a:fld id="{37CC0096-1860-4642-9CD2-0079EA5E7CD1}" type="datetimeFigureOut">
               <a:rPr lang="en-US"/>
-              <a:t>5/26/2021</a:t>
+              <a:t>5/27/2021</a:t>
             </a:fld>
             <a:endParaRPr/>
           </a:p>
@@ -2965,7 +3221,7 @@
           <a:p>
             <a:fld id="{37CC0096-1860-4642-9CD2-0079EA5E7CD1}" type="datetimeFigureOut">
               <a:rPr lang="en-US"/>
-              <a:t>5/26/2021</a:t>
+              <a:t>5/27/2021</a:t>
             </a:fld>
             <a:endParaRPr/>
           </a:p>
@@ -3954,7 +4210,7 @@
             <a:fld id="{37CC0096-1860-4642-9CD2-0079EA5E7CD1}" type="datetimeFigureOut">
               <a:rPr lang="en-US" smtClean="0"/>
               <a:pPr/>
-              <a:t>5/26/2021</a:t>
+              <a:t>5/27/2021</a:t>
             </a:fld>
             <a:endParaRPr lang="en-US" dirty="0"/>
           </a:p>
@@ -4495,6 +4751,323 @@
           <p:cNvPr id="2" name="Title 1">
             <a:extLst>
               <a:ext uri="{FF2B5EF4-FFF2-40B4-BE49-F238E27FC236}">
+                <a16:creationId xmlns:a16="http://schemas.microsoft.com/office/drawing/2014/main" id="{992B0293-51AD-4B9D-A7FC-756BB5B6EBCD}"/>
+              </a:ext>
+            </a:extLst>
+          </p:cNvPr>
+          <p:cNvSpPr>
+            <a:spLocks noGrp="1"/>
+          </p:cNvSpPr>
+          <p:nvPr>
+            <p:ph type="title"/>
+          </p:nvPr>
+        </p:nvSpPr>
+        <p:spPr/>
+        <p:txBody>
+          <a:bodyPr/>
+          <a:lstStyle/>
+          <a:p>
+            <a:r>
+              <a:rPr lang="en-US" dirty="0">
+                <a:latin typeface="Arial Nova" panose="020B0504020202020204" pitchFamily="34" charset="0"/>
+              </a:rPr>
+              <a:t>ML MODEL DEVELOPMENT – HP TUNING</a:t>
+            </a:r>
+          </a:p>
+        </p:txBody>
+      </p:sp>
+      <p:sp>
+        <p:nvSpPr>
+          <p:cNvPr id="8" name="Text Placeholder 7">
+            <a:extLst>
+              <a:ext uri="{FF2B5EF4-FFF2-40B4-BE49-F238E27FC236}">
+                <a16:creationId xmlns:a16="http://schemas.microsoft.com/office/drawing/2014/main" id="{2D8D761C-3715-488C-8B1E-4606D4128E5B}"/>
+              </a:ext>
+            </a:extLst>
+          </p:cNvPr>
+          <p:cNvSpPr>
+            <a:spLocks noGrp="1"/>
+          </p:cNvSpPr>
+          <p:nvPr>
+            <p:ph type="body" idx="1"/>
+          </p:nvPr>
+        </p:nvSpPr>
+        <p:spPr/>
+        <p:txBody>
+          <a:bodyPr/>
+          <a:lstStyle/>
+          <a:p>
+            <a:pPr algn="ctr"/>
+            <a:r>
+              <a:rPr lang="en-US" dirty="0">
+                <a:latin typeface="Arial Nova" panose="020B0504020202020204" pitchFamily="34" charset="0"/>
+              </a:rPr>
+              <a:t>Default Parameters</a:t>
+            </a:r>
+          </a:p>
+        </p:txBody>
+      </p:sp>
+      <p:sp>
+        <p:nvSpPr>
+          <p:cNvPr id="10" name="Text Placeholder 9">
+            <a:extLst>
+              <a:ext uri="{FF2B5EF4-FFF2-40B4-BE49-F238E27FC236}">
+                <a16:creationId xmlns:a16="http://schemas.microsoft.com/office/drawing/2014/main" id="{13B1EAC4-15FF-4C1A-8B31-29DF94484B1D}"/>
+              </a:ext>
+            </a:extLst>
+          </p:cNvPr>
+          <p:cNvSpPr>
+            <a:spLocks noGrp="1"/>
+          </p:cNvSpPr>
+          <p:nvPr>
+            <p:ph type="body" sz="quarter" idx="3"/>
+          </p:nvPr>
+        </p:nvSpPr>
+        <p:spPr/>
+        <p:txBody>
+          <a:bodyPr/>
+          <a:lstStyle/>
+          <a:p>
+            <a:pPr algn="ctr"/>
+            <a:r>
+              <a:rPr lang="en-US" dirty="0">
+                <a:latin typeface="Arial Nova" panose="020B0504020202020204" pitchFamily="34" charset="0"/>
+              </a:rPr>
+              <a:t>Tuned Parameters w/</a:t>
+            </a:r>
+            <a:r>
+              <a:rPr lang="en-US" dirty="0" err="1">
+                <a:latin typeface="Arial Nova" panose="020B0504020202020204" pitchFamily="34" charset="0"/>
+              </a:rPr>
+              <a:t>GridSearchCV</a:t>
+            </a:r>
+            <a:endParaRPr lang="en-US" dirty="0">
+              <a:latin typeface="Arial Nova" panose="020B0504020202020204" pitchFamily="34" charset="0"/>
+            </a:endParaRPr>
+          </a:p>
+        </p:txBody>
+      </p:sp>
+      <p:sp>
+        <p:nvSpPr>
+          <p:cNvPr id="17" name="TextBox 16">
+            <a:extLst>
+              <a:ext uri="{FF2B5EF4-FFF2-40B4-BE49-F238E27FC236}">
+                <a16:creationId xmlns:a16="http://schemas.microsoft.com/office/drawing/2014/main" id="{632700C3-3FB0-4D35-BB8A-EBC1972A1727}"/>
+              </a:ext>
+            </a:extLst>
+          </p:cNvPr>
+          <p:cNvSpPr txBox="1"/>
+          <p:nvPr/>
+        </p:nvSpPr>
+        <p:spPr>
+          <a:xfrm>
+            <a:off x="1066800" y="6248400"/>
+            <a:ext cx="10058400" cy="369332"/>
+          </a:xfrm>
+          <a:prstGeom prst="rect">
+            <a:avLst/>
+          </a:prstGeom>
+          <a:noFill/>
+        </p:spPr>
+        <p:txBody>
+          <a:bodyPr wrap="square" rtlCol="0">
+            <a:spAutoFit/>
+          </a:bodyPr>
+          <a:lstStyle/>
+          <a:p>
+            <a:pPr algn="ctr"/>
+            <a:r>
+              <a:rPr lang="en-US" dirty="0">
+                <a:latin typeface="Arial Nova" panose="020B0504020202020204" pitchFamily="34" charset="0"/>
+              </a:rPr>
+              <a:t>20% Improvement in True Negative Results with Hyper-Tuned Model </a:t>
+            </a:r>
+          </a:p>
+        </p:txBody>
+      </p:sp>
+      <p:pic>
+        <p:nvPicPr>
+          <p:cNvPr id="23" name="Content Placeholder 22" descr="Chart, treemap chart&#10;&#10;Description automatically generated">
+            <a:extLst>
+              <a:ext uri="{FF2B5EF4-FFF2-40B4-BE49-F238E27FC236}">
+                <a16:creationId xmlns:a16="http://schemas.microsoft.com/office/drawing/2014/main" id="{6984E023-2778-460A-B8DB-AC9E7D557E46}"/>
+              </a:ext>
+            </a:extLst>
+          </p:cNvPr>
+          <p:cNvPicPr>
+            <a:picLocks noGrp="1" noChangeAspect="1"/>
+          </p:cNvPicPr>
+          <p:nvPr>
+            <p:ph sz="half" idx="2"/>
+          </p:nvPr>
+        </p:nvPicPr>
+        <p:blipFill>
+          <a:blip r:embed="rId2">
+            <a:extLst>
+              <a:ext uri="{28A0092B-C50C-407E-A947-70E740481C1C}">
+                <a14:useLocalDpi xmlns:a14="http://schemas.microsoft.com/office/drawing/2010/main" val="0"/>
+              </a:ext>
+            </a:extLst>
+          </a:blip>
+          <a:stretch>
+            <a:fillRect/>
+          </a:stretch>
+        </p:blipFill>
+        <p:spPr>
+          <a:xfrm>
+            <a:off x="1066800" y="2846082"/>
+            <a:ext cx="4800600" cy="3299435"/>
+          </a:xfrm>
+          <a:prstGeom prst="snip2DiagRect">
+            <a:avLst/>
+          </a:prstGeom>
+          <a:solidFill>
+            <a:srgbClr val="FFFFFF">
+              <a:shade val="85000"/>
+            </a:srgbClr>
+          </a:solidFill>
+          <a:ln w="88900" cap="sq">
+            <a:solidFill>
+              <a:srgbClr val="FFFFFF"/>
+            </a:solidFill>
+            <a:miter lim="800000"/>
+          </a:ln>
+          <a:effectLst>
+            <a:outerShdw blurRad="88900" algn="tl" rotWithShape="0">
+              <a:srgbClr val="000000">
+                <a:alpha val="45000"/>
+              </a:srgbClr>
+            </a:outerShdw>
+          </a:effectLst>
+          <a:scene3d>
+            <a:camera prst="orthographicFront"/>
+            <a:lightRig rig="twoPt" dir="t">
+              <a:rot lat="0" lon="0" rev="7200000"/>
+            </a:lightRig>
+          </a:scene3d>
+          <a:sp3d>
+            <a:bevelT w="25400" h="19050"/>
+            <a:contourClr>
+              <a:srgbClr val="FFFFFF"/>
+            </a:contourClr>
+          </a:sp3d>
+        </p:spPr>
+      </p:pic>
+      <p:pic>
+        <p:nvPicPr>
+          <p:cNvPr id="25" name="Content Placeholder 24" descr="Chart, treemap chart&#10;&#10;Description automatically generated">
+            <a:extLst>
+              <a:ext uri="{FF2B5EF4-FFF2-40B4-BE49-F238E27FC236}">
+                <a16:creationId xmlns:a16="http://schemas.microsoft.com/office/drawing/2014/main" id="{6E82364D-FC87-461C-80F3-440C70BF7211}"/>
+              </a:ext>
+            </a:extLst>
+          </p:cNvPr>
+          <p:cNvPicPr>
+            <a:picLocks noGrp="1" noChangeAspect="1"/>
+          </p:cNvPicPr>
+          <p:nvPr>
+            <p:ph sz="quarter" idx="4"/>
+          </p:nvPr>
+        </p:nvPicPr>
+        <p:blipFill>
+          <a:blip r:embed="rId3">
+            <a:extLst>
+              <a:ext uri="{28A0092B-C50C-407E-A947-70E740481C1C}">
+                <a14:useLocalDpi xmlns:a14="http://schemas.microsoft.com/office/drawing/2010/main" val="0"/>
+              </a:ext>
+            </a:extLst>
+          </a:blip>
+          <a:stretch>
+            <a:fillRect/>
+          </a:stretch>
+        </p:blipFill>
+        <p:spPr>
+          <a:xfrm>
+            <a:off x="6324600" y="2846082"/>
+            <a:ext cx="4800600" cy="3299435"/>
+          </a:xfrm>
+          <a:prstGeom prst="snip2DiagRect">
+            <a:avLst/>
+          </a:prstGeom>
+          <a:solidFill>
+            <a:srgbClr val="FFFFFF">
+              <a:shade val="85000"/>
+            </a:srgbClr>
+          </a:solidFill>
+          <a:ln w="88900" cap="sq">
+            <a:solidFill>
+              <a:srgbClr val="FFFFFF"/>
+            </a:solidFill>
+            <a:miter lim="800000"/>
+          </a:ln>
+          <a:effectLst>
+            <a:outerShdw blurRad="88900" algn="tl" rotWithShape="0">
+              <a:srgbClr val="000000">
+                <a:alpha val="45000"/>
+              </a:srgbClr>
+            </a:outerShdw>
+          </a:effectLst>
+          <a:scene3d>
+            <a:camera prst="orthographicFront"/>
+            <a:lightRig rig="twoPt" dir="t">
+              <a:rot lat="0" lon="0" rev="7200000"/>
+            </a:lightRig>
+          </a:scene3d>
+          <a:sp3d>
+            <a:bevelT w="25400" h="19050"/>
+            <a:contourClr>
+              <a:srgbClr val="FFFFFF"/>
+            </a:contourClr>
+          </a:sp3d>
+        </p:spPr>
+      </p:pic>
+    </p:spTree>
+    <p:extLst>
+      <p:ext uri="{BB962C8B-B14F-4D97-AF65-F5344CB8AC3E}">
+        <p14:creationId xmlns:p14="http://schemas.microsoft.com/office/powerpoint/2010/main" val="4210805558"/>
+      </p:ext>
+    </p:extLst>
+  </p:cSld>
+  <p:clrMapOvr>
+    <a:masterClrMapping/>
+  </p:clrMapOvr>
+  <mc:AlternateContent xmlns:mc="http://schemas.openxmlformats.org/markup-compatibility/2006" xmlns:p14="http://schemas.microsoft.com/office/powerpoint/2010/main">
+    <mc:Choice Requires="p14">
+      <p:transition spd="med" p14:dur="700">
+        <p:fade/>
+      </p:transition>
+    </mc:Choice>
+    <mc:Fallback xmlns="">
+      <p:transition spd="med">
+        <p:fade/>
+      </p:transition>
+    </mc:Fallback>
+  </mc:AlternateContent>
+</p:sld>
+</file>
+
+<file path=ppt/slides/slide11.xml><?xml version="1.0" encoding="utf-8"?>
+<p:sld xmlns:a="http://schemas.openxmlformats.org/drawingml/2006/main" xmlns:r="http://schemas.openxmlformats.org/officeDocument/2006/relationships" xmlns:p="http://schemas.openxmlformats.org/presentationml/2006/main">
+  <p:cSld>
+    <p:spTree>
+      <p:nvGrpSpPr>
+        <p:cNvPr id="1" name=""/>
+        <p:cNvGrpSpPr/>
+        <p:nvPr/>
+      </p:nvGrpSpPr>
+      <p:grpSpPr>
+        <a:xfrm>
+          <a:off x="0" y="0"/>
+          <a:ext cx="0" cy="0"/>
+          <a:chOff x="0" y="0"/>
+          <a:chExt cx="0" cy="0"/>
+        </a:xfrm>
+      </p:grpSpPr>
+      <p:sp>
+        <p:nvSpPr>
+          <p:cNvPr id="2" name="Title 1">
+            <a:extLst>
+              <a:ext uri="{FF2B5EF4-FFF2-40B4-BE49-F238E27FC236}">
                 <a16:creationId xmlns:a16="http://schemas.microsoft.com/office/drawing/2014/main" id="{163F1880-A6C5-4F5B-9899-37CCBBBB1D25}"/>
               </a:ext>
             </a:extLst>
@@ -4572,7 +5145,7 @@
 </p:sld>
 </file>
 
-<file path=ppt/slides/slide11.xml><?xml version="1.0" encoding="utf-8"?>
+<file path=ppt/slides/slide12.xml><?xml version="1.0" encoding="utf-8"?>
 <p:sld xmlns:a="http://schemas.openxmlformats.org/drawingml/2006/main" xmlns:r="http://schemas.openxmlformats.org/officeDocument/2006/relationships" xmlns:p="http://schemas.openxmlformats.org/presentationml/2006/main">
   <p:cSld>
     <p:spTree>
@@ -5965,7 +6538,7 @@
               <a:rPr lang="en-US" dirty="0">
                 <a:latin typeface="Arial Nova" panose="020B0504020202020204" pitchFamily="34" charset="0"/>
               </a:rPr>
-              <a:t>Time has been omitted from this analysis as probable classification attribute due to the subjective nature and the weight that the overpowering correlation would have on modeling</a:t>
+              <a:t>Time has been omitted from this analysis as a probable classification attribute due to the subjective nature and the weight that the overpowering correlation would have on modeling</a:t>
             </a:r>
           </a:p>
           <a:p>
@@ -6050,10 +6623,10 @@
       </p:sp>
       <p:sp>
         <p:nvSpPr>
-          <p:cNvPr id="3" name="Content Placeholder 2">
+          <p:cNvPr id="4" name="Content Placeholder 3">
             <a:extLst>
               <a:ext uri="{FF2B5EF4-FFF2-40B4-BE49-F238E27FC236}">
-                <a16:creationId xmlns:a16="http://schemas.microsoft.com/office/drawing/2014/main" id="{EE9CBE5C-61CD-497B-95DF-3F49EF315EB1}"/>
+                <a16:creationId xmlns:a16="http://schemas.microsoft.com/office/drawing/2014/main" id="{93A339A8-47A2-4B82-9149-F77E9548D09B}"/>
               </a:ext>
             </a:extLst>
           </p:cNvPr>
@@ -6061,7 +6634,7 @@
             <a:spLocks noGrp="1"/>
           </p:cNvSpPr>
           <p:nvPr>
-            <p:ph idx="1"/>
+            <p:ph sz="half" idx="1"/>
           </p:nvPr>
         </p:nvSpPr>
         <p:spPr/>
@@ -6069,10 +6642,115 @@
           <a:bodyPr/>
           <a:lstStyle/>
           <a:p>
-            <a:endParaRPr lang="en-US"/>
-          </a:p>
-        </p:txBody>
-      </p:sp>
+            <a:r>
+              <a:rPr lang="en-US" dirty="0">
+                <a:latin typeface="Arial Nova" panose="020B0504020202020204" pitchFamily="34" charset="0"/>
+              </a:rPr>
+              <a:t>Ten standard </a:t>
+            </a:r>
+            <a:r>
+              <a:rPr lang="en-US" dirty="0" err="1">
+                <a:latin typeface="Arial Nova" panose="020B0504020202020204" pitchFamily="34" charset="0"/>
+              </a:rPr>
+              <a:t>skLearn</a:t>
+            </a:r>
+            <a:r>
+              <a:rPr lang="en-US" dirty="0">
+                <a:latin typeface="Arial Nova" panose="020B0504020202020204" pitchFamily="34" charset="0"/>
+              </a:rPr>
+              <a:t> classification models evaluated with default parameters for a </a:t>
+            </a:r>
+            <a:r>
+              <a:rPr lang="en-US" u="sng" dirty="0">
+                <a:latin typeface="Arial Nova" panose="020B0504020202020204" pitchFamily="34" charset="0"/>
+              </a:rPr>
+              <a:t>high-level</a:t>
+            </a:r>
+            <a:r>
+              <a:rPr lang="en-US" dirty="0">
+                <a:latin typeface="Arial Nova" panose="020B0504020202020204" pitchFamily="34" charset="0"/>
+              </a:rPr>
+              <a:t> model selection process</a:t>
+            </a:r>
+          </a:p>
+          <a:p>
+            <a:r>
+              <a:rPr lang="en-US" dirty="0">
+                <a:latin typeface="Arial Nova" panose="020B0504020202020204" pitchFamily="34" charset="0"/>
+              </a:rPr>
+              <a:t>Random Forest Model selected based upon consistent performance with multiple data splits</a:t>
+            </a:r>
+          </a:p>
+          <a:p>
+            <a:r>
+              <a:rPr lang="en-US" dirty="0">
+                <a:latin typeface="Arial Nova" panose="020B0504020202020204" pitchFamily="34" charset="0"/>
+              </a:rPr>
+              <a:t>Additional model research could be performed with </a:t>
+            </a:r>
+            <a:r>
+              <a:rPr lang="en-US" dirty="0" err="1">
+                <a:latin typeface="Arial Nova" panose="020B0504020202020204" pitchFamily="34" charset="0"/>
+              </a:rPr>
+              <a:t>Keras</a:t>
+            </a:r>
+            <a:r>
+              <a:rPr lang="en-US" dirty="0">
+                <a:latin typeface="Arial Nova" panose="020B0504020202020204" pitchFamily="34" charset="0"/>
+              </a:rPr>
+              <a:t>/TensorFlow in the future</a:t>
+            </a:r>
+          </a:p>
+        </p:txBody>
+      </p:sp>
+      <p:pic>
+        <p:nvPicPr>
+          <p:cNvPr id="7" name="Content Placeholder 6" descr="Table&#10;&#10;Description automatically generated">
+            <a:extLst>
+              <a:ext uri="{FF2B5EF4-FFF2-40B4-BE49-F238E27FC236}">
+                <a16:creationId xmlns:a16="http://schemas.microsoft.com/office/drawing/2014/main" id="{51277F7C-B37C-4B45-BB9B-9812BBB5F883}"/>
+              </a:ext>
+            </a:extLst>
+          </p:cNvPr>
+          <p:cNvPicPr>
+            <a:picLocks noGrp="1" noChangeAspect="1"/>
+          </p:cNvPicPr>
+          <p:nvPr>
+            <p:ph sz="half" idx="2"/>
+          </p:nvPr>
+        </p:nvPicPr>
+        <p:blipFill>
+          <a:blip r:embed="rId2">
+            <a:extLst>
+              <a:ext uri="{28A0092B-C50C-407E-A947-70E740481C1C}">
+                <a14:useLocalDpi xmlns:a14="http://schemas.microsoft.com/office/drawing/2010/main" val="0"/>
+              </a:ext>
+            </a:extLst>
+          </a:blip>
+          <a:stretch>
+            <a:fillRect/>
+          </a:stretch>
+        </p:blipFill>
+        <p:spPr>
+          <a:xfrm>
+            <a:off x="7455098" y="2209800"/>
+            <a:ext cx="3670102" cy="3581399"/>
+          </a:xfrm>
+          <a:prstGeom prst="rect">
+            <a:avLst/>
+          </a:prstGeom>
+          <a:ln>
+            <a:noFill/>
+          </a:ln>
+          <a:effectLst>
+            <a:outerShdw blurRad="292100" dist="139700" dir="2700000" algn="tl" rotWithShape="0">
+              <a:srgbClr val="333333">
+                <a:alpha val="65000"/>
+              </a:srgbClr>
+            </a:outerShdw>
+          </a:effectLst>
+        </p:spPr>
+      </p:pic>
     </p:spTree>
     <p:extLst>
       <p:ext uri="{BB962C8B-B14F-4D97-AF65-F5344CB8AC3E}">
@@ -6149,10 +6827,10 @@
       </p:sp>
       <p:sp>
         <p:nvSpPr>
-          <p:cNvPr id="3" name="Content Placeholder 2">
+          <p:cNvPr id="10" name="Text Placeholder 9">
             <a:extLst>
               <a:ext uri="{FF2B5EF4-FFF2-40B4-BE49-F238E27FC236}">
-                <a16:creationId xmlns:a16="http://schemas.microsoft.com/office/drawing/2014/main" id="{9D0E508F-997E-4C9F-BFC3-DDBFF6CCAE1F}"/>
+                <a16:creationId xmlns:a16="http://schemas.microsoft.com/office/drawing/2014/main" id="{BFB1CAA9-1A6F-4907-A91A-5BA9CD5D078D}"/>
               </a:ext>
             </a:extLst>
           </p:cNvPr>
@@ -6160,7 +6838,7 @@
             <a:spLocks noGrp="1"/>
           </p:cNvSpPr>
           <p:nvPr>
-            <p:ph idx="1"/>
+            <p:ph type="body" idx="1"/>
           </p:nvPr>
         </p:nvSpPr>
         <p:spPr/>
@@ -6168,7 +6846,179 @@
           <a:bodyPr/>
           <a:lstStyle/>
           <a:p>
-            <a:endParaRPr lang="en-US"/>
+            <a:pPr algn="ctr"/>
+            <a:r>
+              <a:rPr lang="en-US" dirty="0">
+                <a:latin typeface="Arial Nova" panose="020B0504020202020204" pitchFamily="34" charset="0"/>
+              </a:rPr>
+              <a:t>Recursive Feature Elimination Cross-Validation*</a:t>
+            </a:r>
+          </a:p>
+        </p:txBody>
+      </p:sp>
+      <p:pic>
+        <p:nvPicPr>
+          <p:cNvPr id="7" name="Content Placeholder 6" descr="Table&#10;&#10;Description automatically generated">
+            <a:extLst>
+              <a:ext uri="{FF2B5EF4-FFF2-40B4-BE49-F238E27FC236}">
+                <a16:creationId xmlns:a16="http://schemas.microsoft.com/office/drawing/2014/main" id="{D6176749-EEB8-4836-AD7D-DA574CF100C9}"/>
+              </a:ext>
+            </a:extLst>
+          </p:cNvPr>
+          <p:cNvPicPr>
+            <a:picLocks noGrp="1" noChangeAspect="1"/>
+          </p:cNvPicPr>
+          <p:nvPr>
+            <p:ph sz="half" idx="2"/>
+          </p:nvPr>
+        </p:nvPicPr>
+        <p:blipFill>
+          <a:blip r:embed="rId2">
+            <a:extLst>
+              <a:ext uri="{28A0092B-C50C-407E-A947-70E740481C1C}">
+                <a14:useLocalDpi xmlns:a14="http://schemas.microsoft.com/office/drawing/2010/main" val="0"/>
+              </a:ext>
+            </a:extLst>
+          </a:blip>
+          <a:stretch>
+            <a:fillRect/>
+          </a:stretch>
+        </p:blipFill>
+        <p:spPr>
+          <a:xfrm>
+            <a:off x="1345688" y="2881881"/>
+            <a:ext cx="4242824" cy="3227838"/>
+          </a:xfrm>
+          <a:prstGeom prst="rect">
+            <a:avLst/>
+          </a:prstGeom>
+          <a:ln>
+            <a:noFill/>
+          </a:ln>
+          <a:effectLst>
+            <a:outerShdw blurRad="292100" dist="139700" dir="2700000" algn="tl" rotWithShape="0">
+              <a:srgbClr val="333333">
+                <a:alpha val="65000"/>
+              </a:srgbClr>
+            </a:outerShdw>
+          </a:effectLst>
+        </p:spPr>
+      </p:pic>
+      <p:sp>
+        <p:nvSpPr>
+          <p:cNvPr id="11" name="Text Placeholder 10">
+            <a:extLst>
+              <a:ext uri="{FF2B5EF4-FFF2-40B4-BE49-F238E27FC236}">
+                <a16:creationId xmlns:a16="http://schemas.microsoft.com/office/drawing/2014/main" id="{B80AC329-95F3-4823-BE6A-2A4F93E1A33D}"/>
+              </a:ext>
+            </a:extLst>
+          </p:cNvPr>
+          <p:cNvSpPr>
+            <a:spLocks noGrp="1"/>
+          </p:cNvSpPr>
+          <p:nvPr>
+            <p:ph type="body" sz="quarter" idx="3"/>
+          </p:nvPr>
+        </p:nvSpPr>
+        <p:spPr>
+          <a:xfrm>
+            <a:off x="6324600" y="1828799"/>
+            <a:ext cx="4800600" cy="609601"/>
+          </a:xfrm>
+        </p:spPr>
+        <p:txBody>
+          <a:bodyPr/>
+          <a:lstStyle/>
+          <a:p>
+            <a:pPr algn="ctr"/>
+            <a:r>
+              <a:rPr lang="en-US" dirty="0">
+                <a:latin typeface="Arial Nova" panose="020B0504020202020204" pitchFamily="34" charset="0"/>
+              </a:rPr>
+              <a:t>Cross-Validation Score*</a:t>
+            </a:r>
+          </a:p>
+        </p:txBody>
+      </p:sp>
+      <p:pic>
+        <p:nvPicPr>
+          <p:cNvPr id="9" name="Content Placeholder 8" descr="Chart, line chart&#10;&#10;Description automatically generated">
+            <a:extLst>
+              <a:ext uri="{FF2B5EF4-FFF2-40B4-BE49-F238E27FC236}">
+                <a16:creationId xmlns:a16="http://schemas.microsoft.com/office/drawing/2014/main" id="{21E6641B-B70A-4416-829A-98F84F65B594}"/>
+              </a:ext>
+            </a:extLst>
+          </p:cNvPr>
+          <p:cNvPicPr>
+            <a:picLocks noGrp="1" noChangeAspect="1"/>
+          </p:cNvPicPr>
+          <p:nvPr>
+            <p:ph sz="quarter" idx="4"/>
+          </p:nvPr>
+        </p:nvPicPr>
+        <p:blipFill>
+          <a:blip r:embed="rId3">
+            <a:extLst>
+              <a:ext uri="{28A0092B-C50C-407E-A947-70E740481C1C}">
+                <a14:useLocalDpi xmlns:a14="http://schemas.microsoft.com/office/drawing/2010/main" val="0"/>
+              </a:ext>
+            </a:extLst>
+          </a:blip>
+          <a:stretch>
+            <a:fillRect/>
+          </a:stretch>
+        </p:blipFill>
+        <p:spPr>
+          <a:xfrm>
+            <a:off x="6819900" y="2590800"/>
+            <a:ext cx="3810000" cy="3810000"/>
+          </a:xfrm>
+          <a:prstGeom prst="round2DiagRect">
+            <a:avLst>
+              <a:gd name="adj1" fmla="val 16667"/>
+              <a:gd name="adj2" fmla="val 0"/>
+            </a:avLst>
+          </a:prstGeom>
+          <a:ln w="88900" cap="sq">
+            <a:solidFill>
+              <a:srgbClr val="FFFFFF"/>
+            </a:solidFill>
+            <a:miter lim="800000"/>
+          </a:ln>
+          <a:effectLst>
+            <a:outerShdw blurRad="254000" algn="tl" rotWithShape="0">
+              <a:srgbClr val="000000">
+                <a:alpha val="43000"/>
+              </a:srgbClr>
+            </a:outerShdw>
+          </a:effectLst>
+        </p:spPr>
+      </p:pic>
+      <p:sp>
+        <p:nvSpPr>
+          <p:cNvPr id="12" name="Footer Placeholder 11">
+            <a:extLst>
+              <a:ext uri="{FF2B5EF4-FFF2-40B4-BE49-F238E27FC236}">
+                <a16:creationId xmlns:a16="http://schemas.microsoft.com/office/drawing/2014/main" id="{A7D35AC2-F3D7-44B4-B3FD-768392193218}"/>
+              </a:ext>
+            </a:extLst>
+          </p:cNvPr>
+          <p:cNvSpPr>
+            <a:spLocks noGrp="1"/>
+          </p:cNvSpPr>
+          <p:nvPr>
+            <p:ph type="ftr" sz="quarter" idx="11"/>
+          </p:nvPr>
+        </p:nvSpPr>
+        <p:spPr/>
+        <p:txBody>
+          <a:bodyPr/>
+          <a:lstStyle/>
+          <a:p>
+            <a:r>
+              <a:rPr lang="en-US" dirty="0"/>
+              <a:t>*Example Iteration of Probabilistic Solver with 5-fold Cross-Validation</a:t>
+            </a:r>
           </a:p>
         </p:txBody>
       </p:sp>
@@ -6219,7 +7069,7 @@
           <p:cNvPr id="2" name="Title 1">
             <a:extLst>
               <a:ext uri="{FF2B5EF4-FFF2-40B4-BE49-F238E27FC236}">
-                <a16:creationId xmlns:a16="http://schemas.microsoft.com/office/drawing/2014/main" id="{992B0293-51AD-4B9D-A7FC-756BB5B6EBCD}"/>
+                <a16:creationId xmlns:a16="http://schemas.microsoft.com/office/drawing/2014/main" id="{D4B2E94F-DFE0-46F9-ABFB-7917FF6B5AC3}"/>
               </a:ext>
             </a:extLst>
           </p:cNvPr>
@@ -6232,32 +7082,82 @@
         </p:nvSpPr>
         <p:spPr/>
         <p:txBody>
-          <a:bodyPr/>
+          <a:bodyPr anchor="ctr">
+            <a:normAutofit/>
+          </a:bodyPr>
           <a:lstStyle/>
           <a:p>
             <a:r>
-              <a:rPr lang="en-US" dirty="0">
+              <a:rPr lang="en-US" sz="3200" dirty="0">
                 <a:latin typeface="Arial Nova" panose="020B0504020202020204" pitchFamily="34" charset="0"/>
               </a:rPr>
-              <a:t>ML MODEL DEVELOPMENT – HP TUNING</a:t>
-            </a:r>
-          </a:p>
-        </p:txBody>
-      </p:sp>
-      <p:sp>
-        <p:nvSpPr>
-          <p:cNvPr id="3" name="Content Placeholder 2">
+              <a:t>ML MODEL DEVELOPMENT – FEATURE SELECTION</a:t>
+            </a:r>
+          </a:p>
+        </p:txBody>
+      </p:sp>
+      <p:pic>
+        <p:nvPicPr>
+          <p:cNvPr id="5" name="Content Placeholder 4" descr="Chart&#10;&#10;Description automatically generated">
             <a:extLst>
               <a:ext uri="{FF2B5EF4-FFF2-40B4-BE49-F238E27FC236}">
-                <a16:creationId xmlns:a16="http://schemas.microsoft.com/office/drawing/2014/main" id="{AF86589E-60EA-41C1-B529-003AFEA9958F}"/>
+                <a16:creationId xmlns:a16="http://schemas.microsoft.com/office/drawing/2014/main" id="{5E18AA0D-7F7E-4B30-BD4C-C114E25A1778}"/>
               </a:ext>
             </a:extLst>
           </p:cNvPr>
-          <p:cNvSpPr>
-            <a:spLocks noGrp="1"/>
-          </p:cNvSpPr>
-          <p:nvPr>
-            <p:ph idx="1"/>
+          <p:cNvPicPr>
+            <a:picLocks noGrp="1" noChangeAspect="1"/>
+          </p:cNvPicPr>
+          <p:nvPr>
+            <p:ph sz="half" idx="1"/>
+          </p:nvPr>
+        </p:nvPicPr>
+        <p:blipFill>
+          <a:blip r:embed="rId2">
+            <a:extLst>
+              <a:ext uri="{28A0092B-C50C-407E-A947-70E740481C1C}">
+                <a14:useLocalDpi xmlns:a14="http://schemas.microsoft.com/office/drawing/2010/main" val="0"/>
+              </a:ext>
+            </a:extLst>
+          </a:blip>
+          <a:stretch>
+            <a:fillRect/>
+          </a:stretch>
+        </p:blipFill>
+        <p:spPr>
+          <a:xfrm>
+            <a:off x="1066800" y="2513013"/>
+            <a:ext cx="4800600" cy="3200399"/>
+          </a:xfrm>
+          <a:prstGeom prst="rect">
+            <a:avLst/>
+          </a:prstGeom>
+          <a:ln>
+            <a:noFill/>
+          </a:ln>
+          <a:effectLst>
+            <a:outerShdw blurRad="292100" dist="139700" dir="2700000" algn="tl" rotWithShape="0">
+              <a:srgbClr val="333333">
+                <a:alpha val="65000"/>
+              </a:srgbClr>
+            </a:outerShdw>
+          </a:effectLst>
+        </p:spPr>
+      </p:pic>
+      <p:sp>
+        <p:nvSpPr>
+          <p:cNvPr id="6" name="Content Placeholder 5">
+            <a:extLst>
+              <a:ext uri="{FF2B5EF4-FFF2-40B4-BE49-F238E27FC236}">
+                <a16:creationId xmlns:a16="http://schemas.microsoft.com/office/drawing/2014/main" id="{20313F4B-4166-4657-87E6-701011F26768}"/>
+              </a:ext>
+            </a:extLst>
+          </p:cNvPr>
+          <p:cNvSpPr>
+            <a:spLocks noGrp="1"/>
+          </p:cNvSpPr>
+          <p:nvPr>
+            <p:ph sz="half" idx="2"/>
           </p:nvPr>
         </p:nvSpPr>
         <p:spPr/>
@@ -6265,14 +7165,62 @@
           <a:bodyPr/>
           <a:lstStyle/>
           <a:p>
-            <a:endParaRPr lang="en-US"/>
+            <a:r>
+              <a:rPr lang="en-US" dirty="0">
+                <a:latin typeface="Arial Nova" panose="020B0504020202020204" pitchFamily="34" charset="0"/>
+              </a:rPr>
+              <a:t>MDI – Mean Decrease in Impurity</a:t>
+            </a:r>
+          </a:p>
+          <a:p>
+            <a:pPr lvl="1"/>
+            <a:r>
+              <a:rPr lang="en-US" dirty="0">
+                <a:latin typeface="Arial Nova" panose="020B0504020202020204" pitchFamily="34" charset="0"/>
+              </a:rPr>
+              <a:t>Deterministic feature selection</a:t>
+            </a:r>
+          </a:p>
+          <a:p>
+            <a:r>
+              <a:rPr lang="en-US" dirty="0">
+                <a:latin typeface="Arial Nova" panose="020B0504020202020204" pitchFamily="34" charset="0"/>
+              </a:rPr>
+              <a:t>Correlates well with probabilistic RFECV feature selection modeling</a:t>
+            </a:r>
+          </a:p>
+          <a:p>
+            <a:r>
+              <a:rPr lang="en-US" dirty="0">
+                <a:latin typeface="Arial Nova" panose="020B0504020202020204" pitchFamily="34" charset="0"/>
+              </a:rPr>
+              <a:t>Feature importance aligns with original study of attribute importance:</a:t>
+            </a:r>
+          </a:p>
+          <a:p>
+            <a:pPr lvl="1"/>
+            <a:r>
+              <a:rPr lang="en-US" dirty="0">
+                <a:latin typeface="Arial Nova" panose="020B0504020202020204" pitchFamily="34" charset="0"/>
+              </a:rPr>
+              <a:t>Serum Creatine</a:t>
+            </a:r>
+          </a:p>
+          <a:p>
+            <a:pPr lvl="1"/>
+            <a:r>
+              <a:rPr lang="en-US" dirty="0">
+                <a:latin typeface="Arial Nova" panose="020B0504020202020204" pitchFamily="34" charset="0"/>
+              </a:rPr>
+              <a:t>Ejection Fraction</a:t>
+            </a:r>
           </a:p>
         </p:txBody>
       </p:sp>
     </p:spTree>
     <p:extLst>
       <p:ext uri="{BB962C8B-B14F-4D97-AF65-F5344CB8AC3E}">
-        <p14:creationId xmlns:p14="http://schemas.microsoft.com/office/powerpoint/2010/main" val="4210805558"/>
+        <p14:creationId xmlns:p14="http://schemas.microsoft.com/office/powerpoint/2010/main" val="1090972995"/>
       </p:ext>
     </p:extLst>
   </p:cSld>

--- a/Heart Failure Detection.pptx
+++ b/Heart Failure Detection.pptx
@@ -5095,31 +5095,382 @@
           </a:p>
         </p:txBody>
       </p:sp>
-      <p:sp>
-        <p:nvSpPr>
-          <p:cNvPr id="3" name="Content Placeholder 2">
+      <p:pic>
+        <p:nvPicPr>
+          <p:cNvPr id="1026" name="Picture 2" descr="2016-06-27_1940">
             <a:extLst>
               <a:ext uri="{FF2B5EF4-FFF2-40B4-BE49-F238E27FC236}">
-                <a16:creationId xmlns:a16="http://schemas.microsoft.com/office/drawing/2014/main" id="{4C660D01-D28A-443A-85CF-4B2D08D68729}"/>
+                <a16:creationId xmlns:a16="http://schemas.microsoft.com/office/drawing/2014/main" id="{30E70D8E-E428-4698-8019-1C73216B1F1C}"/>
               </a:ext>
             </a:extLst>
           </p:cNvPr>
-          <p:cNvSpPr>
-            <a:spLocks noGrp="1"/>
-          </p:cNvSpPr>
-          <p:nvPr>
-            <p:ph idx="1"/>
-          </p:nvPr>
-        </p:nvSpPr>
-        <p:spPr/>
-        <p:txBody>
-          <a:bodyPr/>
-          <a:lstStyle/>
-          <a:p>
-            <a:endParaRPr lang="en-US"/>
-          </a:p>
-        </p:txBody>
-      </p:sp>
+          <p:cNvPicPr>
+            <a:picLocks noChangeAspect="1" noChangeArrowheads="1"/>
+          </p:cNvPicPr>
+          <p:nvPr/>
+        </p:nvPicPr>
+        <p:blipFill>
+          <a:blip r:embed="rId2" cstate="print">
+            <a:extLst>
+              <a:ext uri="{28A0092B-C50C-407E-A947-70E740481C1C}">
+                <a14:useLocalDpi xmlns:a14="http://schemas.microsoft.com/office/drawing/2010/main" val="0"/>
+              </a:ext>
+            </a:extLst>
+          </a:blip>
+          <a:srcRect/>
+          <a:stretch>
+            <a:fillRect/>
+          </a:stretch>
+        </p:blipFill>
+        <p:spPr bwMode="auto">
+          <a:xfrm>
+            <a:off x="3082294" y="4872457"/>
+            <a:ext cx="3009553" cy="1600199"/>
+          </a:xfrm>
+          <a:prstGeom prst="rect">
+            <a:avLst/>
+          </a:prstGeom>
+          <a:noFill/>
+          <a:extLst>
+            <a:ext uri="{909E8E84-426E-40DD-AFC4-6F175D3DCCD1}">
+              <a14:hiddenFill xmlns:a14="http://schemas.microsoft.com/office/drawing/2010/main">
+                <a:solidFill>
+                  <a:srgbClr val="FFFFFF"/>
+                </a:solidFill>
+              </a14:hiddenFill>
+            </a:ext>
+          </a:extLst>
+        </p:spPr>
+      </p:pic>
+      <p:pic>
+        <p:nvPicPr>
+          <p:cNvPr id="1028" name="Picture 4" descr="What is Python?">
+            <a:extLst>
+              <a:ext uri="{FF2B5EF4-FFF2-40B4-BE49-F238E27FC236}">
+                <a16:creationId xmlns:a16="http://schemas.microsoft.com/office/drawing/2014/main" id="{35FEA3D9-45D0-4499-928D-CAFCA722E1FC}"/>
+              </a:ext>
+            </a:extLst>
+          </p:cNvPr>
+          <p:cNvPicPr>
+            <a:picLocks noChangeAspect="1" noChangeArrowheads="1"/>
+          </p:cNvPicPr>
+          <p:nvPr/>
+        </p:nvPicPr>
+        <p:blipFill>
+          <a:blip r:embed="rId3">
+            <a:extLst>
+              <a:ext uri="{28A0092B-C50C-407E-A947-70E740481C1C}">
+                <a14:useLocalDpi xmlns:a14="http://schemas.microsoft.com/office/drawing/2010/main" val="0"/>
+              </a:ext>
+            </a:extLst>
+          </a:blip>
+          <a:srcRect/>
+          <a:stretch>
+            <a:fillRect/>
+          </a:stretch>
+        </p:blipFill>
+        <p:spPr bwMode="auto">
+          <a:xfrm>
+            <a:off x="4610030" y="1680740"/>
+            <a:ext cx="3009553" cy="1591517"/>
+          </a:xfrm>
+          <a:prstGeom prst="rect">
+            <a:avLst/>
+          </a:prstGeom>
+          <a:noFill/>
+          <a:extLst>
+            <a:ext uri="{909E8E84-426E-40DD-AFC4-6F175D3DCCD1}">
+              <a14:hiddenFill xmlns:a14="http://schemas.microsoft.com/office/drawing/2010/main">
+                <a:solidFill>
+                  <a:srgbClr val="FFFFFF"/>
+                </a:solidFill>
+              </a14:hiddenFill>
+            </a:ext>
+          </a:extLst>
+        </p:spPr>
+      </p:pic>
+      <p:pic>
+        <p:nvPicPr>
+          <p:cNvPr id="1030" name="Picture 6" descr="GitHub - mjhea0/flaskr-tdd: Flaskr: Intro to Flask, Test-Driven Development  (TDD), and JavaScript">
+            <a:extLst>
+              <a:ext uri="{FF2B5EF4-FFF2-40B4-BE49-F238E27FC236}">
+                <a16:creationId xmlns:a16="http://schemas.microsoft.com/office/drawing/2014/main" id="{2D497BB7-276E-4106-A9B0-4876CAA0B05E}"/>
+              </a:ext>
+            </a:extLst>
+          </p:cNvPr>
+          <p:cNvPicPr>
+            <a:picLocks noChangeAspect="1" noChangeArrowheads="1"/>
+          </p:cNvPicPr>
+          <p:nvPr/>
+        </p:nvPicPr>
+        <p:blipFill>
+          <a:blip r:embed="rId4">
+            <a:extLst>
+              <a:ext uri="{28A0092B-C50C-407E-A947-70E740481C1C}">
+                <a14:useLocalDpi xmlns:a14="http://schemas.microsoft.com/office/drawing/2010/main" val="0"/>
+              </a:ext>
+            </a:extLst>
+          </a:blip>
+          <a:srcRect/>
+          <a:stretch>
+            <a:fillRect/>
+          </a:stretch>
+        </p:blipFill>
+        <p:spPr bwMode="auto">
+          <a:xfrm>
+            <a:off x="7581972" y="1680739"/>
+            <a:ext cx="2982443" cy="1591516"/>
+          </a:xfrm>
+          <a:prstGeom prst="rect">
+            <a:avLst/>
+          </a:prstGeom>
+          <a:noFill/>
+          <a:extLst>
+            <a:ext uri="{909E8E84-426E-40DD-AFC4-6F175D3DCCD1}">
+              <a14:hiddenFill xmlns:a14="http://schemas.microsoft.com/office/drawing/2010/main">
+                <a:solidFill>
+                  <a:srgbClr val="FFFFFF"/>
+                </a:solidFill>
+              </a14:hiddenFill>
+            </a:ext>
+          </a:extLst>
+        </p:spPr>
+      </p:pic>
+      <p:pic>
+        <p:nvPicPr>
+          <p:cNvPr id="1034" name="Picture 10" descr="Heroku, original, wordmark, logo Free Icon of Devicon">
+            <a:extLst>
+              <a:ext uri="{FF2B5EF4-FFF2-40B4-BE49-F238E27FC236}">
+                <a16:creationId xmlns:a16="http://schemas.microsoft.com/office/drawing/2014/main" id="{B95AA2A3-019E-4291-AA25-B9123A651F1D}"/>
+              </a:ext>
+            </a:extLst>
+          </p:cNvPr>
+          <p:cNvPicPr>
+            <a:picLocks noChangeAspect="1" noChangeArrowheads="1"/>
+          </p:cNvPicPr>
+          <p:nvPr/>
+        </p:nvPicPr>
+        <p:blipFill>
+          <a:blip r:embed="rId5">
+            <a:extLst>
+              <a:ext uri="{28A0092B-C50C-407E-A947-70E740481C1C}">
+                <a14:useLocalDpi xmlns:a14="http://schemas.microsoft.com/office/drawing/2010/main" val="0"/>
+              </a:ext>
+            </a:extLst>
+          </a:blip>
+          <a:srcRect/>
+          <a:stretch>
+            <a:fillRect/>
+          </a:stretch>
+        </p:blipFill>
+        <p:spPr bwMode="auto">
+          <a:xfrm>
+            <a:off x="1600200" y="3272257"/>
+            <a:ext cx="3026283" cy="1600200"/>
+          </a:xfrm>
+          <a:prstGeom prst="rect">
+            <a:avLst/>
+          </a:prstGeom>
+          <a:noFill/>
+          <a:extLst>
+            <a:ext uri="{909E8E84-426E-40DD-AFC4-6F175D3DCCD1}">
+              <a14:hiddenFill xmlns:a14="http://schemas.microsoft.com/office/drawing/2010/main">
+                <a:solidFill>
+                  <a:srgbClr val="FFFFFF"/>
+                </a:solidFill>
+              </a14:hiddenFill>
+            </a:ext>
+          </a:extLst>
+        </p:spPr>
+      </p:pic>
+      <p:pic>
+        <p:nvPicPr>
+          <p:cNvPr id="1036" name="Picture 12" descr="CassTech">
+            <a:extLst>
+              <a:ext uri="{FF2B5EF4-FFF2-40B4-BE49-F238E27FC236}">
+                <a16:creationId xmlns:a16="http://schemas.microsoft.com/office/drawing/2014/main" id="{29A6E6D5-0DD5-49C0-90D9-6F3B3A0331DC}"/>
+              </a:ext>
+            </a:extLst>
+          </p:cNvPr>
+          <p:cNvPicPr>
+            <a:picLocks noChangeAspect="1" noChangeArrowheads="1"/>
+          </p:cNvPicPr>
+          <p:nvPr/>
+        </p:nvPicPr>
+        <p:blipFill>
+          <a:blip r:embed="rId6" cstate="print">
+            <a:extLst>
+              <a:ext uri="{28A0092B-C50C-407E-A947-70E740481C1C}">
+                <a14:useLocalDpi xmlns:a14="http://schemas.microsoft.com/office/drawing/2010/main" val="0"/>
+              </a:ext>
+            </a:extLst>
+          </a:blip>
+          <a:srcRect/>
+          <a:stretch>
+            <a:fillRect/>
+          </a:stretch>
+        </p:blipFill>
+        <p:spPr bwMode="auto">
+          <a:xfrm>
+            <a:off x="4600626" y="3263571"/>
+            <a:ext cx="2982443" cy="1600200"/>
+          </a:xfrm>
+          <a:prstGeom prst="rect">
+            <a:avLst/>
+          </a:prstGeom>
+          <a:noFill/>
+          <a:extLst>
+            <a:ext uri="{909E8E84-426E-40DD-AFC4-6F175D3DCCD1}">
+              <a14:hiddenFill xmlns:a14="http://schemas.microsoft.com/office/drawing/2010/main">
+                <a:solidFill>
+                  <a:srgbClr val="FFFFFF"/>
+                </a:solidFill>
+              </a14:hiddenFill>
+            </a:ext>
+          </a:extLst>
+        </p:spPr>
+      </p:pic>
+      <p:pic>
+        <p:nvPicPr>
+          <p:cNvPr id="1038" name="Picture 14" descr="100DaysofCode Chapter 1 ~ HTML and CSS Basics - DEV Community">
+            <a:extLst>
+              <a:ext uri="{FF2B5EF4-FFF2-40B4-BE49-F238E27FC236}">
+                <a16:creationId xmlns:a16="http://schemas.microsoft.com/office/drawing/2014/main" id="{1B0CDA16-362F-4EB2-A99E-DC653DAFF565}"/>
+              </a:ext>
+            </a:extLst>
+          </p:cNvPr>
+          <p:cNvPicPr>
+            <a:picLocks noChangeAspect="1" noChangeArrowheads="1"/>
+          </p:cNvPicPr>
+          <p:nvPr/>
+        </p:nvPicPr>
+        <p:blipFill>
+          <a:blip r:embed="rId7" cstate="print">
+            <a:extLst>
+              <a:ext uri="{28A0092B-C50C-407E-A947-70E740481C1C}">
+                <a14:useLocalDpi xmlns:a14="http://schemas.microsoft.com/office/drawing/2010/main" val="0"/>
+              </a:ext>
+            </a:extLst>
+          </a:blip>
+          <a:srcRect/>
+          <a:stretch>
+            <a:fillRect/>
+          </a:stretch>
+        </p:blipFill>
+        <p:spPr bwMode="auto">
+          <a:xfrm>
+            <a:off x="7577417" y="3263571"/>
+            <a:ext cx="2982443" cy="1591516"/>
+          </a:xfrm>
+          <a:prstGeom prst="rect">
+            <a:avLst/>
+          </a:prstGeom>
+          <a:noFill/>
+          <a:extLst>
+            <a:ext uri="{909E8E84-426E-40DD-AFC4-6F175D3DCCD1}">
+              <a14:hiddenFill xmlns:a14="http://schemas.microsoft.com/office/drawing/2010/main">
+                <a:solidFill>
+                  <a:srgbClr val="FFFFFF"/>
+                </a:solidFill>
+              </a14:hiddenFill>
+            </a:ext>
+          </a:extLst>
+        </p:spPr>
+      </p:pic>
+      <p:pic>
+        <p:nvPicPr>
+          <p:cNvPr id="1040" name="Picture 16">
+            <a:extLst>
+              <a:ext uri="{FF2B5EF4-FFF2-40B4-BE49-F238E27FC236}">
+                <a16:creationId xmlns:a16="http://schemas.microsoft.com/office/drawing/2014/main" id="{C524F5DB-BF14-48DD-8C73-784CA463BB2F}"/>
+              </a:ext>
+            </a:extLst>
+          </p:cNvPr>
+          <p:cNvPicPr>
+            <a:picLocks noChangeAspect="1" noChangeArrowheads="1"/>
+          </p:cNvPicPr>
+          <p:nvPr/>
+        </p:nvPicPr>
+        <p:blipFill>
+          <a:blip r:embed="rId8" cstate="print">
+            <a:extLst>
+              <a:ext uri="{28A0092B-C50C-407E-A947-70E740481C1C}">
+                <a14:useLocalDpi xmlns:a14="http://schemas.microsoft.com/office/drawing/2010/main" val="0"/>
+              </a:ext>
+            </a:extLst>
+          </a:blip>
+          <a:srcRect/>
+          <a:stretch>
+            <a:fillRect/>
+          </a:stretch>
+        </p:blipFill>
+        <p:spPr bwMode="auto">
+          <a:xfrm>
+            <a:off x="1653367" y="1680741"/>
+            <a:ext cx="2956663" cy="1591516"/>
+          </a:xfrm>
+          <a:prstGeom prst="rect">
+            <a:avLst/>
+          </a:prstGeom>
+          <a:noFill/>
+          <a:extLst>
+            <a:ext uri="{909E8E84-426E-40DD-AFC4-6F175D3DCCD1}">
+              <a14:hiddenFill xmlns:a14="http://schemas.microsoft.com/office/drawing/2010/main">
+                <a:solidFill>
+                  <a:srgbClr val="FFFFFF"/>
+                </a:solidFill>
+              </a14:hiddenFill>
+            </a:ext>
+          </a:extLst>
+        </p:spPr>
+      </p:pic>
+      <p:pic>
+        <p:nvPicPr>
+          <p:cNvPr id="12" name="Picture 2" descr="GitHub Telegraf Input Plugin | InfluxData">
+            <a:extLst>
+              <a:ext uri="{FF2B5EF4-FFF2-40B4-BE49-F238E27FC236}">
+                <a16:creationId xmlns:a16="http://schemas.microsoft.com/office/drawing/2014/main" id="{9DDC954C-7FD8-473F-8725-0D64ECFD2AEF}"/>
+              </a:ext>
+            </a:extLst>
+          </p:cNvPr>
+          <p:cNvPicPr>
+            <a:picLocks noChangeAspect="1" noChangeArrowheads="1"/>
+          </p:cNvPicPr>
+          <p:nvPr/>
+        </p:nvPicPr>
+        <p:blipFill>
+          <a:blip r:embed="rId9">
+            <a:extLst>
+              <a:ext uri="{28A0092B-C50C-407E-A947-70E740481C1C}">
+                <a14:useLocalDpi xmlns:a14="http://schemas.microsoft.com/office/drawing/2010/main" val="0"/>
+              </a:ext>
+            </a:extLst>
+          </a:blip>
+          <a:srcRect/>
+          <a:stretch>
+            <a:fillRect/>
+          </a:stretch>
+        </p:blipFill>
+        <p:spPr bwMode="auto">
+          <a:xfrm>
+            <a:off x="6096000" y="4872457"/>
+            <a:ext cx="2971800" cy="1574144"/>
+          </a:xfrm>
+          <a:prstGeom prst="rect">
+            <a:avLst/>
+          </a:prstGeom>
+          <a:noFill/>
+          <a:extLst>
+            <a:ext uri="{909E8E84-426E-40DD-AFC4-6F175D3DCCD1}">
+              <a14:hiddenFill xmlns:a14="http://schemas.microsoft.com/office/drawing/2010/main">
+                <a:solidFill>
+                  <a:srgbClr val="FFFFFF"/>
+                </a:solidFill>
+              </a14:hiddenFill>
+            </a:ext>
+          </a:extLst>
+        </p:spPr>
+      </p:pic>
     </p:spTree>
     <p:extLst>
       <p:ext uri="{BB962C8B-B14F-4D97-AF65-F5344CB8AC3E}">
@@ -5162,6 +5513,45 @@
           <a:chExt cx="0" cy="0"/>
         </a:xfrm>
       </p:grpSpPr>
+      <p:pic>
+        <p:nvPicPr>
+          <p:cNvPr id="16" name="Graphic 15" descr="Cloud">
+            <a:extLst>
+              <a:ext uri="{FF2B5EF4-FFF2-40B4-BE49-F238E27FC236}">
+                <a16:creationId xmlns:a16="http://schemas.microsoft.com/office/drawing/2014/main" id="{7CE05EE9-46E8-4E75-BD16-04DD6190C74A}"/>
+              </a:ext>
+            </a:extLst>
+          </p:cNvPr>
+          <p:cNvPicPr>
+            <a:picLocks noChangeAspect="1"/>
+          </p:cNvPicPr>
+          <p:nvPr/>
+        </p:nvPicPr>
+        <p:blipFill>
+          <a:blip r:embed="rId2">
+            <a:extLst>
+              <a:ext uri="{28A0092B-C50C-407E-A947-70E740481C1C}">
+                <a14:useLocalDpi xmlns:a14="http://schemas.microsoft.com/office/drawing/2010/main" val="0"/>
+              </a:ext>
+              <a:ext uri="{96DAC541-7B7A-43D3-8B79-37D633B846F1}">
+                <asvg:svgBlip xmlns:asvg="http://schemas.microsoft.com/office/drawing/2016/SVG/main" r:embed="rId3"/>
+              </a:ext>
+            </a:extLst>
+          </a:blip>
+          <a:stretch>
+            <a:fillRect/>
+          </a:stretch>
+        </p:blipFill>
+        <p:spPr>
+          <a:xfrm>
+            <a:off x="2832765" y="2146864"/>
+            <a:ext cx="4088068" cy="3727818"/>
+          </a:xfrm>
+          <a:prstGeom prst="rect">
+            <a:avLst/>
+          </a:prstGeom>
+        </p:spPr>
+      </p:pic>
       <p:sp>
         <p:nvSpPr>
           <p:cNvPr id="2" name="Title 1">
@@ -5194,28 +5584,616 @@
           </a:p>
         </p:txBody>
       </p:sp>
-      <p:sp>
-        <p:nvSpPr>
-          <p:cNvPr id="3" name="Content Placeholder 2">
+      <p:pic>
+        <p:nvPicPr>
+          <p:cNvPr id="4" name="Picture 2" descr="2016-06-27_1940">
             <a:extLst>
               <a:ext uri="{FF2B5EF4-FFF2-40B4-BE49-F238E27FC236}">
-                <a16:creationId xmlns:a16="http://schemas.microsoft.com/office/drawing/2014/main" id="{2FD68E8A-8D7E-444A-977D-CA9D013BF288}"/>
+                <a16:creationId xmlns:a16="http://schemas.microsoft.com/office/drawing/2014/main" id="{03167064-8DFC-43AD-A29B-F6A19017F7BD}"/>
               </a:ext>
             </a:extLst>
           </p:cNvPr>
-          <p:cNvSpPr>
-            <a:spLocks noGrp="1"/>
-          </p:cNvSpPr>
-          <p:nvPr>
-            <p:ph idx="1"/>
-          </p:nvPr>
-        </p:nvSpPr>
-        <p:spPr/>
-        <p:txBody>
-          <a:bodyPr/>
+          <p:cNvPicPr>
+            <a:picLocks noChangeAspect="1" noChangeArrowheads="1"/>
+          </p:cNvPicPr>
+          <p:nvPr/>
+        </p:nvPicPr>
+        <p:blipFill>
+          <a:blip r:embed="rId4" cstate="print">
+            <a:extLst>
+              <a:ext uri="{28A0092B-C50C-407E-A947-70E740481C1C}">
+                <a14:useLocalDpi xmlns:a14="http://schemas.microsoft.com/office/drawing/2010/main" val="0"/>
+              </a:ext>
+            </a:extLst>
+          </a:blip>
+          <a:srcRect/>
+          <a:stretch>
+            <a:fillRect/>
+          </a:stretch>
+        </p:blipFill>
+        <p:spPr bwMode="auto">
+          <a:xfrm>
+            <a:off x="4176569" y="1683588"/>
+            <a:ext cx="951967" cy="824542"/>
+          </a:xfrm>
+          <a:prstGeom prst="rect">
+            <a:avLst/>
+          </a:prstGeom>
+          <a:noFill/>
+          <a:extLst>
+            <a:ext uri="{909E8E84-426E-40DD-AFC4-6F175D3DCCD1}">
+              <a14:hiddenFill xmlns:a14="http://schemas.microsoft.com/office/drawing/2010/main">
+                <a:solidFill>
+                  <a:srgbClr val="FFFFFF"/>
+                </a:solidFill>
+              </a14:hiddenFill>
+            </a:ext>
+          </a:extLst>
+        </p:spPr>
+      </p:pic>
+      <p:pic>
+        <p:nvPicPr>
+          <p:cNvPr id="5" name="Picture 4" descr="What is Python?">
+            <a:extLst>
+              <a:ext uri="{FF2B5EF4-FFF2-40B4-BE49-F238E27FC236}">
+                <a16:creationId xmlns:a16="http://schemas.microsoft.com/office/drawing/2014/main" id="{5F921041-75E1-4F93-B7F5-26F0B6AB227F}"/>
+              </a:ext>
+            </a:extLst>
+          </p:cNvPr>
+          <p:cNvPicPr>
+            <a:picLocks noChangeAspect="1" noChangeArrowheads="1"/>
+          </p:cNvPicPr>
+          <p:nvPr/>
+        </p:nvPicPr>
+        <p:blipFill>
+          <a:blip r:embed="rId5" cstate="print">
+            <a:extLst>
+              <a:ext uri="{28A0092B-C50C-407E-A947-70E740481C1C}">
+                <a14:useLocalDpi xmlns:a14="http://schemas.microsoft.com/office/drawing/2010/main" val="0"/>
+              </a:ext>
+            </a:extLst>
+          </a:blip>
+          <a:srcRect/>
+          <a:stretch>
+            <a:fillRect/>
+          </a:stretch>
+        </p:blipFill>
+        <p:spPr bwMode="auto">
+          <a:xfrm>
+            <a:off x="4694933" y="5698605"/>
+            <a:ext cx="749371" cy="733583"/>
+          </a:xfrm>
+          <a:prstGeom prst="rect">
+            <a:avLst/>
+          </a:prstGeom>
+          <a:noFill/>
+          <a:extLst>
+            <a:ext uri="{909E8E84-426E-40DD-AFC4-6F175D3DCCD1}">
+              <a14:hiddenFill xmlns:a14="http://schemas.microsoft.com/office/drawing/2010/main">
+                <a:solidFill>
+                  <a:srgbClr val="FFFFFF"/>
+                </a:solidFill>
+              </a14:hiddenFill>
+            </a:ext>
+          </a:extLst>
+        </p:spPr>
+      </p:pic>
+      <p:pic>
+        <p:nvPicPr>
+          <p:cNvPr id="6" name="Picture 6" descr="GitHub - mjhea0/flaskr-tdd: Flaskr: Intro to Flask, Test-Driven Development  (TDD), and JavaScript">
+            <a:extLst>
+              <a:ext uri="{FF2B5EF4-FFF2-40B4-BE49-F238E27FC236}">
+                <a16:creationId xmlns:a16="http://schemas.microsoft.com/office/drawing/2014/main" id="{43B024A7-2187-42AB-B72B-E88403D432E3}"/>
+              </a:ext>
+            </a:extLst>
+          </p:cNvPr>
+          <p:cNvPicPr>
+            <a:picLocks noChangeAspect="1" noChangeArrowheads="1"/>
+          </p:cNvPicPr>
+          <p:nvPr/>
+        </p:nvPicPr>
+        <p:blipFill>
+          <a:blip r:embed="rId6">
+            <a:extLst>
+              <a:ext uri="{28A0092B-C50C-407E-A947-70E740481C1C}">
+                <a14:useLocalDpi xmlns:a14="http://schemas.microsoft.com/office/drawing/2010/main" val="0"/>
+              </a:ext>
+            </a:extLst>
+          </a:blip>
+          <a:srcRect/>
+          <a:stretch>
+            <a:fillRect/>
+          </a:stretch>
+        </p:blipFill>
+        <p:spPr bwMode="auto">
+          <a:xfrm>
+            <a:off x="5025737" y="3895216"/>
+            <a:ext cx="837134" cy="733583"/>
+          </a:xfrm>
+          <a:prstGeom prst="rect">
+            <a:avLst/>
+          </a:prstGeom>
+          <a:noFill/>
+          <a:extLst>
+            <a:ext uri="{909E8E84-426E-40DD-AFC4-6F175D3DCCD1}">
+              <a14:hiddenFill xmlns:a14="http://schemas.microsoft.com/office/drawing/2010/main">
+                <a:solidFill>
+                  <a:srgbClr val="FFFFFF"/>
+                </a:solidFill>
+              </a14:hiddenFill>
+            </a:ext>
+          </a:extLst>
+        </p:spPr>
+      </p:pic>
+      <p:pic>
+        <p:nvPicPr>
+          <p:cNvPr id="7" name="Picture 10" descr="Heroku, original, wordmark, logo Free Icon of Devicon">
+            <a:extLst>
+              <a:ext uri="{FF2B5EF4-FFF2-40B4-BE49-F238E27FC236}">
+                <a16:creationId xmlns:a16="http://schemas.microsoft.com/office/drawing/2014/main" id="{42401C8D-15AB-479E-8E5E-546CBD2E04DC}"/>
+              </a:ext>
+            </a:extLst>
+          </p:cNvPr>
+          <p:cNvPicPr>
+            <a:picLocks noChangeAspect="1" noChangeArrowheads="1"/>
+          </p:cNvPicPr>
+          <p:nvPr/>
+        </p:nvPicPr>
+        <p:blipFill>
+          <a:blip r:embed="rId7" cstate="print">
+            <a:extLst>
+              <a:ext uri="{28A0092B-C50C-407E-A947-70E740481C1C}">
+                <a14:useLocalDpi xmlns:a14="http://schemas.microsoft.com/office/drawing/2010/main" val="0"/>
+              </a:ext>
+            </a:extLst>
+          </a:blip>
+          <a:srcRect/>
+          <a:stretch>
+            <a:fillRect/>
+          </a:stretch>
+        </p:blipFill>
+        <p:spPr bwMode="auto">
+          <a:xfrm>
+            <a:off x="4099784" y="3895216"/>
+            <a:ext cx="778359" cy="685800"/>
+          </a:xfrm>
+          <a:prstGeom prst="rect">
+            <a:avLst/>
+          </a:prstGeom>
+          <a:noFill/>
+          <a:extLst>
+            <a:ext uri="{909E8E84-426E-40DD-AFC4-6F175D3DCCD1}">
+              <a14:hiddenFill xmlns:a14="http://schemas.microsoft.com/office/drawing/2010/main">
+                <a:solidFill>
+                  <a:srgbClr val="FFFFFF"/>
+                </a:solidFill>
+              </a14:hiddenFill>
+            </a:ext>
+          </a:extLst>
+        </p:spPr>
+      </p:pic>
+      <p:pic>
+        <p:nvPicPr>
+          <p:cNvPr id="27" name="Picture 16">
+            <a:extLst>
+              <a:ext uri="{FF2B5EF4-FFF2-40B4-BE49-F238E27FC236}">
+                <a16:creationId xmlns:a16="http://schemas.microsoft.com/office/drawing/2014/main" id="{BFA9A0EE-310C-4E6B-8EA3-7507D715AABA}"/>
+              </a:ext>
+            </a:extLst>
+          </p:cNvPr>
+          <p:cNvPicPr>
+            <a:picLocks noChangeAspect="1" noChangeArrowheads="1"/>
+          </p:cNvPicPr>
+          <p:nvPr/>
+        </p:nvPicPr>
+        <p:blipFill>
+          <a:blip r:embed="rId8" cstate="print">
+            <a:extLst>
+              <a:ext uri="{28A0092B-C50C-407E-A947-70E740481C1C}">
+                <a14:useLocalDpi xmlns:a14="http://schemas.microsoft.com/office/drawing/2010/main" val="0"/>
+              </a:ext>
+            </a:extLst>
+          </a:blip>
+          <a:srcRect/>
+          <a:stretch>
+            <a:fillRect/>
+          </a:stretch>
+        </p:blipFill>
+        <p:spPr bwMode="auto">
+          <a:xfrm>
+            <a:off x="3945562" y="5686770"/>
+            <a:ext cx="749371" cy="733583"/>
+          </a:xfrm>
+          <a:prstGeom prst="rect">
+            <a:avLst/>
+          </a:prstGeom>
+          <a:noFill/>
+          <a:extLst>
+            <a:ext uri="{909E8E84-426E-40DD-AFC4-6F175D3DCCD1}">
+              <a14:hiddenFill xmlns:a14="http://schemas.microsoft.com/office/drawing/2010/main">
+                <a:solidFill>
+                  <a:srgbClr val="FFFFFF"/>
+                </a:solidFill>
+              </a14:hiddenFill>
+            </a:ext>
+          </a:extLst>
+        </p:spPr>
+      </p:pic>
+      <p:cxnSp>
+        <p:nvCxnSpPr>
+          <p:cNvPr id="42" name="Straight Arrow Connector 41">
+            <a:extLst>
+              <a:ext uri="{FF2B5EF4-FFF2-40B4-BE49-F238E27FC236}">
+                <a16:creationId xmlns:a16="http://schemas.microsoft.com/office/drawing/2014/main" id="{9FB34AB6-2B93-43AF-BD77-20332D86F3D5}"/>
+              </a:ext>
+            </a:extLst>
+          </p:cNvPr>
+          <p:cNvCxnSpPr>
+            <a:cxnSpLocks/>
+          </p:cNvCxnSpPr>
+          <p:nvPr/>
+        </p:nvCxnSpPr>
+        <p:spPr>
+          <a:xfrm>
+            <a:off x="4652552" y="2508130"/>
+            <a:ext cx="0" cy="602123"/>
+          </a:xfrm>
+          <a:prstGeom prst="straightConnector1">
+            <a:avLst/>
+          </a:prstGeom>
+          <a:ln>
+            <a:tailEnd type="triangle"/>
+          </a:ln>
+        </p:spPr>
+        <p:style>
+          <a:lnRef idx="3">
+            <a:schemeClr val="dk1"/>
+          </a:lnRef>
+          <a:fillRef idx="0">
+            <a:schemeClr val="dk1"/>
+          </a:fillRef>
+          <a:effectRef idx="2">
+            <a:schemeClr val="dk1"/>
+          </a:effectRef>
+          <a:fontRef idx="minor">
+            <a:schemeClr val="tx1"/>
+          </a:fontRef>
+        </p:style>
+      </p:cxnSp>
+      <p:cxnSp>
+        <p:nvCxnSpPr>
+          <p:cNvPr id="45" name="Straight Arrow Connector 44">
+            <a:extLst>
+              <a:ext uri="{FF2B5EF4-FFF2-40B4-BE49-F238E27FC236}">
+                <a16:creationId xmlns:a16="http://schemas.microsoft.com/office/drawing/2014/main" id="{2D5D87FE-5654-45C0-BBEE-A14BF55F5052}"/>
+              </a:ext>
+            </a:extLst>
+          </p:cNvPr>
+          <p:cNvCxnSpPr>
+            <a:cxnSpLocks/>
+          </p:cNvCxnSpPr>
+          <p:nvPr/>
+        </p:nvCxnSpPr>
+        <p:spPr>
+          <a:xfrm flipV="1">
+            <a:off x="4697326" y="4967322"/>
+            <a:ext cx="0" cy="719448"/>
+          </a:xfrm>
+          <a:prstGeom prst="straightConnector1">
+            <a:avLst/>
+          </a:prstGeom>
+          <a:ln>
+            <a:tailEnd type="triangle"/>
+          </a:ln>
+        </p:spPr>
+        <p:style>
+          <a:lnRef idx="3">
+            <a:schemeClr val="dk1"/>
+          </a:lnRef>
+          <a:fillRef idx="0">
+            <a:schemeClr val="dk1"/>
+          </a:fillRef>
+          <a:effectRef idx="2">
+            <a:schemeClr val="dk1"/>
+          </a:effectRef>
+          <a:fontRef idx="minor">
+            <a:schemeClr val="tx1"/>
+          </a:fontRef>
+        </p:style>
+      </p:cxnSp>
+      <p:pic>
+        <p:nvPicPr>
+          <p:cNvPr id="52" name="Graphic 51" descr="Monitor">
+            <a:extLst>
+              <a:ext uri="{FF2B5EF4-FFF2-40B4-BE49-F238E27FC236}">
+                <a16:creationId xmlns:a16="http://schemas.microsoft.com/office/drawing/2014/main" id="{82609F5C-0622-4A36-9286-D85254A15FC6}"/>
+              </a:ext>
+            </a:extLst>
+          </p:cNvPr>
+          <p:cNvPicPr>
+            <a:picLocks noChangeAspect="1"/>
+          </p:cNvPicPr>
+          <p:nvPr/>
+        </p:nvPicPr>
+        <p:blipFill>
+          <a:blip r:embed="rId9">
+            <a:extLst>
+              <a:ext uri="{28A0092B-C50C-407E-A947-70E740481C1C}">
+                <a14:useLocalDpi xmlns:a14="http://schemas.microsoft.com/office/drawing/2010/main" val="0"/>
+              </a:ext>
+              <a:ext uri="{96DAC541-7B7A-43D3-8B79-37D633B846F1}">
+                <asvg:svgBlip xmlns:asvg="http://schemas.microsoft.com/office/drawing/2016/SVG/main" r:embed="rId10"/>
+              </a:ext>
+            </a:extLst>
+          </a:blip>
+          <a:stretch>
+            <a:fillRect/>
+          </a:stretch>
+        </p:blipFill>
+        <p:spPr>
+          <a:xfrm>
+            <a:off x="8829150" y="3565295"/>
+            <a:ext cx="1768469" cy="1768469"/>
+          </a:xfrm>
+          <a:prstGeom prst="rect">
+            <a:avLst/>
+          </a:prstGeom>
+        </p:spPr>
+      </p:pic>
+      <p:cxnSp>
+        <p:nvCxnSpPr>
+          <p:cNvPr id="55" name="Straight Arrow Connector 54">
+            <a:extLst>
+              <a:ext uri="{FF2B5EF4-FFF2-40B4-BE49-F238E27FC236}">
+                <a16:creationId xmlns:a16="http://schemas.microsoft.com/office/drawing/2014/main" id="{AA37AA4D-E60E-401C-978E-32E7B5453A8E}"/>
+              </a:ext>
+            </a:extLst>
+          </p:cNvPr>
+          <p:cNvCxnSpPr>
+            <a:cxnSpLocks/>
+          </p:cNvCxnSpPr>
+          <p:nvPr/>
+        </p:nvCxnSpPr>
+        <p:spPr>
+          <a:xfrm flipH="1">
+            <a:off x="6629400" y="4449529"/>
+            <a:ext cx="2362201" cy="0"/>
+          </a:xfrm>
+          <a:prstGeom prst="straightConnector1">
+            <a:avLst/>
+          </a:prstGeom>
+          <a:ln>
+            <a:tailEnd type="triangle"/>
+          </a:ln>
+        </p:spPr>
+        <p:style>
+          <a:lnRef idx="3">
+            <a:schemeClr val="dk1"/>
+          </a:lnRef>
+          <a:fillRef idx="0">
+            <a:schemeClr val="dk1"/>
+          </a:fillRef>
+          <a:effectRef idx="2">
+            <a:schemeClr val="dk1"/>
+          </a:effectRef>
+          <a:fontRef idx="minor">
+            <a:schemeClr val="tx1"/>
+          </a:fontRef>
+        </p:style>
+      </p:cxnSp>
+      <p:cxnSp>
+        <p:nvCxnSpPr>
+          <p:cNvPr id="56" name="Straight Arrow Connector 55">
+            <a:extLst>
+              <a:ext uri="{FF2B5EF4-FFF2-40B4-BE49-F238E27FC236}">
+                <a16:creationId xmlns:a16="http://schemas.microsoft.com/office/drawing/2014/main" id="{08446E2C-4251-4FB1-8D97-E00B5C286465}"/>
+              </a:ext>
+            </a:extLst>
+          </p:cNvPr>
+          <p:cNvCxnSpPr>
+            <a:cxnSpLocks/>
+          </p:cNvCxnSpPr>
+          <p:nvPr/>
+        </p:nvCxnSpPr>
+        <p:spPr>
+          <a:xfrm>
+            <a:off x="6629400" y="4553191"/>
+            <a:ext cx="2362200" cy="0"/>
+          </a:xfrm>
+          <a:prstGeom prst="straightConnector1">
+            <a:avLst/>
+          </a:prstGeom>
+          <a:ln>
+            <a:tailEnd type="triangle"/>
+          </a:ln>
+        </p:spPr>
+        <p:style>
+          <a:lnRef idx="3">
+            <a:schemeClr val="dk1"/>
+          </a:lnRef>
+          <a:fillRef idx="0">
+            <a:schemeClr val="dk1"/>
+          </a:fillRef>
+          <a:effectRef idx="2">
+            <a:schemeClr val="dk1"/>
+          </a:effectRef>
+          <a:fontRef idx="minor">
+            <a:schemeClr val="tx1"/>
+          </a:fontRef>
+        </p:style>
+      </p:cxnSp>
+      <p:sp>
+        <p:nvSpPr>
+          <p:cNvPr id="60" name="TextBox 59">
+            <a:extLst>
+              <a:ext uri="{FF2B5EF4-FFF2-40B4-BE49-F238E27FC236}">
+                <a16:creationId xmlns:a16="http://schemas.microsoft.com/office/drawing/2014/main" id="{E7F2B02E-A27D-49C8-A4FC-D9CBA8434E79}"/>
+              </a:ext>
+            </a:extLst>
+          </p:cNvPr>
+          <p:cNvSpPr txBox="1"/>
+          <p:nvPr/>
+        </p:nvSpPr>
+        <p:spPr>
+          <a:xfrm>
+            <a:off x="9372600" y="3462930"/>
+            <a:ext cx="1371600" cy="307777"/>
+          </a:xfrm>
+          <a:prstGeom prst="rect">
+            <a:avLst/>
+          </a:prstGeom>
+          <a:noFill/>
+        </p:spPr>
+        <p:txBody>
+          <a:bodyPr wrap="square" rtlCol="0">
+            <a:spAutoFit/>
+          </a:bodyPr>
           <a:lstStyle/>
           <a:p>
-            <a:endParaRPr lang="en-US"/>
+            <a:r>
+              <a:rPr lang="en-US" sz="1400" dirty="0"/>
+              <a:t>Client</a:t>
+            </a:r>
+          </a:p>
+        </p:txBody>
+      </p:sp>
+      <p:sp>
+        <p:nvSpPr>
+          <p:cNvPr id="63" name="TextBox 62">
+            <a:extLst>
+              <a:ext uri="{FF2B5EF4-FFF2-40B4-BE49-F238E27FC236}">
+                <a16:creationId xmlns:a16="http://schemas.microsoft.com/office/drawing/2014/main" id="{9FB6FADC-D897-4C7C-926C-635A5477B425}"/>
+              </a:ext>
+            </a:extLst>
+          </p:cNvPr>
+          <p:cNvSpPr txBox="1"/>
+          <p:nvPr/>
+        </p:nvSpPr>
+        <p:spPr>
+          <a:xfrm>
+            <a:off x="4059662" y="6408851"/>
+            <a:ext cx="1546868" cy="307777"/>
+          </a:xfrm>
+          <a:prstGeom prst="rect">
+            <a:avLst/>
+          </a:prstGeom>
+          <a:noFill/>
+        </p:spPr>
+        <p:txBody>
+          <a:bodyPr wrap="square" rtlCol="0">
+            <a:spAutoFit/>
+          </a:bodyPr>
+          <a:lstStyle/>
+          <a:p>
+            <a:r>
+              <a:rPr lang="en-US" sz="1400" dirty="0"/>
+              <a:t>Model Training</a:t>
+            </a:r>
+          </a:p>
+        </p:txBody>
+      </p:sp>
+      <p:sp>
+        <p:nvSpPr>
+          <p:cNvPr id="64" name="TextBox 63">
+            <a:extLst>
+              <a:ext uri="{FF2B5EF4-FFF2-40B4-BE49-F238E27FC236}">
+                <a16:creationId xmlns:a16="http://schemas.microsoft.com/office/drawing/2014/main" id="{D4DEBBA1-036A-42C4-A06E-9E5966AAB2A0}"/>
+              </a:ext>
+            </a:extLst>
+          </p:cNvPr>
+          <p:cNvSpPr txBox="1"/>
+          <p:nvPr/>
+        </p:nvSpPr>
+        <p:spPr>
+          <a:xfrm>
+            <a:off x="4131044" y="3610776"/>
+            <a:ext cx="1731827" cy="307777"/>
+          </a:xfrm>
+          <a:prstGeom prst="rect">
+            <a:avLst/>
+          </a:prstGeom>
+          <a:noFill/>
+        </p:spPr>
+        <p:txBody>
+          <a:bodyPr wrap="square" rtlCol="0">
+            <a:spAutoFit/>
+          </a:bodyPr>
+          <a:lstStyle/>
+          <a:p>
+            <a:r>
+              <a:rPr lang="en-US" sz="1400" dirty="0"/>
+              <a:t>Python Web Service</a:t>
+            </a:r>
+          </a:p>
+        </p:txBody>
+      </p:sp>
+      <p:sp>
+        <p:nvSpPr>
+          <p:cNvPr id="67" name="TextBox 66">
+            <a:extLst>
+              <a:ext uri="{FF2B5EF4-FFF2-40B4-BE49-F238E27FC236}">
+                <a16:creationId xmlns:a16="http://schemas.microsoft.com/office/drawing/2014/main" id="{10F17A25-6362-4B71-AAE1-E02C160C89ED}"/>
+              </a:ext>
+            </a:extLst>
+          </p:cNvPr>
+          <p:cNvSpPr txBox="1"/>
+          <p:nvPr/>
+        </p:nvSpPr>
+        <p:spPr>
+          <a:xfrm>
+            <a:off x="7423508" y="4114073"/>
+            <a:ext cx="1371600" cy="307777"/>
+          </a:xfrm>
+          <a:prstGeom prst="rect">
+            <a:avLst/>
+          </a:prstGeom>
+          <a:noFill/>
+        </p:spPr>
+        <p:txBody>
+          <a:bodyPr wrap="square" rtlCol="0">
+            <a:spAutoFit/>
+          </a:bodyPr>
+          <a:lstStyle/>
+          <a:p>
+            <a:r>
+              <a:rPr lang="en-US" sz="1400" dirty="0"/>
+              <a:t>Request</a:t>
+            </a:r>
+          </a:p>
+        </p:txBody>
+      </p:sp>
+      <p:sp>
+        <p:nvSpPr>
+          <p:cNvPr id="68" name="TextBox 67">
+            <a:extLst>
+              <a:ext uri="{FF2B5EF4-FFF2-40B4-BE49-F238E27FC236}">
+                <a16:creationId xmlns:a16="http://schemas.microsoft.com/office/drawing/2014/main" id="{C3949517-1967-4CD8-88D2-A274684BC410}"/>
+              </a:ext>
+            </a:extLst>
+          </p:cNvPr>
+          <p:cNvSpPr txBox="1"/>
+          <p:nvPr/>
+        </p:nvSpPr>
+        <p:spPr>
+          <a:xfrm>
+            <a:off x="7423508" y="4541451"/>
+            <a:ext cx="1371600" cy="307777"/>
+          </a:xfrm>
+          <a:prstGeom prst="rect">
+            <a:avLst/>
+          </a:prstGeom>
+          <a:noFill/>
+        </p:spPr>
+        <p:txBody>
+          <a:bodyPr wrap="square" rtlCol="0">
+            <a:spAutoFit/>
+          </a:bodyPr>
+          <a:lstStyle/>
+          <a:p>
+            <a:r>
+              <a:rPr lang="en-US" sz="1400" dirty="0"/>
+              <a:t>Response</a:t>
+            </a:r>
           </a:p>
         </p:txBody>
       </p:sp>

--- a/Heart Failure Detection.pptx
+++ b/Heart Failure Detection.pptx
@@ -5707,7 +5707,7 @@
         </p:blipFill>
         <p:spPr bwMode="auto">
           <a:xfrm>
-            <a:off x="5025737" y="3895216"/>
+            <a:off x="4825032" y="3819608"/>
             <a:ext cx="837134" cy="733583"/>
           </a:xfrm>
           <a:prstGeom prst="rect">
@@ -5754,7 +5754,7 @@
         </p:blipFill>
         <p:spPr bwMode="auto">
           <a:xfrm>
-            <a:off x="4099784" y="3895216"/>
+            <a:off x="3916573" y="3832346"/>
             <a:ext cx="778359" cy="685800"/>
           </a:xfrm>
           <a:prstGeom prst="rect">
@@ -6106,7 +6106,7 @@
         </p:nvSpPr>
         <p:spPr>
           <a:xfrm>
-            <a:off x="4131044" y="3610776"/>
+            <a:off x="4694932" y="4566209"/>
             <a:ext cx="1731827" cy="307777"/>
           </a:xfrm>
           <a:prstGeom prst="rect">
@@ -6193,6 +6193,41 @@
             <a:r>
               <a:rPr lang="en-US" sz="1400" dirty="0"/>
               <a:t>Response</a:t>
+            </a:r>
+          </a:p>
+        </p:txBody>
+      </p:sp>
+      <p:sp>
+        <p:nvSpPr>
+          <p:cNvPr id="19" name="TextBox 18">
+            <a:extLst>
+              <a:ext uri="{FF2B5EF4-FFF2-40B4-BE49-F238E27FC236}">
+                <a16:creationId xmlns:a16="http://schemas.microsoft.com/office/drawing/2014/main" id="{11D62BB5-E0BD-4761-A4B1-4A4CAFC221C4}"/>
+              </a:ext>
+            </a:extLst>
+          </p:cNvPr>
+          <p:cNvSpPr txBox="1"/>
+          <p:nvPr/>
+        </p:nvSpPr>
+        <p:spPr>
+          <a:xfrm>
+            <a:off x="4694932" y="5179875"/>
+            <a:ext cx="1908311" cy="307777"/>
+          </a:xfrm>
+          <a:prstGeom prst="rect">
+            <a:avLst/>
+          </a:prstGeom>
+          <a:noFill/>
+        </p:spPr>
+        <p:txBody>
+          <a:bodyPr wrap="square" rtlCol="0">
+            <a:spAutoFit/>
+          </a:bodyPr>
+          <a:lstStyle/>
+          <a:p>
+            <a:r>
+              <a:rPr lang="en-US" sz="1400" dirty="0"/>
+              <a:t>.sav model deployed </a:t>
             </a:r>
           </a:p>
         </p:txBody>

--- a/Heart Failure Detection.pptx
+++ b/Heart Failure Detection.pptx
@@ -143,16 +143,47 @@
 </p:presentation>
 </file>
 
-<file path=ppt/revisionInfo.xml><?xml version="1.0" encoding="utf-8"?>
-<p1510:revInfo xmlns:a="http://schemas.openxmlformats.org/drawingml/2006/main" xmlns:r="http://schemas.openxmlformats.org/officeDocument/2006/relationships" xmlns:p1510="http://schemas.microsoft.com/office/powerpoint/2015/10/main">
-  <p1510:revLst>
-    <p1510:client id="{1A8502D2-6165-45C4-A125-0BDB5634B1C0}" v="24" dt="2021-05-27T18:57:08.079"/>
-  </p1510:revLst>
-</p1510:revInfo>
-</file>
-
 <file path=ppt/changesInfos/changesInfo1.xml><?xml version="1.0" encoding="utf-8"?>
 <pc:chgInfo xmlns:a="http://schemas.openxmlformats.org/drawingml/2006/main" xmlns:r="http://schemas.openxmlformats.org/officeDocument/2006/relationships" xmlns:ac="http://schemas.microsoft.com/office/drawing/2013/main/command" xmlns:pc="http://schemas.microsoft.com/office/powerpoint/2013/main/command">
+  <pc:docChgLst>
+    <pc:chgData name="Gabriel Allen" userId="c7c74c84cd207ce6" providerId="LiveId" clId="{20E67E25-A074-4412-AC6C-233FDE51C7E4}"/>
+    <pc:docChg chg="custSel modSld">
+      <pc:chgData name="Gabriel Allen" userId="c7c74c84cd207ce6" providerId="LiveId" clId="{20E67E25-A074-4412-AC6C-233FDE51C7E4}" dt="2021-05-28T19:33:08.073" v="105" actId="20577"/>
+      <pc:docMkLst>
+        <pc:docMk/>
+      </pc:docMkLst>
+      <pc:sldChg chg="modSp mod">
+        <pc:chgData name="Gabriel Allen" userId="c7c74c84cd207ce6" providerId="LiveId" clId="{20E67E25-A074-4412-AC6C-233FDE51C7E4}" dt="2021-05-28T19:16:39.396" v="44" actId="20577"/>
+        <pc:sldMkLst>
+          <pc:docMk/>
+          <pc:sldMk cId="599704222" sldId="266"/>
+        </pc:sldMkLst>
+        <pc:spChg chg="mod">
+          <ac:chgData name="Gabriel Allen" userId="c7c74c84cd207ce6" providerId="LiveId" clId="{20E67E25-A074-4412-AC6C-233FDE51C7E4}" dt="2021-05-28T19:16:39.396" v="44" actId="20577"/>
+          <ac:spMkLst>
+            <pc:docMk/>
+            <pc:sldMk cId="599704222" sldId="266"/>
+            <ac:spMk id="10" creationId="{D8BA4922-9EE5-4C00-B1E5-201FEA4E62C5}"/>
+          </ac:spMkLst>
+        </pc:spChg>
+      </pc:sldChg>
+      <pc:sldChg chg="modSp mod">
+        <pc:chgData name="Gabriel Allen" userId="c7c74c84cd207ce6" providerId="LiveId" clId="{20E67E25-A074-4412-AC6C-233FDE51C7E4}" dt="2021-05-28T19:33:08.073" v="105" actId="20577"/>
+        <pc:sldMkLst>
+          <pc:docMk/>
+          <pc:sldMk cId="1090972995" sldId="267"/>
+        </pc:sldMkLst>
+        <pc:spChg chg="mod">
+          <ac:chgData name="Gabriel Allen" userId="c7c74c84cd207ce6" providerId="LiveId" clId="{20E67E25-A074-4412-AC6C-233FDE51C7E4}" dt="2021-05-28T19:33:08.073" v="105" actId="20577"/>
+          <ac:spMkLst>
+            <pc:docMk/>
+            <pc:sldMk cId="1090972995" sldId="267"/>
+            <ac:spMk id="6" creationId="{20313F4B-4166-4657-87E6-701011F26768}"/>
+          </ac:spMkLst>
+        </pc:spChg>
+      </pc:sldChg>
+    </pc:docChg>
+  </pc:docChgLst>
   <pc:docChgLst>
     <pc:chgData name="Gabriel Allen" userId="c7c74c84cd207ce6" providerId="LiveId" clId="{1A8502D2-6165-45C4-A125-0BDB5634B1C0}"/>
     <pc:docChg chg="undo redo custSel addSld modSld">
@@ -803,7 +834,7 @@
           <a:p>
             <a:fld id="{043B725B-653D-4166-A8E9-72A38A1847CF}" type="datetimeFigureOut">
               <a:rPr lang="en-US"/>
-              <a:t>5/27/2021</a:t>
+              <a:t>5/28/2021</a:t>
             </a:fld>
             <a:endParaRPr/>
           </a:p>
@@ -968,7 +999,7 @@
           <a:p>
             <a:fld id="{783F64CD-0576-4A9A-BD06-7889D6E60BDC}" type="datetimeFigureOut">
               <a:rPr lang="en-US"/>
-              <a:t>5/27/2021</a:t>
+              <a:t>5/28/2021</a:t>
             </a:fld>
             <a:endParaRPr/>
           </a:p>
@@ -1566,7 +1597,7 @@
           <a:p>
             <a:fld id="{37CC0096-1860-4642-9CD2-0079EA5E7CD1}" type="datetimeFigureOut">
               <a:rPr lang="en-US"/>
-              <a:t>5/27/2021</a:t>
+              <a:t>5/28/2021</a:t>
             </a:fld>
             <a:endParaRPr/>
           </a:p>
@@ -1815,7 +1846,7 @@
           <a:p>
             <a:fld id="{37CC0096-1860-4642-9CD2-0079EA5E7CD1}" type="datetimeFigureOut">
               <a:rPr lang="en-US"/>
-              <a:t>5/27/2021</a:t>
+              <a:t>5/28/2021</a:t>
             </a:fld>
             <a:endParaRPr/>
           </a:p>
@@ -2001,7 +2032,7 @@
           <a:p>
             <a:fld id="{37CC0096-1860-4642-9CD2-0079EA5E7CD1}" type="datetimeFigureOut">
               <a:rPr lang="en-US"/>
-              <a:t>5/27/2021</a:t>
+              <a:t>5/28/2021</a:t>
             </a:fld>
             <a:endParaRPr/>
           </a:p>
@@ -2532,7 +2563,7 @@
           <a:p>
             <a:fld id="{37CC0096-1860-4642-9CD2-0079EA5E7CD1}" type="datetimeFigureOut">
               <a:rPr lang="en-US"/>
-              <a:t>5/27/2021</a:t>
+              <a:t>5/28/2021</a:t>
             </a:fld>
             <a:endParaRPr/>
           </a:p>
@@ -2984,7 +3015,7 @@
           <a:p>
             <a:fld id="{37CC0096-1860-4642-9CD2-0079EA5E7CD1}" type="datetimeFigureOut">
               <a:rPr lang="en-US"/>
-              <a:t>5/27/2021</a:t>
+              <a:t>5/28/2021</a:t>
             </a:fld>
             <a:endParaRPr/>
           </a:p>
@@ -3114,7 +3145,7 @@
           <a:p>
             <a:fld id="{37CC0096-1860-4642-9CD2-0079EA5E7CD1}" type="datetimeFigureOut">
               <a:rPr lang="en-US"/>
-              <a:t>5/27/2021</a:t>
+              <a:t>5/28/2021</a:t>
             </a:fld>
             <a:endParaRPr/>
           </a:p>
@@ -3221,7 +3252,7 @@
           <a:p>
             <a:fld id="{37CC0096-1860-4642-9CD2-0079EA5E7CD1}" type="datetimeFigureOut">
               <a:rPr lang="en-US"/>
-              <a:t>5/27/2021</a:t>
+              <a:t>5/28/2021</a:t>
             </a:fld>
             <a:endParaRPr/>
           </a:p>
@@ -4210,7 +4241,7 @@
             <a:fld id="{37CC0096-1860-4642-9CD2-0079EA5E7CD1}" type="datetimeFigureOut">
               <a:rPr lang="en-US" smtClean="0"/>
               <a:pPr/>
-              <a:t>5/27/2021</a:t>
+              <a:t>5/28/2021</a:t>
             </a:fld>
             <a:endParaRPr lang="en-US" dirty="0"/>
           </a:p>
@@ -7502,7 +7533,7 @@
         </p:spPr>
         <p:txBody>
           <a:bodyPr>
-            <a:normAutofit lnSpcReduction="10000"/>
+            <a:normAutofit/>
           </a:bodyPr>
           <a:lstStyle/>
           <a:p>
@@ -7519,7 +7550,7 @@
               <a:rPr lang="en-US" dirty="0">
                 <a:latin typeface="Arial Nova" panose="020B0504020202020204" pitchFamily="34" charset="0"/>
               </a:rPr>
-              <a:t>Continuous variables appear to be roughly balanced with no bi-modal frequency distributions</a:t>
+              <a:t>Continuous variable distributions appear to be roughly balanced with no bi-modal frequency distributions</a:t>
             </a:r>
           </a:p>
           <a:p>
@@ -7551,7 +7582,7 @@
               <a:rPr lang="en-US" dirty="0">
                 <a:latin typeface="Arial Nova" panose="020B0504020202020204" pitchFamily="34" charset="0"/>
               </a:rPr>
-              <a:t>Time has been omitted from this analysis as a probable classification attribute due to the subjective nature and the weight that the overpowering correlation would have on modeling</a:t>
+              <a:t>Time has been omitted from this analysis as a probable classification attribute due to the subjective nature and the collinearity of the attribute</a:t>
             </a:r>
           </a:p>
           <a:p>
@@ -8175,7 +8206,9 @@
         </p:nvSpPr>
         <p:spPr/>
         <p:txBody>
-          <a:bodyPr/>
+          <a:bodyPr>
+            <a:normAutofit fontScale="92500"/>
+          </a:bodyPr>
           <a:lstStyle/>
           <a:p>
             <a:r>
@@ -8216,7 +8249,7 @@
               <a:rPr lang="en-US" dirty="0">
                 <a:latin typeface="Arial Nova" panose="020B0504020202020204" pitchFamily="34" charset="0"/>
               </a:rPr>
-              <a:t>Serum Creatine</a:t>
+              <a:t>Serum Creatinine</a:t>
             </a:r>
           </a:p>
           <a:p>
@@ -8227,6 +8260,28 @@
               </a:rPr>
               <a:t>Ejection Fraction</a:t>
             </a:r>
+          </a:p>
+          <a:p>
+            <a:r>
+              <a:rPr lang="en-US" dirty="0">
+                <a:latin typeface="Arial Nova" panose="020B0504020202020204" pitchFamily="34" charset="0"/>
+              </a:rPr>
+              <a:t>Go to your Doctor!!!</a:t>
+            </a:r>
+          </a:p>
+          <a:p>
+            <a:pPr lvl="1"/>
+            <a:r>
+              <a:rPr lang="en-US" dirty="0">
+                <a:latin typeface="Arial Nova" panose="020B0504020202020204" pitchFamily="34" charset="0"/>
+              </a:rPr>
+              <a:t>Lab results are important</a:t>
+            </a:r>
+          </a:p>
+          <a:p>
+            <a:endParaRPr lang="en-US" dirty="0">
+              <a:latin typeface="Arial Nova" panose="020B0504020202020204" pitchFamily="34" charset="0"/>
+            </a:endParaRPr>
           </a:p>
         </p:txBody>
       </p:sp>

--- a/Heart Failure Detection.pptx
+++ b/Heart Failure Detection.pptx
@@ -5,10 +5,10 @@
     <p:sldMasterId id="2147483648" r:id="rId1"/>
   </p:sldMasterIdLst>
   <p:notesMasterIdLst>
-    <p:notesMasterId r:id="rId14"/>
+    <p:notesMasterId r:id="rId15"/>
   </p:notesMasterIdLst>
   <p:handoutMasterIdLst>
-    <p:handoutMasterId r:id="rId15"/>
+    <p:handoutMasterId r:id="rId16"/>
   </p:handoutMasterIdLst>
   <p:sldIdLst>
     <p:sldId id="256" r:id="rId2"/>
@@ -20,9 +20,10 @@
     <p:sldId id="261" r:id="rId8"/>
     <p:sldId id="262" r:id="rId9"/>
     <p:sldId id="267" r:id="rId10"/>
-    <p:sldId id="263" r:id="rId11"/>
-    <p:sldId id="264" r:id="rId12"/>
-    <p:sldId id="265" r:id="rId13"/>
+    <p:sldId id="268" r:id="rId11"/>
+    <p:sldId id="263" r:id="rId12"/>
+    <p:sldId id="264" r:id="rId13"/>
+    <p:sldId id="265" r:id="rId14"/>
   </p:sldIdLst>
   <p:sldSz cx="12192000" cy="6858000"/>
   <p:notesSz cx="6858000" cy="9144000"/>
@@ -143,15 +144,155 @@
 </p:presentation>
 </file>
 
+<file path=ppt/revisionInfo.xml><?xml version="1.0" encoding="utf-8"?>
+<p1510:revInfo xmlns:a="http://schemas.openxmlformats.org/drawingml/2006/main" xmlns:r="http://schemas.openxmlformats.org/officeDocument/2006/relationships" xmlns:p1510="http://schemas.microsoft.com/office/powerpoint/2015/10/main">
+  <p1510:revLst>
+    <p1510:client id="{20E67E25-A074-4412-AC6C-233FDE51C7E4}" v="5" dt="2021-05-29T17:03:18.022"/>
+  </p1510:revLst>
+</p1510:revInfo>
+</file>
+
 <file path=ppt/changesInfos/changesInfo1.xml><?xml version="1.0" encoding="utf-8"?>
 <pc:chgInfo xmlns:a="http://schemas.openxmlformats.org/drawingml/2006/main" xmlns:r="http://schemas.openxmlformats.org/officeDocument/2006/relationships" xmlns:ac="http://schemas.microsoft.com/office/drawing/2013/main/command" xmlns:pc="http://schemas.microsoft.com/office/powerpoint/2013/main/command">
   <pc:docChgLst>
     <pc:chgData name="Gabriel Allen" userId="c7c74c84cd207ce6" providerId="LiveId" clId="{20E67E25-A074-4412-AC6C-233FDE51C7E4}"/>
-    <pc:docChg chg="custSel modSld">
-      <pc:chgData name="Gabriel Allen" userId="c7c74c84cd207ce6" providerId="LiveId" clId="{20E67E25-A074-4412-AC6C-233FDE51C7E4}" dt="2021-05-28T19:33:08.073" v="105" actId="20577"/>
+    <pc:docChg chg="undo custSel addSld modSld">
+      <pc:chgData name="Gabriel Allen" userId="c7c74c84cd207ce6" providerId="LiveId" clId="{20E67E25-A074-4412-AC6C-233FDE51C7E4}" dt="2021-05-29T17:30:18.406" v="582" actId="20577"/>
       <pc:docMkLst>
         <pc:docMk/>
       </pc:docMkLst>
+      <pc:sldChg chg="modSp mod">
+        <pc:chgData name="Gabriel Allen" userId="c7c74c84cd207ce6" providerId="LiveId" clId="{20E67E25-A074-4412-AC6C-233FDE51C7E4}" dt="2021-05-29T17:30:18.406" v="582" actId="20577"/>
+        <pc:sldMkLst>
+          <pc:docMk/>
+          <pc:sldMk cId="3557814306" sldId="258"/>
+        </pc:sldMkLst>
+        <pc:spChg chg="mod">
+          <ac:chgData name="Gabriel Allen" userId="c7c74c84cd207ce6" providerId="LiveId" clId="{20E67E25-A074-4412-AC6C-233FDE51C7E4}" dt="2021-05-29T17:30:18.406" v="582" actId="20577"/>
+          <ac:spMkLst>
+            <pc:docMk/>
+            <pc:sldMk cId="3557814306" sldId="258"/>
+            <ac:spMk id="3" creationId="{2F7C00B5-C747-4948-9FCC-454DBA589387}"/>
+          </ac:spMkLst>
+        </pc:spChg>
+      </pc:sldChg>
+      <pc:sldChg chg="addSp delSp modSp mod">
+        <pc:chgData name="Gabriel Allen" userId="c7c74c84cd207ce6" providerId="LiveId" clId="{20E67E25-A074-4412-AC6C-233FDE51C7E4}" dt="2021-05-29T16:57:38.858" v="110" actId="1440"/>
+        <pc:sldMkLst>
+          <pc:docMk/>
+          <pc:sldMk cId="2093344483" sldId="260"/>
+        </pc:sldMkLst>
+        <pc:spChg chg="add del mod">
+          <ac:chgData name="Gabriel Allen" userId="c7c74c84cd207ce6" providerId="LiveId" clId="{20E67E25-A074-4412-AC6C-233FDE51C7E4}" dt="2021-05-29T16:57:34.314" v="107" actId="931"/>
+          <ac:spMkLst>
+            <pc:docMk/>
+            <pc:sldMk cId="2093344483" sldId="260"/>
+            <ac:spMk id="4" creationId="{E81C80B2-66FD-423D-A4D6-8B08C6109D33}"/>
+          </ac:spMkLst>
+        </pc:spChg>
+        <pc:picChg chg="del">
+          <ac:chgData name="Gabriel Allen" userId="c7c74c84cd207ce6" providerId="LiveId" clId="{20E67E25-A074-4412-AC6C-233FDE51C7E4}" dt="2021-05-29T16:57:20.746" v="106" actId="478"/>
+          <ac:picMkLst>
+            <pc:docMk/>
+            <pc:sldMk cId="2093344483" sldId="260"/>
+            <ac:picMk id="5" creationId="{FB83E461-A45D-4BBB-B49F-98845BE48582}"/>
+          </ac:picMkLst>
+        </pc:picChg>
+        <pc:picChg chg="add mod">
+          <ac:chgData name="Gabriel Allen" userId="c7c74c84cd207ce6" providerId="LiveId" clId="{20E67E25-A074-4412-AC6C-233FDE51C7E4}" dt="2021-05-29T16:57:38.858" v="110" actId="1440"/>
+          <ac:picMkLst>
+            <pc:docMk/>
+            <pc:sldMk cId="2093344483" sldId="260"/>
+            <ac:picMk id="7" creationId="{13094BEE-A657-4232-AA41-1C3A7548950B}"/>
+          </ac:picMkLst>
+        </pc:picChg>
+      </pc:sldChg>
+      <pc:sldChg chg="addSp delSp modSp mod">
+        <pc:chgData name="Gabriel Allen" userId="c7c74c84cd207ce6" providerId="LiveId" clId="{20E67E25-A074-4412-AC6C-233FDE51C7E4}" dt="2021-05-29T16:58:23.169" v="120" actId="1440"/>
+        <pc:sldMkLst>
+          <pc:docMk/>
+          <pc:sldMk cId="75736108" sldId="262"/>
+        </pc:sldMkLst>
+        <pc:spChg chg="add del mod">
+          <ac:chgData name="Gabriel Allen" userId="c7c74c84cd207ce6" providerId="LiveId" clId="{20E67E25-A074-4412-AC6C-233FDE51C7E4}" dt="2021-05-29T16:58:04.057" v="113" actId="931"/>
+          <ac:spMkLst>
+            <pc:docMk/>
+            <pc:sldMk cId="75736108" sldId="262"/>
+            <ac:spMk id="4" creationId="{8935B482-6EB3-46ED-B1D6-6251806C38D6}"/>
+          </ac:spMkLst>
+        </pc:spChg>
+        <pc:spChg chg="add del mod">
+          <ac:chgData name="Gabriel Allen" userId="c7c74c84cd207ce6" providerId="LiveId" clId="{20E67E25-A074-4412-AC6C-233FDE51C7E4}" dt="2021-05-29T16:58:07.675" v="116" actId="931"/>
+          <ac:spMkLst>
+            <pc:docMk/>
+            <pc:sldMk cId="75736108" sldId="262"/>
+            <ac:spMk id="6" creationId="{74CA1FED-5418-4010-B6CE-9A350E23F9D4}"/>
+          </ac:spMkLst>
+        </pc:spChg>
+        <pc:picChg chg="del">
+          <ac:chgData name="Gabriel Allen" userId="c7c74c84cd207ce6" providerId="LiveId" clId="{20E67E25-A074-4412-AC6C-233FDE51C7E4}" dt="2021-05-29T16:57:59.201" v="111" actId="478"/>
+          <ac:picMkLst>
+            <pc:docMk/>
+            <pc:sldMk cId="75736108" sldId="262"/>
+            <ac:picMk id="7" creationId="{D6176749-EEB8-4836-AD7D-DA574CF100C9}"/>
+          </ac:picMkLst>
+        </pc:picChg>
+        <pc:picChg chg="del">
+          <ac:chgData name="Gabriel Allen" userId="c7c74c84cd207ce6" providerId="LiveId" clId="{20E67E25-A074-4412-AC6C-233FDE51C7E4}" dt="2021-05-29T16:57:59.969" v="112" actId="478"/>
+          <ac:picMkLst>
+            <pc:docMk/>
+            <pc:sldMk cId="75736108" sldId="262"/>
+            <ac:picMk id="9" creationId="{21E6641B-B70A-4416-829A-98F84F65B594}"/>
+          </ac:picMkLst>
+        </pc:picChg>
+        <pc:picChg chg="add mod">
+          <ac:chgData name="Gabriel Allen" userId="c7c74c84cd207ce6" providerId="LiveId" clId="{20E67E25-A074-4412-AC6C-233FDE51C7E4}" dt="2021-05-29T16:58:11.465" v="119" actId="1440"/>
+          <ac:picMkLst>
+            <pc:docMk/>
+            <pc:sldMk cId="75736108" sldId="262"/>
+            <ac:picMk id="13" creationId="{47B5419C-85AE-4FAD-8140-97FA0CDBA788}"/>
+          </ac:picMkLst>
+        </pc:picChg>
+        <pc:picChg chg="add mod">
+          <ac:chgData name="Gabriel Allen" userId="c7c74c84cd207ce6" providerId="LiveId" clId="{20E67E25-A074-4412-AC6C-233FDE51C7E4}" dt="2021-05-29T16:58:23.169" v="120" actId="1440"/>
+          <ac:picMkLst>
+            <pc:docMk/>
+            <pc:sldMk cId="75736108" sldId="262"/>
+            <ac:picMk id="15" creationId="{AD6ADC5F-4A8D-481F-9356-D1A3A8D4B6F9}"/>
+          </ac:picMkLst>
+        </pc:picChg>
+      </pc:sldChg>
+      <pc:sldChg chg="modSp mod">
+        <pc:chgData name="Gabriel Allen" userId="c7c74c84cd207ce6" providerId="LiveId" clId="{20E67E25-A074-4412-AC6C-233FDE51C7E4}" dt="2021-05-29T17:25:21.474" v="559" actId="1076"/>
+        <pc:sldMkLst>
+          <pc:docMk/>
+          <pc:sldMk cId="4210805558" sldId="263"/>
+        </pc:sldMkLst>
+        <pc:spChg chg="mod">
+          <ac:chgData name="Gabriel Allen" userId="c7c74c84cd207ce6" providerId="LiveId" clId="{20E67E25-A074-4412-AC6C-233FDE51C7E4}" dt="2021-05-29T17:24:53.610" v="557" actId="207"/>
+          <ac:spMkLst>
+            <pc:docMk/>
+            <pc:sldMk cId="4210805558" sldId="263"/>
+            <ac:spMk id="17" creationId="{632700C3-3FB0-4D35-BB8A-EBC1972A1727}"/>
+          </ac:spMkLst>
+        </pc:spChg>
+        <pc:picChg chg="mod">
+          <ac:chgData name="Gabriel Allen" userId="c7c74c84cd207ce6" providerId="LiveId" clId="{20E67E25-A074-4412-AC6C-233FDE51C7E4}" dt="2021-05-29T17:25:21.474" v="559" actId="1076"/>
+          <ac:picMkLst>
+            <pc:docMk/>
+            <pc:sldMk cId="4210805558" sldId="263"/>
+            <ac:picMk id="23" creationId="{6984E023-2778-460A-B8DB-AC9E7D557E46}"/>
+          </ac:picMkLst>
+        </pc:picChg>
+        <pc:picChg chg="mod">
+          <ac:chgData name="Gabriel Allen" userId="c7c74c84cd207ce6" providerId="LiveId" clId="{20E67E25-A074-4412-AC6C-233FDE51C7E4}" dt="2021-05-29T17:25:12.584" v="558" actId="1076"/>
+          <ac:picMkLst>
+            <pc:docMk/>
+            <pc:sldMk cId="4210805558" sldId="263"/>
+            <ac:picMk id="25" creationId="{6E82364D-FC87-461C-80F3-440C70BF7211}"/>
+          </ac:picMkLst>
+        </pc:picChg>
+      </pc:sldChg>
       <pc:sldChg chg="modSp mod">
         <pc:chgData name="Gabriel Allen" userId="c7c74c84cd207ce6" providerId="LiveId" clId="{20E67E25-A074-4412-AC6C-233FDE51C7E4}" dt="2021-05-28T19:16:39.396" v="44" actId="20577"/>
         <pc:sldMkLst>
@@ -167,12 +308,20 @@
           </ac:spMkLst>
         </pc:spChg>
       </pc:sldChg>
-      <pc:sldChg chg="modSp mod">
-        <pc:chgData name="Gabriel Allen" userId="c7c74c84cd207ce6" providerId="LiveId" clId="{20E67E25-A074-4412-AC6C-233FDE51C7E4}" dt="2021-05-28T19:33:08.073" v="105" actId="20577"/>
+      <pc:sldChg chg="addSp delSp modSp mod">
+        <pc:chgData name="Gabriel Allen" userId="c7c74c84cd207ce6" providerId="LiveId" clId="{20E67E25-A074-4412-AC6C-233FDE51C7E4}" dt="2021-05-29T16:59:27.489" v="125" actId="1440"/>
         <pc:sldMkLst>
           <pc:docMk/>
           <pc:sldMk cId="1090972995" sldId="267"/>
         </pc:sldMkLst>
+        <pc:spChg chg="add del mod">
+          <ac:chgData name="Gabriel Allen" userId="c7c74c84cd207ce6" providerId="LiveId" clId="{20E67E25-A074-4412-AC6C-233FDE51C7E4}" dt="2021-05-29T16:59:05.084" v="122" actId="931"/>
+          <ac:spMkLst>
+            <pc:docMk/>
+            <pc:sldMk cId="1090972995" sldId="267"/>
+            <ac:spMk id="4" creationId="{B5FFB42E-F4F7-4653-976C-D7E7BE79433A}"/>
+          </ac:spMkLst>
+        </pc:spChg>
         <pc:spChg chg="mod">
           <ac:chgData name="Gabriel Allen" userId="c7c74c84cd207ce6" providerId="LiveId" clId="{20E67E25-A074-4412-AC6C-233FDE51C7E4}" dt="2021-05-28T19:33:08.073" v="105" actId="20577"/>
           <ac:spMkLst>
@@ -181,6 +330,61 @@
             <ac:spMk id="6" creationId="{20313F4B-4166-4657-87E6-701011F26768}"/>
           </ac:spMkLst>
         </pc:spChg>
+        <pc:picChg chg="del">
+          <ac:chgData name="Gabriel Allen" userId="c7c74c84cd207ce6" providerId="LiveId" clId="{20E67E25-A074-4412-AC6C-233FDE51C7E4}" dt="2021-05-29T16:59:00.688" v="121" actId="478"/>
+          <ac:picMkLst>
+            <pc:docMk/>
+            <pc:sldMk cId="1090972995" sldId="267"/>
+            <ac:picMk id="5" creationId="{5E18AA0D-7F7E-4B30-BD4C-C114E25A1778}"/>
+          </ac:picMkLst>
+        </pc:picChg>
+        <pc:picChg chg="add mod">
+          <ac:chgData name="Gabriel Allen" userId="c7c74c84cd207ce6" providerId="LiveId" clId="{20E67E25-A074-4412-AC6C-233FDE51C7E4}" dt="2021-05-29T16:59:27.489" v="125" actId="1440"/>
+          <ac:picMkLst>
+            <pc:docMk/>
+            <pc:sldMk cId="1090972995" sldId="267"/>
+            <ac:picMk id="8" creationId="{A097E38D-32E5-4A19-8A5D-264B8239646D}"/>
+          </ac:picMkLst>
+        </pc:picChg>
+      </pc:sldChg>
+      <pc:sldChg chg="addSp delSp modSp new mod">
+        <pc:chgData name="Gabriel Allen" userId="c7c74c84cd207ce6" providerId="LiveId" clId="{20E67E25-A074-4412-AC6C-233FDE51C7E4}" dt="2021-05-29T17:27:26.731" v="565" actId="113"/>
+        <pc:sldMkLst>
+          <pc:docMk/>
+          <pc:sldMk cId="1231187705" sldId="268"/>
+        </pc:sldMkLst>
+        <pc:spChg chg="mod">
+          <ac:chgData name="Gabriel Allen" userId="c7c74c84cd207ce6" providerId="LiveId" clId="{20E67E25-A074-4412-AC6C-233FDE51C7E4}" dt="2021-05-29T17:11:04.803" v="521" actId="404"/>
+          <ac:spMkLst>
+            <pc:docMk/>
+            <pc:sldMk cId="1231187705" sldId="268"/>
+            <ac:spMk id="2" creationId="{65ACA074-FA30-4B9A-8DC1-B7ECBE8309DC}"/>
+          </ac:spMkLst>
+        </pc:spChg>
+        <pc:spChg chg="mod">
+          <ac:chgData name="Gabriel Allen" userId="c7c74c84cd207ce6" providerId="LiveId" clId="{20E67E25-A074-4412-AC6C-233FDE51C7E4}" dt="2021-05-29T17:27:26.731" v="565" actId="113"/>
+          <ac:spMkLst>
+            <pc:docMk/>
+            <pc:sldMk cId="1231187705" sldId="268"/>
+            <ac:spMk id="3" creationId="{7282ACC7-4821-4C53-A089-FC265EBA809E}"/>
+          </ac:spMkLst>
+        </pc:spChg>
+        <pc:spChg chg="del">
+          <ac:chgData name="Gabriel Allen" userId="c7c74c84cd207ce6" providerId="LiveId" clId="{20E67E25-A074-4412-AC6C-233FDE51C7E4}" dt="2021-05-29T17:03:18.022" v="129" actId="931"/>
+          <ac:spMkLst>
+            <pc:docMk/>
+            <pc:sldMk cId="1231187705" sldId="268"/>
+            <ac:spMk id="4" creationId="{0FF4DC96-6485-4F6A-B7C8-1C6B9C17E5D0}"/>
+          </ac:spMkLst>
+        </pc:spChg>
+        <pc:picChg chg="add mod">
+          <ac:chgData name="Gabriel Allen" userId="c7c74c84cd207ce6" providerId="LiveId" clId="{20E67E25-A074-4412-AC6C-233FDE51C7E4}" dt="2021-05-29T17:03:28.198" v="133" actId="14100"/>
+          <ac:picMkLst>
+            <pc:docMk/>
+            <pc:sldMk cId="1231187705" sldId="268"/>
+            <ac:picMk id="6" creationId="{31F40CD8-1384-4994-9E8E-526645244D2D}"/>
+          </ac:picMkLst>
+        </pc:picChg>
       </pc:sldChg>
     </pc:docChg>
   </pc:docChgLst>
@@ -834,7 +1038,7 @@
           <a:p>
             <a:fld id="{043B725B-653D-4166-A8E9-72A38A1847CF}" type="datetimeFigureOut">
               <a:rPr lang="en-US"/>
-              <a:t>5/28/2021</a:t>
+              <a:t>5/29/2021</a:t>
             </a:fld>
             <a:endParaRPr/>
           </a:p>
@@ -999,7 +1203,7 @@
           <a:p>
             <a:fld id="{783F64CD-0576-4A9A-BD06-7889D6E60BDC}" type="datetimeFigureOut">
               <a:rPr lang="en-US"/>
-              <a:t>5/28/2021</a:t>
+              <a:t>5/29/2021</a:t>
             </a:fld>
             <a:endParaRPr/>
           </a:p>
@@ -1597,7 +1801,7 @@
           <a:p>
             <a:fld id="{37CC0096-1860-4642-9CD2-0079EA5E7CD1}" type="datetimeFigureOut">
               <a:rPr lang="en-US"/>
-              <a:t>5/28/2021</a:t>
+              <a:t>5/29/2021</a:t>
             </a:fld>
             <a:endParaRPr/>
           </a:p>
@@ -1846,7 +2050,7 @@
           <a:p>
             <a:fld id="{37CC0096-1860-4642-9CD2-0079EA5E7CD1}" type="datetimeFigureOut">
               <a:rPr lang="en-US"/>
-              <a:t>5/28/2021</a:t>
+              <a:t>5/29/2021</a:t>
             </a:fld>
             <a:endParaRPr/>
           </a:p>
@@ -2032,7 +2236,7 @@
           <a:p>
             <a:fld id="{37CC0096-1860-4642-9CD2-0079EA5E7CD1}" type="datetimeFigureOut">
               <a:rPr lang="en-US"/>
-              <a:t>5/28/2021</a:t>
+              <a:t>5/29/2021</a:t>
             </a:fld>
             <a:endParaRPr/>
           </a:p>
@@ -2563,7 +2767,7 @@
           <a:p>
             <a:fld id="{37CC0096-1860-4642-9CD2-0079EA5E7CD1}" type="datetimeFigureOut">
               <a:rPr lang="en-US"/>
-              <a:t>5/28/2021</a:t>
+              <a:t>5/29/2021</a:t>
             </a:fld>
             <a:endParaRPr/>
           </a:p>
@@ -3015,7 +3219,7 @@
           <a:p>
             <a:fld id="{37CC0096-1860-4642-9CD2-0079EA5E7CD1}" type="datetimeFigureOut">
               <a:rPr lang="en-US"/>
-              <a:t>5/28/2021</a:t>
+              <a:t>5/29/2021</a:t>
             </a:fld>
             <a:endParaRPr/>
           </a:p>
@@ -3145,7 +3349,7 @@
           <a:p>
             <a:fld id="{37CC0096-1860-4642-9CD2-0079EA5E7CD1}" type="datetimeFigureOut">
               <a:rPr lang="en-US"/>
-              <a:t>5/28/2021</a:t>
+              <a:t>5/29/2021</a:t>
             </a:fld>
             <a:endParaRPr/>
           </a:p>
@@ -3252,7 +3456,7 @@
           <a:p>
             <a:fld id="{37CC0096-1860-4642-9CD2-0079EA5E7CD1}" type="datetimeFigureOut">
               <a:rPr lang="en-US"/>
-              <a:t>5/28/2021</a:t>
+              <a:t>5/29/2021</a:t>
             </a:fld>
             <a:endParaRPr/>
           </a:p>
@@ -4241,7 +4445,7 @@
             <a:fld id="{37CC0096-1860-4642-9CD2-0079EA5E7CD1}" type="datetimeFigureOut">
               <a:rPr lang="en-US" smtClean="0"/>
               <a:pPr/>
-              <a:t>5/28/2021</a:t>
+              <a:t>5/29/2021</a:t>
             </a:fld>
             <a:endParaRPr lang="en-US" dirty="0"/>
           </a:p>
@@ -4782,6 +4986,284 @@
           <p:cNvPr id="2" name="Title 1">
             <a:extLst>
               <a:ext uri="{FF2B5EF4-FFF2-40B4-BE49-F238E27FC236}">
+                <a16:creationId xmlns:a16="http://schemas.microsoft.com/office/drawing/2014/main" id="{65ACA074-FA30-4B9A-8DC1-B7ECBE8309DC}"/>
+              </a:ext>
+            </a:extLst>
+          </p:cNvPr>
+          <p:cNvSpPr>
+            <a:spLocks noGrp="1"/>
+          </p:cNvSpPr>
+          <p:nvPr>
+            <p:ph type="title"/>
+          </p:nvPr>
+        </p:nvSpPr>
+        <p:spPr/>
+        <p:txBody>
+          <a:bodyPr>
+            <a:normAutofit/>
+          </a:bodyPr>
+          <a:lstStyle/>
+          <a:p>
+            <a:r>
+              <a:rPr lang="en-US" sz="2800" dirty="0">
+                <a:latin typeface="Arial Nova" panose="020B0504020202020204" pitchFamily="34" charset="0"/>
+              </a:rPr>
+              <a:t>ML MODEL DEVELOPMENT – PARAMETER SELECTION</a:t>
+            </a:r>
+            <a:endParaRPr lang="en-US" sz="2800" dirty="0"/>
+          </a:p>
+        </p:txBody>
+      </p:sp>
+      <p:sp>
+        <p:nvSpPr>
+          <p:cNvPr id="3" name="Content Placeholder 2">
+            <a:extLst>
+              <a:ext uri="{FF2B5EF4-FFF2-40B4-BE49-F238E27FC236}">
+                <a16:creationId xmlns:a16="http://schemas.microsoft.com/office/drawing/2014/main" id="{7282ACC7-4821-4C53-A089-FC265EBA809E}"/>
+              </a:ext>
+            </a:extLst>
+          </p:cNvPr>
+          <p:cNvSpPr>
+            <a:spLocks noGrp="1"/>
+          </p:cNvSpPr>
+          <p:nvPr>
+            <p:ph sz="half" idx="1"/>
+          </p:nvPr>
+        </p:nvSpPr>
+        <p:spPr/>
+        <p:txBody>
+          <a:bodyPr>
+            <a:normAutofit lnSpcReduction="10000"/>
+          </a:bodyPr>
+          <a:lstStyle/>
+          <a:p>
+            <a:r>
+              <a:rPr lang="en-US" dirty="0">
+                <a:latin typeface="Arial Nova" panose="020B0504020202020204" pitchFamily="34" charset="0"/>
+              </a:rPr>
+              <a:t>Tuned Parameters</a:t>
+            </a:r>
+          </a:p>
+          <a:p>
+            <a:pPr lvl="1"/>
+            <a:r>
+              <a:rPr lang="en-US" b="1" dirty="0" err="1">
+                <a:latin typeface="Arial Nova" panose="020B0504020202020204" pitchFamily="34" charset="0"/>
+              </a:rPr>
+              <a:t>n_estimators</a:t>
+            </a:r>
+            <a:r>
+              <a:rPr lang="en-US" b="1" dirty="0">
+                <a:latin typeface="Arial Nova" panose="020B0504020202020204" pitchFamily="34" charset="0"/>
+              </a:rPr>
+              <a:t> </a:t>
+            </a:r>
+            <a:r>
+              <a:rPr lang="en-US" dirty="0">
+                <a:latin typeface="Arial Nova" panose="020B0504020202020204" pitchFamily="34" charset="0"/>
+              </a:rPr>
+              <a:t>– Number of trees in the forest</a:t>
+            </a:r>
+          </a:p>
+          <a:p>
+            <a:pPr lvl="2"/>
+            <a:r>
+              <a:rPr lang="en-US" dirty="0">
+                <a:solidFill>
+                  <a:schemeClr val="accent1"/>
+                </a:solidFill>
+                <a:latin typeface="Arial Nova" panose="020B0504020202020204" pitchFamily="34" charset="0"/>
+              </a:rPr>
+              <a:t>85</a:t>
+            </a:r>
+          </a:p>
+          <a:p>
+            <a:pPr lvl="1"/>
+            <a:r>
+              <a:rPr lang="en-US" b="1" dirty="0" err="1">
+                <a:latin typeface="Arial Nova" panose="020B0504020202020204" pitchFamily="34" charset="0"/>
+              </a:rPr>
+              <a:t>max_features</a:t>
+            </a:r>
+            <a:r>
+              <a:rPr lang="en-US" b="1" dirty="0">
+                <a:latin typeface="Arial Nova" panose="020B0504020202020204" pitchFamily="34" charset="0"/>
+              </a:rPr>
+              <a:t> </a:t>
+            </a:r>
+            <a:r>
+              <a:rPr lang="en-US" dirty="0">
+                <a:latin typeface="Arial Nova" panose="020B0504020202020204" pitchFamily="34" charset="0"/>
+              </a:rPr>
+              <a:t>– The number of features to consider when looking for the best split</a:t>
+            </a:r>
+          </a:p>
+          <a:p>
+            <a:pPr lvl="2"/>
+            <a:r>
+              <a:rPr lang="en-US" dirty="0">
+                <a:latin typeface="Arial Nova" panose="020B0504020202020204" pitchFamily="34" charset="0"/>
+              </a:rPr>
+              <a:t>auto: </a:t>
+            </a:r>
+            <a:r>
+              <a:rPr lang="en-US" dirty="0" err="1">
+                <a:solidFill>
+                  <a:schemeClr val="accent1"/>
+                </a:solidFill>
+                <a:latin typeface="Arial Nova" panose="020B0504020202020204" pitchFamily="34" charset="0"/>
+              </a:rPr>
+              <a:t>max_features</a:t>
+            </a:r>
+            <a:r>
+              <a:rPr lang="en-US" dirty="0">
+                <a:solidFill>
+                  <a:schemeClr val="accent1"/>
+                </a:solidFill>
+                <a:latin typeface="Arial Nova" panose="020B0504020202020204" pitchFamily="34" charset="0"/>
+              </a:rPr>
+              <a:t>=sqrt(</a:t>
+            </a:r>
+            <a:r>
+              <a:rPr lang="en-US" dirty="0" err="1">
+                <a:solidFill>
+                  <a:schemeClr val="accent1"/>
+                </a:solidFill>
+                <a:latin typeface="Arial Nova" panose="020B0504020202020204" pitchFamily="34" charset="0"/>
+              </a:rPr>
+              <a:t>n_features</a:t>
+            </a:r>
+            <a:r>
+              <a:rPr lang="en-US" dirty="0">
+                <a:solidFill>
+                  <a:schemeClr val="accent1"/>
+                </a:solidFill>
+                <a:latin typeface="Arial Nova" panose="020B0504020202020204" pitchFamily="34" charset="0"/>
+              </a:rPr>
+              <a:t>)</a:t>
+            </a:r>
+          </a:p>
+          <a:p>
+            <a:pPr lvl="1"/>
+            <a:r>
+              <a:rPr lang="en-US" b="1" dirty="0">
+                <a:latin typeface="Arial Nova" panose="020B0504020202020204" pitchFamily="34" charset="0"/>
+              </a:rPr>
+              <a:t>Criterion</a:t>
+            </a:r>
+            <a:r>
+              <a:rPr lang="en-US" dirty="0">
+                <a:latin typeface="Arial Nova" panose="020B0504020202020204" pitchFamily="34" charset="0"/>
+              </a:rPr>
+              <a:t> – The function to measure quality of a split</a:t>
+            </a:r>
+          </a:p>
+          <a:p>
+            <a:pPr lvl="2"/>
+            <a:r>
+              <a:rPr lang="en-US" dirty="0">
+                <a:latin typeface="Arial Nova" panose="020B0504020202020204" pitchFamily="34" charset="0"/>
+              </a:rPr>
+              <a:t>Gini: </a:t>
+            </a:r>
+            <a:r>
+              <a:rPr lang="en-US" dirty="0">
+                <a:solidFill>
+                  <a:schemeClr val="accent1"/>
+                </a:solidFill>
+                <a:latin typeface="Arial Nova" panose="020B0504020202020204" pitchFamily="34" charset="0"/>
+              </a:rPr>
+              <a:t>a measure that the decision tree tries to minimize when splitting each node. Represents the probability that a randomly selected sample from a node will be incorrectly classified according to the distribution of samples in the node.</a:t>
+            </a:r>
+          </a:p>
+          <a:p>
+            <a:pPr lvl="2"/>
+            <a:endParaRPr lang="en-US" dirty="0"/>
+          </a:p>
+        </p:txBody>
+      </p:sp>
+      <p:pic>
+        <p:nvPicPr>
+          <p:cNvPr id="6" name="Content Placeholder 5" descr="Text&#10;&#10;Description automatically generated">
+            <a:extLst>
+              <a:ext uri="{FF2B5EF4-FFF2-40B4-BE49-F238E27FC236}">
+                <a16:creationId xmlns:a16="http://schemas.microsoft.com/office/drawing/2014/main" id="{31F40CD8-1384-4994-9E8E-526645244D2D}"/>
+              </a:ext>
+            </a:extLst>
+          </p:cNvPr>
+          <p:cNvPicPr>
+            <a:picLocks noGrp="1" noChangeAspect="1"/>
+          </p:cNvPicPr>
+          <p:nvPr>
+            <p:ph sz="half" idx="2"/>
+          </p:nvPr>
+        </p:nvPicPr>
+        <p:blipFill>
+          <a:blip r:embed="rId2">
+            <a:extLst>
+              <a:ext uri="{28A0092B-C50C-407E-A947-70E740481C1C}">
+                <a14:useLocalDpi xmlns:a14="http://schemas.microsoft.com/office/drawing/2010/main" val="0"/>
+              </a:ext>
+            </a:extLst>
+          </a:blip>
+          <a:stretch>
+            <a:fillRect/>
+          </a:stretch>
+        </p:blipFill>
+        <p:spPr>
+          <a:xfrm>
+            <a:off x="6053561" y="2514600"/>
+            <a:ext cx="5781207" cy="2971800"/>
+          </a:xfrm>
+        </p:spPr>
+      </p:pic>
+    </p:spTree>
+    <p:extLst>
+      <p:ext uri="{BB962C8B-B14F-4D97-AF65-F5344CB8AC3E}">
+        <p14:creationId xmlns:p14="http://schemas.microsoft.com/office/powerpoint/2010/main" val="1231187705"/>
+      </p:ext>
+    </p:extLst>
+  </p:cSld>
+  <p:clrMapOvr>
+    <a:masterClrMapping/>
+  </p:clrMapOvr>
+  <mc:AlternateContent xmlns:mc="http://schemas.openxmlformats.org/markup-compatibility/2006" xmlns:p14="http://schemas.microsoft.com/office/powerpoint/2010/main">
+    <mc:Choice Requires="p14">
+      <p:transition spd="med" p14:dur="700">
+        <p:fade/>
+      </p:transition>
+    </mc:Choice>
+    <mc:Fallback xmlns="">
+      <p:transition spd="med">
+        <p:fade/>
+      </p:transition>
+    </mc:Fallback>
+  </mc:AlternateContent>
+</p:sld>
+</file>
+
+<file path=ppt/slides/slide11.xml><?xml version="1.0" encoding="utf-8"?>
+<p:sld xmlns:a="http://schemas.openxmlformats.org/drawingml/2006/main" xmlns:r="http://schemas.openxmlformats.org/officeDocument/2006/relationships" xmlns:p="http://schemas.openxmlformats.org/presentationml/2006/main">
+  <p:cSld>
+    <p:spTree>
+      <p:nvGrpSpPr>
+        <p:cNvPr id="1" name=""/>
+        <p:cNvGrpSpPr/>
+        <p:nvPr/>
+      </p:nvGrpSpPr>
+      <p:grpSpPr>
+        <a:xfrm>
+          <a:off x="0" y="0"/>
+          <a:ext cx="0" cy="0"/>
+          <a:chOff x="0" y="0"/>
+          <a:chExt cx="0" cy="0"/>
+        </a:xfrm>
+      </p:grpSpPr>
+      <p:sp>
+        <p:nvSpPr>
+          <p:cNvPr id="2" name="Title 1">
+            <a:extLst>
+              <a:ext uri="{FF2B5EF4-FFF2-40B4-BE49-F238E27FC236}">
                 <a16:creationId xmlns:a16="http://schemas.microsoft.com/office/drawing/2014/main" id="{992B0293-51AD-4B9D-A7FC-756BB5B6EBCD}"/>
               </a:ext>
             </a:extLst>
@@ -4909,9 +5391,15 @@
             <a:pPr algn="ctr"/>
             <a:r>
               <a:rPr lang="en-US" dirty="0">
+                <a:solidFill>
+                  <a:schemeClr val="tx1">
+                    <a:lumMod val="75000"/>
+                    <a:lumOff val="25000"/>
+                  </a:schemeClr>
+                </a:solidFill>
                 <a:latin typeface="Arial Nova" panose="020B0504020202020204" pitchFamily="34" charset="0"/>
               </a:rPr>
-              <a:t>20% Improvement in True Negative Results with Hyper-Tuned Model </a:t>
+              <a:t>25% Reduction in Type I Error with Hyper-Tuned Model </a:t>
             </a:r>
           </a:p>
         </p:txBody>
@@ -4946,7 +5434,7 @@
         </p:blipFill>
         <p:spPr>
           <a:xfrm>
-            <a:off x="1066800" y="2846082"/>
+            <a:off x="1066800" y="2846081"/>
             <a:ext cx="4800600" cy="3299435"/>
           </a:xfrm>
           <a:prstGeom prst="snip2DiagRect">
@@ -5014,7 +5502,7 @@
         </p:blipFill>
         <p:spPr>
           <a:xfrm>
-            <a:off x="6324600" y="2846082"/>
+            <a:off x="6324600" y="2846081"/>
             <a:ext cx="4800600" cy="3299435"/>
           </a:xfrm>
           <a:prstGeom prst="snip2DiagRect">
@@ -5077,7 +5565,7 @@
 </p:sld>
 </file>
 
-<file path=ppt/slides/slide11.xml><?xml version="1.0" encoding="utf-8"?>
+<file path=ppt/slides/slide12.xml><?xml version="1.0" encoding="utf-8"?>
 <p:sld xmlns:a="http://schemas.openxmlformats.org/drawingml/2006/main" xmlns:r="http://schemas.openxmlformats.org/officeDocument/2006/relationships" xmlns:p="http://schemas.openxmlformats.org/presentationml/2006/main">
   <p:cSld>
     <p:spTree>
@@ -5527,7 +6015,7 @@
 </p:sld>
 </file>
 
-<file path=ppt/slides/slide12.xml><?xml version="1.0" encoding="utf-8"?>
+<file path=ppt/slides/slide13.xml><?xml version="1.0" encoding="utf-8"?>
 <p:sld xmlns:a="http://schemas.openxmlformats.org/drawingml/2006/main" xmlns:r="http://schemas.openxmlformats.org/officeDocument/2006/relationships" xmlns:p="http://schemas.openxmlformats.org/presentationml/2006/main">
   <p:cSld>
     <p:spTree>
@@ -6575,7 +7063,33 @@
                 <a:ea typeface="Times New Roman" panose="02020603050405020304" pitchFamily="18" charset="0"/>
                 <a:cs typeface="Times New Roman" panose="02020603050405020304" pitchFamily="18" charset="0"/>
               </a:rPr>
-              <a:t>The use case of this project is to help warn medical professionals and patients of a potential heart failure event by developing a robust classification model and deploying that model to an interactive portable application. </a:t>
+              <a:t>The use case of this project is to help warn medical professionals and patients of a potential heart failure event by developing a robust </a:t>
+            </a:r>
+            <a:r>
+              <a:rPr lang="en-US" sz="1600">
+                <a:latin typeface="Arial Nova" panose="020B0504020202020204" pitchFamily="34" charset="0"/>
+                <a:ea typeface="Times New Roman" panose="02020603050405020304" pitchFamily="18" charset="0"/>
+                <a:cs typeface="Times New Roman" panose="02020603050405020304" pitchFamily="18" charset="0"/>
+              </a:rPr>
+              <a:t>rapid screening</a:t>
+            </a:r>
+            <a:r>
+              <a:rPr lang="en-US" sz="1600">
+                <a:effectLst/>
+                <a:latin typeface="Arial Nova" panose="020B0504020202020204" pitchFamily="34" charset="0"/>
+                <a:ea typeface="Times New Roman" panose="02020603050405020304" pitchFamily="18" charset="0"/>
+                <a:cs typeface="Times New Roman" panose="02020603050405020304" pitchFamily="18" charset="0"/>
+              </a:rPr>
+              <a:t> </a:t>
+            </a:r>
+            <a:r>
+              <a:rPr lang="en-US" sz="1600" dirty="0">
+                <a:effectLst/>
+                <a:latin typeface="Arial Nova" panose="020B0504020202020204" pitchFamily="34" charset="0"/>
+                <a:ea typeface="Times New Roman" panose="02020603050405020304" pitchFamily="18" charset="0"/>
+                <a:cs typeface="Times New Roman" panose="02020603050405020304" pitchFamily="18" charset="0"/>
+              </a:rPr>
+              <a:t>model and deploying that model to an interactive portable application. </a:t>
             </a:r>
           </a:p>
           <a:p>
@@ -7330,10 +7844,10 @@
       </p:sp>
       <p:pic>
         <p:nvPicPr>
-          <p:cNvPr id="5" name="Content Placeholder 4" descr="Chart&#10;&#10;Description automatically generated">
+          <p:cNvPr id="7" name="Content Placeholder 6" descr="A picture containing timeline&#10;&#10;Description automatically generated">
             <a:extLst>
               <a:ext uri="{FF2B5EF4-FFF2-40B4-BE49-F238E27FC236}">
-                <a16:creationId xmlns:a16="http://schemas.microsoft.com/office/drawing/2014/main" id="{FB83E461-A45D-4BBB-B49F-98845BE48582}"/>
+                <a16:creationId xmlns:a16="http://schemas.microsoft.com/office/drawing/2014/main" id="{13094BEE-A657-4232-AA41-1C3A7548950B}"/>
               </a:ext>
             </a:extLst>
           </p:cNvPr>
@@ -7358,8 +7872,8 @@
         </p:blipFill>
         <p:spPr>
           <a:xfrm>
-            <a:off x="1939290" y="1562893"/>
-            <a:ext cx="8313419" cy="5195887"/>
+            <a:off x="2438400" y="1828800"/>
+            <a:ext cx="7315199" cy="4572000"/>
           </a:xfrm>
           <a:prstGeom prst="rect">
             <a:avLst/>
@@ -7368,9 +7882,9 @@
             <a:noFill/>
           </a:ln>
           <a:effectLst>
-            <a:outerShdw blurRad="190500" algn="tl" rotWithShape="0">
-              <a:srgbClr val="000000">
-                <a:alpha val="70000"/>
+            <a:outerShdw blurRad="292100" dist="139700" dir="2700000" algn="tl" rotWithShape="0">
+              <a:srgbClr val="333333">
+                <a:alpha val="65000"/>
               </a:srgbClr>
             </a:outerShdw>
           </a:effectLst>
@@ -7900,12 +8414,76 @@
           </a:p>
         </p:txBody>
       </p:sp>
+      <p:sp>
+        <p:nvSpPr>
+          <p:cNvPr id="11" name="Text Placeholder 10">
+            <a:extLst>
+              <a:ext uri="{FF2B5EF4-FFF2-40B4-BE49-F238E27FC236}">
+                <a16:creationId xmlns:a16="http://schemas.microsoft.com/office/drawing/2014/main" id="{B80AC329-95F3-4823-BE6A-2A4F93E1A33D}"/>
+              </a:ext>
+            </a:extLst>
+          </p:cNvPr>
+          <p:cNvSpPr>
+            <a:spLocks noGrp="1"/>
+          </p:cNvSpPr>
+          <p:nvPr>
+            <p:ph type="body" sz="quarter" idx="3"/>
+          </p:nvPr>
+        </p:nvSpPr>
+        <p:spPr>
+          <a:xfrm>
+            <a:off x="6324600" y="1828799"/>
+            <a:ext cx="4800600" cy="609601"/>
+          </a:xfrm>
+        </p:spPr>
+        <p:txBody>
+          <a:bodyPr/>
+          <a:lstStyle/>
+          <a:p>
+            <a:pPr algn="ctr"/>
+            <a:r>
+              <a:rPr lang="en-US" dirty="0">
+                <a:latin typeface="Arial Nova" panose="020B0504020202020204" pitchFamily="34" charset="0"/>
+              </a:rPr>
+              <a:t>Cross-Validation Score*</a:t>
+            </a:r>
+          </a:p>
+        </p:txBody>
+      </p:sp>
+      <p:sp>
+        <p:nvSpPr>
+          <p:cNvPr id="12" name="Footer Placeholder 11">
+            <a:extLst>
+              <a:ext uri="{FF2B5EF4-FFF2-40B4-BE49-F238E27FC236}">
+                <a16:creationId xmlns:a16="http://schemas.microsoft.com/office/drawing/2014/main" id="{A7D35AC2-F3D7-44B4-B3FD-768392193218}"/>
+              </a:ext>
+            </a:extLst>
+          </p:cNvPr>
+          <p:cNvSpPr>
+            <a:spLocks noGrp="1"/>
+          </p:cNvSpPr>
+          <p:nvPr>
+            <p:ph type="ftr" sz="quarter" idx="11"/>
+          </p:nvPr>
+        </p:nvSpPr>
+        <p:spPr/>
+        <p:txBody>
+          <a:bodyPr/>
+          <a:lstStyle/>
+          <a:p>
+            <a:r>
+              <a:rPr lang="en-US" dirty="0"/>
+              <a:t>*Example Iteration of Probabilistic Solver with 5-fold Cross-Validation</a:t>
+            </a:r>
+          </a:p>
+        </p:txBody>
+      </p:sp>
       <p:pic>
         <p:nvPicPr>
-          <p:cNvPr id="7" name="Content Placeholder 6" descr="Table&#10;&#10;Description automatically generated">
+          <p:cNvPr id="13" name="Content Placeholder 12" descr="Table&#10;&#10;Description automatically generated">
             <a:extLst>
               <a:ext uri="{FF2B5EF4-FFF2-40B4-BE49-F238E27FC236}">
-                <a16:creationId xmlns:a16="http://schemas.microsoft.com/office/drawing/2014/main" id="{D6176749-EEB8-4836-AD7D-DA574CF100C9}"/>
+                <a16:creationId xmlns:a16="http://schemas.microsoft.com/office/drawing/2014/main" id="{47B5419C-85AE-4FAD-8140-97FA0CDBA788}"/>
               </a:ext>
             </a:extLst>
           </p:cNvPr>
@@ -7948,48 +8526,12 @@
           </a:effectLst>
         </p:spPr>
       </p:pic>
-      <p:sp>
-        <p:nvSpPr>
-          <p:cNvPr id="11" name="Text Placeholder 10">
+      <p:pic>
+        <p:nvPicPr>
+          <p:cNvPr id="15" name="Content Placeholder 14" descr="Chart, line chart&#10;&#10;Description automatically generated">
             <a:extLst>
               <a:ext uri="{FF2B5EF4-FFF2-40B4-BE49-F238E27FC236}">
-                <a16:creationId xmlns:a16="http://schemas.microsoft.com/office/drawing/2014/main" id="{B80AC329-95F3-4823-BE6A-2A4F93E1A33D}"/>
-              </a:ext>
-            </a:extLst>
-          </p:cNvPr>
-          <p:cNvSpPr>
-            <a:spLocks noGrp="1"/>
-          </p:cNvSpPr>
-          <p:nvPr>
-            <p:ph type="body" sz="quarter" idx="3"/>
-          </p:nvPr>
-        </p:nvSpPr>
-        <p:spPr>
-          <a:xfrm>
-            <a:off x="6324600" y="1828799"/>
-            <a:ext cx="4800600" cy="609601"/>
-          </a:xfrm>
-        </p:spPr>
-        <p:txBody>
-          <a:bodyPr/>
-          <a:lstStyle/>
-          <a:p>
-            <a:pPr algn="ctr"/>
-            <a:r>
-              <a:rPr lang="en-US" dirty="0">
-                <a:latin typeface="Arial Nova" panose="020B0504020202020204" pitchFamily="34" charset="0"/>
-              </a:rPr>
-              <a:t>Cross-Validation Score*</a:t>
-            </a:r>
-          </a:p>
-        </p:txBody>
-      </p:sp>
-      <p:pic>
-        <p:nvPicPr>
-          <p:cNvPr id="9" name="Content Placeholder 8" descr="Chart, line chart&#10;&#10;Description automatically generated">
-            <a:extLst>
-              <a:ext uri="{FF2B5EF4-FFF2-40B4-BE49-F238E27FC236}">
-                <a16:creationId xmlns:a16="http://schemas.microsoft.com/office/drawing/2014/main" id="{21E6641B-B70A-4416-829A-98F84F65B594}"/>
+                <a16:creationId xmlns:a16="http://schemas.microsoft.com/office/drawing/2014/main" id="{AD6ADC5F-4A8D-481F-9356-D1A3A8D4B6F9}"/>
               </a:ext>
             </a:extLst>
           </p:cNvPr>
@@ -8038,34 +8580,6 @@
           </a:effectLst>
         </p:spPr>
       </p:pic>
-      <p:sp>
-        <p:nvSpPr>
-          <p:cNvPr id="12" name="Footer Placeholder 11">
-            <a:extLst>
-              <a:ext uri="{FF2B5EF4-FFF2-40B4-BE49-F238E27FC236}">
-                <a16:creationId xmlns:a16="http://schemas.microsoft.com/office/drawing/2014/main" id="{A7D35AC2-F3D7-44B4-B3FD-768392193218}"/>
-              </a:ext>
-            </a:extLst>
-          </p:cNvPr>
-          <p:cNvSpPr>
-            <a:spLocks noGrp="1"/>
-          </p:cNvSpPr>
-          <p:nvPr>
-            <p:ph type="ftr" sz="quarter" idx="11"/>
-          </p:nvPr>
-        </p:nvSpPr>
-        <p:spPr/>
-        <p:txBody>
-          <a:bodyPr/>
-          <a:lstStyle/>
-          <a:p>
-            <a:r>
-              <a:rPr lang="en-US" dirty="0"/>
-              <a:t>*Example Iteration of Probabilistic Solver with 5-fold Cross-Validation</a:t>
-            </a:r>
-          </a:p>
-        </p:txBody>
-      </p:sp>
     </p:spTree>
     <p:extLst>
       <p:ext uri="{BB962C8B-B14F-4D97-AF65-F5344CB8AC3E}">
@@ -8140,12 +8654,109 @@
           </a:p>
         </p:txBody>
       </p:sp>
+      <p:sp>
+        <p:nvSpPr>
+          <p:cNvPr id="6" name="Content Placeholder 5">
+            <a:extLst>
+              <a:ext uri="{FF2B5EF4-FFF2-40B4-BE49-F238E27FC236}">
+                <a16:creationId xmlns:a16="http://schemas.microsoft.com/office/drawing/2014/main" id="{20313F4B-4166-4657-87E6-701011F26768}"/>
+              </a:ext>
+            </a:extLst>
+          </p:cNvPr>
+          <p:cNvSpPr>
+            <a:spLocks noGrp="1"/>
+          </p:cNvSpPr>
+          <p:nvPr>
+            <p:ph sz="half" idx="2"/>
+          </p:nvPr>
+        </p:nvSpPr>
+        <p:spPr/>
+        <p:txBody>
+          <a:bodyPr>
+            <a:normAutofit fontScale="92500"/>
+          </a:bodyPr>
+          <a:lstStyle/>
+          <a:p>
+            <a:r>
+              <a:rPr lang="en-US" dirty="0">
+                <a:latin typeface="Arial Nova" panose="020B0504020202020204" pitchFamily="34" charset="0"/>
+              </a:rPr>
+              <a:t>MDI – Mean Decrease in Impurity</a:t>
+            </a:r>
+          </a:p>
+          <a:p>
+            <a:pPr lvl="1"/>
+            <a:r>
+              <a:rPr lang="en-US" dirty="0">
+                <a:latin typeface="Arial Nova" panose="020B0504020202020204" pitchFamily="34" charset="0"/>
+              </a:rPr>
+              <a:t>Deterministic feature selection</a:t>
+            </a:r>
+          </a:p>
+          <a:p>
+            <a:r>
+              <a:rPr lang="en-US" dirty="0">
+                <a:latin typeface="Arial Nova" panose="020B0504020202020204" pitchFamily="34" charset="0"/>
+              </a:rPr>
+              <a:t>Correlates well with probabilistic RFECV feature selection modeling</a:t>
+            </a:r>
+          </a:p>
+          <a:p>
+            <a:r>
+              <a:rPr lang="en-US" dirty="0">
+                <a:latin typeface="Arial Nova" panose="020B0504020202020204" pitchFamily="34" charset="0"/>
+              </a:rPr>
+              <a:t>Feature importance aligns with original study of attribute importance:</a:t>
+            </a:r>
+          </a:p>
+          <a:p>
+            <a:pPr lvl="1"/>
+            <a:r>
+              <a:rPr lang="en-US" dirty="0">
+                <a:latin typeface="Arial Nova" panose="020B0504020202020204" pitchFamily="34" charset="0"/>
+              </a:rPr>
+              <a:t>Serum Creatinine</a:t>
+            </a:r>
+          </a:p>
+          <a:p>
+            <a:pPr lvl="1"/>
+            <a:r>
+              <a:rPr lang="en-US" dirty="0">
+                <a:latin typeface="Arial Nova" panose="020B0504020202020204" pitchFamily="34" charset="0"/>
+              </a:rPr>
+              <a:t>Ejection Fraction</a:t>
+            </a:r>
+          </a:p>
+          <a:p>
+            <a:r>
+              <a:rPr lang="en-US" dirty="0">
+                <a:latin typeface="Arial Nova" panose="020B0504020202020204" pitchFamily="34" charset="0"/>
+              </a:rPr>
+              <a:t>Go to your Doctor!!!</a:t>
+            </a:r>
+          </a:p>
+          <a:p>
+            <a:pPr lvl="1"/>
+            <a:r>
+              <a:rPr lang="en-US" dirty="0">
+                <a:latin typeface="Arial Nova" panose="020B0504020202020204" pitchFamily="34" charset="0"/>
+              </a:rPr>
+              <a:t>Lab results are important</a:t>
+            </a:r>
+          </a:p>
+          <a:p>
+            <a:endParaRPr lang="en-US" dirty="0">
+              <a:latin typeface="Arial Nova" panose="020B0504020202020204" pitchFamily="34" charset="0"/>
+            </a:endParaRPr>
+          </a:p>
+        </p:txBody>
+      </p:sp>
       <p:pic>
         <p:nvPicPr>
-          <p:cNvPr id="5" name="Content Placeholder 4" descr="Chart&#10;&#10;Description automatically generated">
+          <p:cNvPr id="8" name="Content Placeholder 7" descr="Chart, bar chart&#10;&#10;Description automatically generated">
             <a:extLst>
               <a:ext uri="{FF2B5EF4-FFF2-40B4-BE49-F238E27FC236}">
-                <a16:creationId xmlns:a16="http://schemas.microsoft.com/office/drawing/2014/main" id="{5E18AA0D-7F7E-4B30-BD4C-C114E25A1778}"/>
+                <a16:creationId xmlns:a16="http://schemas.microsoft.com/office/drawing/2014/main" id="{A097E38D-32E5-4A19-8A5D-264B8239646D}"/>
               </a:ext>
             </a:extLst>
           </p:cNvPr>
@@ -8173,118 +8784,27 @@
             <a:off x="1066800" y="2513013"/>
             <a:ext cx="4800600" cy="3200399"/>
           </a:xfrm>
-          <a:prstGeom prst="rect">
-            <a:avLst/>
+          <a:prstGeom prst="round2DiagRect">
+            <a:avLst>
+              <a:gd name="adj1" fmla="val 16667"/>
+              <a:gd name="adj2" fmla="val 0"/>
+            </a:avLst>
           </a:prstGeom>
-          <a:ln>
-            <a:noFill/>
+          <a:ln w="88900" cap="sq">
+            <a:solidFill>
+              <a:srgbClr val="FFFFFF"/>
+            </a:solidFill>
+            <a:miter lim="800000"/>
           </a:ln>
           <a:effectLst>
-            <a:outerShdw blurRad="292100" dist="139700" dir="2700000" algn="tl" rotWithShape="0">
-              <a:srgbClr val="333333">
-                <a:alpha val="65000"/>
+            <a:outerShdw blurRad="254000" algn="tl" rotWithShape="0">
+              <a:srgbClr val="000000">
+                <a:alpha val="43000"/>
               </a:srgbClr>
             </a:outerShdw>
           </a:effectLst>
         </p:spPr>
       </p:pic>
-      <p:sp>
-        <p:nvSpPr>
-          <p:cNvPr id="6" name="Content Placeholder 5">
-            <a:extLst>
-              <a:ext uri="{FF2B5EF4-FFF2-40B4-BE49-F238E27FC236}">
-                <a16:creationId xmlns:a16="http://schemas.microsoft.com/office/drawing/2014/main" id="{20313F4B-4166-4657-87E6-701011F26768}"/>
-              </a:ext>
-            </a:extLst>
-          </p:cNvPr>
-          <p:cNvSpPr>
-            <a:spLocks noGrp="1"/>
-          </p:cNvSpPr>
-          <p:nvPr>
-            <p:ph sz="half" idx="2"/>
-          </p:nvPr>
-        </p:nvSpPr>
-        <p:spPr/>
-        <p:txBody>
-          <a:bodyPr>
-            <a:normAutofit fontScale="92500"/>
-          </a:bodyPr>
-          <a:lstStyle/>
-          <a:p>
-            <a:r>
-              <a:rPr lang="en-US" dirty="0">
-                <a:latin typeface="Arial Nova" panose="020B0504020202020204" pitchFamily="34" charset="0"/>
-              </a:rPr>
-              <a:t>MDI – Mean Decrease in Impurity</a:t>
-            </a:r>
-          </a:p>
-          <a:p>
-            <a:pPr lvl="1"/>
-            <a:r>
-              <a:rPr lang="en-US" dirty="0">
-                <a:latin typeface="Arial Nova" panose="020B0504020202020204" pitchFamily="34" charset="0"/>
-              </a:rPr>
-              <a:t>Deterministic feature selection</a:t>
-            </a:r>
-          </a:p>
-          <a:p>
-            <a:r>
-              <a:rPr lang="en-US" dirty="0">
-                <a:latin typeface="Arial Nova" panose="020B0504020202020204" pitchFamily="34" charset="0"/>
-              </a:rPr>
-              <a:t>Correlates well with probabilistic RFECV feature selection modeling</a:t>
-            </a:r>
-          </a:p>
-          <a:p>
-            <a:r>
-              <a:rPr lang="en-US" dirty="0">
-                <a:latin typeface="Arial Nova" panose="020B0504020202020204" pitchFamily="34" charset="0"/>
-              </a:rPr>
-              <a:t>Feature importance aligns with original study of attribute importance:</a:t>
-            </a:r>
-          </a:p>
-          <a:p>
-            <a:pPr lvl="1"/>
-            <a:r>
-              <a:rPr lang="en-US" dirty="0">
-                <a:latin typeface="Arial Nova" panose="020B0504020202020204" pitchFamily="34" charset="0"/>
-              </a:rPr>
-              <a:t>Serum Creatinine</a:t>
-            </a:r>
-          </a:p>
-          <a:p>
-            <a:pPr lvl="1"/>
-            <a:r>
-              <a:rPr lang="en-US" dirty="0">
-                <a:latin typeface="Arial Nova" panose="020B0504020202020204" pitchFamily="34" charset="0"/>
-              </a:rPr>
-              <a:t>Ejection Fraction</a:t>
-            </a:r>
-          </a:p>
-          <a:p>
-            <a:r>
-              <a:rPr lang="en-US" dirty="0">
-                <a:latin typeface="Arial Nova" panose="020B0504020202020204" pitchFamily="34" charset="0"/>
-              </a:rPr>
-              <a:t>Go to your Doctor!!!</a:t>
-            </a:r>
-          </a:p>
-          <a:p>
-            <a:pPr lvl="1"/>
-            <a:r>
-              <a:rPr lang="en-US" dirty="0">
-                <a:latin typeface="Arial Nova" panose="020B0504020202020204" pitchFamily="34" charset="0"/>
-              </a:rPr>
-              <a:t>Lab results are important</a:t>
-            </a:r>
-          </a:p>
-          <a:p>
-            <a:endParaRPr lang="en-US" dirty="0">
-              <a:latin typeface="Arial Nova" panose="020B0504020202020204" pitchFamily="34" charset="0"/>
-            </a:endParaRPr>
-          </a:p>
-        </p:txBody>
-      </p:sp>
     </p:spTree>
     <p:extLst>
       <p:ext uri="{BB962C8B-B14F-4D97-AF65-F5344CB8AC3E}">

--- a/Heart Failure Detection.pptx
+++ b/Heart Failure Detection.pptx
@@ -1038,7 +1038,7 @@
           <a:p>
             <a:fld id="{043B725B-653D-4166-A8E9-72A38A1847CF}" type="datetimeFigureOut">
               <a:rPr lang="en-US"/>
-              <a:t>5/29/2021</a:t>
+              <a:t>5/30/2021</a:t>
             </a:fld>
             <a:endParaRPr/>
           </a:p>
@@ -1203,7 +1203,7 @@
           <a:p>
             <a:fld id="{783F64CD-0576-4A9A-BD06-7889D6E60BDC}" type="datetimeFigureOut">
               <a:rPr lang="en-US"/>
-              <a:t>5/29/2021</a:t>
+              <a:t>5/30/2021</a:t>
             </a:fld>
             <a:endParaRPr/>
           </a:p>
@@ -1801,7 +1801,7 @@
           <a:p>
             <a:fld id="{37CC0096-1860-4642-9CD2-0079EA5E7CD1}" type="datetimeFigureOut">
               <a:rPr lang="en-US"/>
-              <a:t>5/29/2021</a:t>
+              <a:t>5/30/2021</a:t>
             </a:fld>
             <a:endParaRPr/>
           </a:p>
@@ -2050,7 +2050,7 @@
           <a:p>
             <a:fld id="{37CC0096-1860-4642-9CD2-0079EA5E7CD1}" type="datetimeFigureOut">
               <a:rPr lang="en-US"/>
-              <a:t>5/29/2021</a:t>
+              <a:t>5/30/2021</a:t>
             </a:fld>
             <a:endParaRPr/>
           </a:p>
@@ -2236,7 +2236,7 @@
           <a:p>
             <a:fld id="{37CC0096-1860-4642-9CD2-0079EA5E7CD1}" type="datetimeFigureOut">
               <a:rPr lang="en-US"/>
-              <a:t>5/29/2021</a:t>
+              <a:t>5/30/2021</a:t>
             </a:fld>
             <a:endParaRPr/>
           </a:p>
@@ -2767,7 +2767,7 @@
           <a:p>
             <a:fld id="{37CC0096-1860-4642-9CD2-0079EA5E7CD1}" type="datetimeFigureOut">
               <a:rPr lang="en-US"/>
-              <a:t>5/29/2021</a:t>
+              <a:t>5/30/2021</a:t>
             </a:fld>
             <a:endParaRPr/>
           </a:p>
@@ -3219,7 +3219,7 @@
           <a:p>
             <a:fld id="{37CC0096-1860-4642-9CD2-0079EA5E7CD1}" type="datetimeFigureOut">
               <a:rPr lang="en-US"/>
-              <a:t>5/29/2021</a:t>
+              <a:t>5/30/2021</a:t>
             </a:fld>
             <a:endParaRPr/>
           </a:p>
@@ -3349,7 +3349,7 @@
           <a:p>
             <a:fld id="{37CC0096-1860-4642-9CD2-0079EA5E7CD1}" type="datetimeFigureOut">
               <a:rPr lang="en-US"/>
-              <a:t>5/29/2021</a:t>
+              <a:t>5/30/2021</a:t>
             </a:fld>
             <a:endParaRPr/>
           </a:p>
@@ -3456,7 +3456,7 @@
           <a:p>
             <a:fld id="{37CC0096-1860-4642-9CD2-0079EA5E7CD1}" type="datetimeFigureOut">
               <a:rPr lang="en-US"/>
-              <a:t>5/29/2021</a:t>
+              <a:t>5/30/2021</a:t>
             </a:fld>
             <a:endParaRPr/>
           </a:p>
@@ -4445,7 +4445,7 @@
             <a:fld id="{37CC0096-1860-4642-9CD2-0079EA5E7CD1}" type="datetimeFigureOut">
               <a:rPr lang="en-US" smtClean="0"/>
               <a:pPr/>
-              <a:t>5/29/2021</a:t>
+              <a:t>5/30/2021</a:t>
             </a:fld>
             <a:endParaRPr lang="en-US" dirty="0"/>
           </a:p>
@@ -6034,10 +6034,10 @@
       </p:grpSpPr>
       <p:pic>
         <p:nvPicPr>
-          <p:cNvPr id="16" name="Graphic 15" descr="Cloud">
+          <p:cNvPr id="59" name="Graphic 58" descr="Cloud">
             <a:extLst>
               <a:ext uri="{FF2B5EF4-FFF2-40B4-BE49-F238E27FC236}">
-                <a16:creationId xmlns:a16="http://schemas.microsoft.com/office/drawing/2014/main" id="{7CE05EE9-46E8-4E75-BD16-04DD6190C74A}"/>
+                <a16:creationId xmlns:a16="http://schemas.microsoft.com/office/drawing/2014/main" id="{72B28BC7-3CD4-438D-BC6A-BDDC362D8CA4}"/>
               </a:ext>
             </a:extLst>
           </p:cNvPr>
@@ -6063,7 +6063,46 @@
         </p:blipFill>
         <p:spPr>
           <a:xfrm>
-            <a:off x="2832765" y="2146864"/>
+            <a:off x="617619" y="2859705"/>
+            <a:ext cx="1757114" cy="2229947"/>
+          </a:xfrm>
+          <a:prstGeom prst="rect">
+            <a:avLst/>
+          </a:prstGeom>
+        </p:spPr>
+      </p:pic>
+      <p:pic>
+        <p:nvPicPr>
+          <p:cNvPr id="16" name="Graphic 15" descr="Cloud">
+            <a:extLst>
+              <a:ext uri="{FF2B5EF4-FFF2-40B4-BE49-F238E27FC236}">
+                <a16:creationId xmlns:a16="http://schemas.microsoft.com/office/drawing/2014/main" id="{7CE05EE9-46E8-4E75-BD16-04DD6190C74A}"/>
+              </a:ext>
+            </a:extLst>
+          </p:cNvPr>
+          <p:cNvPicPr>
+            <a:picLocks noChangeAspect="1"/>
+          </p:cNvPicPr>
+          <p:nvPr/>
+        </p:nvPicPr>
+        <p:blipFill>
+          <a:blip r:embed="rId2">
+            <a:extLst>
+              <a:ext uri="{28A0092B-C50C-407E-A947-70E740481C1C}">
+                <a14:useLocalDpi xmlns:a14="http://schemas.microsoft.com/office/drawing/2010/main" val="0"/>
+              </a:ext>
+              <a:ext uri="{96DAC541-7B7A-43D3-8B79-37D633B846F1}">
+                <asvg:svgBlip xmlns:asvg="http://schemas.microsoft.com/office/drawing/2016/SVG/main" r:embed="rId3"/>
+              </a:ext>
+            </a:extLst>
+          </a:blip>
+          <a:stretch>
+            <a:fillRect/>
+          </a:stretch>
+        </p:blipFill>
+        <p:spPr>
+          <a:xfrm>
+            <a:off x="3502696" y="2095859"/>
             <a:ext cx="4088068" cy="3727818"/>
           </a:xfrm>
           <a:prstGeom prst="rect">
@@ -6132,8 +6171,8 @@
         </p:blipFill>
         <p:spPr bwMode="auto">
           <a:xfrm>
-            <a:off x="4176569" y="1683588"/>
-            <a:ext cx="951967" cy="824542"/>
+            <a:off x="870435" y="3890822"/>
+            <a:ext cx="597992" cy="517948"/>
           </a:xfrm>
           <a:prstGeom prst="rect">
             <a:avLst/>
@@ -6179,8 +6218,8 @@
         </p:blipFill>
         <p:spPr bwMode="auto">
           <a:xfrm>
-            <a:off x="4694933" y="5698605"/>
-            <a:ext cx="749371" cy="733583"/>
+            <a:off x="5759891" y="6306480"/>
+            <a:ext cx="386604" cy="378459"/>
           </a:xfrm>
           <a:prstGeom prst="rect">
             <a:avLst/>
@@ -6212,7 +6251,7 @@
           <p:nvPr/>
         </p:nvPicPr>
         <p:blipFill>
-          <a:blip r:embed="rId6">
+          <a:blip r:embed="rId6" cstate="print">
             <a:extLst>
               <a:ext uri="{28A0092B-C50C-407E-A947-70E740481C1C}">
                 <a14:useLocalDpi xmlns:a14="http://schemas.microsoft.com/office/drawing/2010/main" val="0"/>
@@ -6226,8 +6265,8 @@
         </p:blipFill>
         <p:spPr bwMode="auto">
           <a:xfrm>
-            <a:off x="4825032" y="3819608"/>
-            <a:ext cx="837134" cy="733583"/>
+            <a:off x="5689529" y="3532671"/>
+            <a:ext cx="586979" cy="514371"/>
           </a:xfrm>
           <a:prstGeom prst="rect">
             <a:avLst/>
@@ -6273,8 +6312,8 @@
         </p:blipFill>
         <p:spPr bwMode="auto">
           <a:xfrm>
-            <a:off x="3916573" y="3832346"/>
-            <a:ext cx="778359" cy="685800"/>
+            <a:off x="4859801" y="3570159"/>
+            <a:ext cx="498700" cy="439397"/>
           </a:xfrm>
           <a:prstGeom prst="rect">
             <a:avLst/>
@@ -6320,8 +6359,8 @@
         </p:blipFill>
         <p:spPr bwMode="auto">
           <a:xfrm>
-            <a:off x="3945562" y="5686770"/>
-            <a:ext cx="749371" cy="733583"/>
+            <a:off x="4915849" y="6301559"/>
+            <a:ext cx="386604" cy="378459"/>
           </a:xfrm>
           <a:prstGeom prst="rect">
             <a:avLst/>
@@ -6354,8 +6393,8 @@
         </p:nvCxnSpPr>
         <p:spPr>
           <a:xfrm>
-            <a:off x="4652552" y="2508130"/>
-            <a:ext cx="0" cy="602123"/>
+            <a:off x="2284249" y="4187962"/>
+            <a:ext cx="1471336" cy="0"/>
           </a:xfrm>
           <a:prstGeom prst="straightConnector1">
             <a:avLst/>
@@ -6395,7 +6434,7 @@
         </p:nvCxnSpPr>
         <p:spPr>
           <a:xfrm flipV="1">
-            <a:off x="4697326" y="4967322"/>
+            <a:off x="5486400" y="4931191"/>
             <a:ext cx="0" cy="719448"/>
           </a:xfrm>
           <a:prstGeom prst="straightConnector1">
@@ -6451,8 +6490,8 @@
         </p:blipFill>
         <p:spPr>
           <a:xfrm>
-            <a:off x="8829150" y="3565295"/>
-            <a:ext cx="1768469" cy="1768469"/>
+            <a:off x="9225393" y="3959768"/>
+            <a:ext cx="1104237" cy="1104237"/>
           </a:xfrm>
           <a:prstGeom prst="rect">
             <a:avLst/>
@@ -6475,8 +6514,8 @@
         </p:nvCxnSpPr>
         <p:spPr>
           <a:xfrm flipH="1">
-            <a:off x="6629400" y="4449529"/>
-            <a:ext cx="2362201" cy="0"/>
+            <a:off x="7315200" y="4416157"/>
+            <a:ext cx="1927738" cy="0"/>
           </a:xfrm>
           <a:prstGeom prst="straightConnector1">
             <a:avLst/>
@@ -6516,8 +6555,8 @@
         </p:nvCxnSpPr>
         <p:spPr>
           <a:xfrm>
-            <a:off x="6629400" y="4553191"/>
-            <a:ext cx="2362200" cy="0"/>
+            <a:off x="7315200" y="4553191"/>
+            <a:ext cx="1927738" cy="0"/>
           </a:xfrm>
           <a:prstGeom prst="straightConnector1">
             <a:avLst/>
@@ -6555,7 +6594,77 @@
         </p:nvSpPr>
         <p:spPr>
           <a:xfrm>
-            <a:off x="9372600" y="3462930"/>
+            <a:off x="9372600" y="3678457"/>
+            <a:ext cx="1610944" cy="307777"/>
+          </a:xfrm>
+          <a:prstGeom prst="rect">
+            <a:avLst/>
+          </a:prstGeom>
+          <a:noFill/>
+        </p:spPr>
+        <p:txBody>
+          <a:bodyPr wrap="square" rtlCol="0">
+            <a:spAutoFit/>
+          </a:bodyPr>
+          <a:lstStyle/>
+          <a:p>
+            <a:r>
+              <a:rPr lang="en-US" sz="1400" dirty="0"/>
+              <a:t>Client - pharmacy</a:t>
+            </a:r>
+          </a:p>
+        </p:txBody>
+      </p:sp>
+      <p:sp>
+        <p:nvSpPr>
+          <p:cNvPr id="63" name="TextBox 62">
+            <a:extLst>
+              <a:ext uri="{FF2B5EF4-FFF2-40B4-BE49-F238E27FC236}">
+                <a16:creationId xmlns:a16="http://schemas.microsoft.com/office/drawing/2014/main" id="{9FB6FADC-D897-4C7C-926C-635A5477B425}"/>
+              </a:ext>
+            </a:extLst>
+          </p:cNvPr>
+          <p:cNvSpPr txBox="1"/>
+          <p:nvPr/>
+        </p:nvSpPr>
+        <p:spPr>
+          <a:xfrm>
+            <a:off x="3755585" y="5352731"/>
+            <a:ext cx="1546868" cy="954107"/>
+          </a:xfrm>
+          <a:prstGeom prst="rect">
+            <a:avLst/>
+          </a:prstGeom>
+          <a:noFill/>
+        </p:spPr>
+        <p:txBody>
+          <a:bodyPr wrap="square" rtlCol="0">
+            <a:spAutoFit/>
+          </a:bodyPr>
+          <a:lstStyle/>
+          <a:p>
+            <a:r>
+              <a:rPr lang="en-US" sz="1400" dirty="0"/>
+              <a:t>Model trained offline and uploaded to the cloud app</a:t>
+            </a:r>
+          </a:p>
+        </p:txBody>
+      </p:sp>
+      <p:sp>
+        <p:nvSpPr>
+          <p:cNvPr id="67" name="TextBox 66">
+            <a:extLst>
+              <a:ext uri="{FF2B5EF4-FFF2-40B4-BE49-F238E27FC236}">
+                <a16:creationId xmlns:a16="http://schemas.microsoft.com/office/drawing/2014/main" id="{10F17A25-6362-4B71-AAE1-E02C160C89ED}"/>
+              </a:ext>
+            </a:extLst>
+          </p:cNvPr>
+          <p:cNvSpPr txBox="1"/>
+          <p:nvPr/>
+        </p:nvSpPr>
+        <p:spPr>
+          <a:xfrm>
+            <a:off x="7853793" y="4034074"/>
             <a:ext cx="1371600" cy="307777"/>
           </a:xfrm>
           <a:prstGeom prst="rect">
@@ -6571,17 +6680,17 @@
           <a:p>
             <a:r>
               <a:rPr lang="en-US" sz="1400" dirty="0"/>
-              <a:t>Client</a:t>
+              <a:t>Request</a:t>
             </a:r>
           </a:p>
         </p:txBody>
       </p:sp>
       <p:sp>
         <p:nvSpPr>
-          <p:cNvPr id="63" name="TextBox 62">
+          <p:cNvPr id="68" name="TextBox 67">
             <a:extLst>
               <a:ext uri="{FF2B5EF4-FFF2-40B4-BE49-F238E27FC236}">
-                <a16:creationId xmlns:a16="http://schemas.microsoft.com/office/drawing/2014/main" id="{9FB6FADC-D897-4C7C-926C-635A5477B425}"/>
+                <a16:creationId xmlns:a16="http://schemas.microsoft.com/office/drawing/2014/main" id="{C3949517-1967-4CD8-88D2-A274684BC410}"/>
               </a:ext>
             </a:extLst>
           </p:cNvPr>
@@ -6590,77 +6699,7 @@
         </p:nvSpPr>
         <p:spPr>
           <a:xfrm>
-            <a:off x="4059662" y="6408851"/>
-            <a:ext cx="1546868" cy="307777"/>
-          </a:xfrm>
-          <a:prstGeom prst="rect">
-            <a:avLst/>
-          </a:prstGeom>
-          <a:noFill/>
-        </p:spPr>
-        <p:txBody>
-          <a:bodyPr wrap="square" rtlCol="0">
-            <a:spAutoFit/>
-          </a:bodyPr>
-          <a:lstStyle/>
-          <a:p>
-            <a:r>
-              <a:rPr lang="en-US" sz="1400" dirty="0"/>
-              <a:t>Model Training</a:t>
-            </a:r>
-          </a:p>
-        </p:txBody>
-      </p:sp>
-      <p:sp>
-        <p:nvSpPr>
-          <p:cNvPr id="64" name="TextBox 63">
-            <a:extLst>
-              <a:ext uri="{FF2B5EF4-FFF2-40B4-BE49-F238E27FC236}">
-                <a16:creationId xmlns:a16="http://schemas.microsoft.com/office/drawing/2014/main" id="{D4DEBBA1-036A-42C4-A06E-9E5966AAB2A0}"/>
-              </a:ext>
-            </a:extLst>
-          </p:cNvPr>
-          <p:cNvSpPr txBox="1"/>
-          <p:nvPr/>
-        </p:nvSpPr>
-        <p:spPr>
-          <a:xfrm>
-            <a:off x="4694932" y="4566209"/>
-            <a:ext cx="1731827" cy="307777"/>
-          </a:xfrm>
-          <a:prstGeom prst="rect">
-            <a:avLst/>
-          </a:prstGeom>
-          <a:noFill/>
-        </p:spPr>
-        <p:txBody>
-          <a:bodyPr wrap="square" rtlCol="0">
-            <a:spAutoFit/>
-          </a:bodyPr>
-          <a:lstStyle/>
-          <a:p>
-            <a:r>
-              <a:rPr lang="en-US" sz="1400" dirty="0"/>
-              <a:t>Python Web Service</a:t>
-            </a:r>
-          </a:p>
-        </p:txBody>
-      </p:sp>
-      <p:sp>
-        <p:nvSpPr>
-          <p:cNvPr id="67" name="TextBox 66">
-            <a:extLst>
-              <a:ext uri="{FF2B5EF4-FFF2-40B4-BE49-F238E27FC236}">
-                <a16:creationId xmlns:a16="http://schemas.microsoft.com/office/drawing/2014/main" id="{10F17A25-6362-4B71-AAE1-E02C160C89ED}"/>
-              </a:ext>
-            </a:extLst>
-          </p:cNvPr>
-          <p:cNvSpPr txBox="1"/>
-          <p:nvPr/>
-        </p:nvSpPr>
-        <p:spPr>
-          <a:xfrm>
-            <a:off x="7423508" y="4114073"/>
+            <a:off x="7871338" y="4566209"/>
             <a:ext cx="1371600" cy="307777"/>
           </a:xfrm>
           <a:prstGeom prst="rect">
@@ -6676,17 +6715,260 @@
           <a:p>
             <a:r>
               <a:rPr lang="en-US" sz="1400" dirty="0"/>
-              <a:t>Request</a:t>
+              <a:t>Response</a:t>
             </a:r>
           </a:p>
         </p:txBody>
       </p:sp>
+      <p:cxnSp>
+        <p:nvCxnSpPr>
+          <p:cNvPr id="22" name="Straight Arrow Connector 21">
+            <a:extLst>
+              <a:ext uri="{FF2B5EF4-FFF2-40B4-BE49-F238E27FC236}">
+                <a16:creationId xmlns:a16="http://schemas.microsoft.com/office/drawing/2014/main" id="{2BB21092-F331-4B0D-A522-105351580194}"/>
+              </a:ext>
+            </a:extLst>
+          </p:cNvPr>
+          <p:cNvCxnSpPr>
+            <a:cxnSpLocks/>
+          </p:cNvCxnSpPr>
+          <p:nvPr/>
+        </p:nvCxnSpPr>
+        <p:spPr>
+          <a:xfrm flipH="1">
+            <a:off x="6743780" y="2859705"/>
+            <a:ext cx="1555091" cy="991567"/>
+          </a:xfrm>
+          <a:prstGeom prst="straightConnector1">
+            <a:avLst/>
+          </a:prstGeom>
+          <a:ln>
+            <a:tailEnd type="triangle"/>
+          </a:ln>
+        </p:spPr>
+        <p:style>
+          <a:lnRef idx="3">
+            <a:schemeClr val="dk1"/>
+          </a:lnRef>
+          <a:fillRef idx="0">
+            <a:schemeClr val="dk1"/>
+          </a:fillRef>
+          <a:effectRef idx="2">
+            <a:schemeClr val="dk1"/>
+          </a:effectRef>
+          <a:fontRef idx="minor">
+            <a:schemeClr val="tx1"/>
+          </a:fontRef>
+        </p:style>
+      </p:cxnSp>
+      <p:pic>
+        <p:nvPicPr>
+          <p:cNvPr id="25" name="Graphic 24" descr="Monitor">
+            <a:extLst>
+              <a:ext uri="{FF2B5EF4-FFF2-40B4-BE49-F238E27FC236}">
+                <a16:creationId xmlns:a16="http://schemas.microsoft.com/office/drawing/2014/main" id="{676B7D65-830E-4195-B3CB-92DBDFB90368}"/>
+              </a:ext>
+            </a:extLst>
+          </p:cNvPr>
+          <p:cNvPicPr>
+            <a:picLocks noChangeAspect="1"/>
+          </p:cNvPicPr>
+          <p:nvPr/>
+        </p:nvPicPr>
+        <p:blipFill>
+          <a:blip r:embed="rId9">
+            <a:extLst>
+              <a:ext uri="{28A0092B-C50C-407E-A947-70E740481C1C}">
+                <a14:useLocalDpi xmlns:a14="http://schemas.microsoft.com/office/drawing/2010/main" val="0"/>
+              </a:ext>
+              <a:ext uri="{96DAC541-7B7A-43D3-8B79-37D633B846F1}">
+                <asvg:svgBlip xmlns:asvg="http://schemas.microsoft.com/office/drawing/2016/SVG/main" r:embed="rId10"/>
+              </a:ext>
+            </a:extLst>
+          </a:blip>
+          <a:stretch>
+            <a:fillRect/>
+          </a:stretch>
+        </p:blipFill>
+        <p:spPr>
+          <a:xfrm>
+            <a:off x="8253006" y="2170553"/>
+            <a:ext cx="1104237" cy="1104237"/>
+          </a:xfrm>
+          <a:prstGeom prst="rect">
+            <a:avLst/>
+          </a:prstGeom>
+        </p:spPr>
+      </p:pic>
+      <p:cxnSp>
+        <p:nvCxnSpPr>
+          <p:cNvPr id="26" name="Straight Arrow Connector 25">
+            <a:extLst>
+              <a:ext uri="{FF2B5EF4-FFF2-40B4-BE49-F238E27FC236}">
+                <a16:creationId xmlns:a16="http://schemas.microsoft.com/office/drawing/2014/main" id="{B3576B90-CCBF-41DC-A8F5-03C96F1656A4}"/>
+              </a:ext>
+            </a:extLst>
+          </p:cNvPr>
+          <p:cNvCxnSpPr>
+            <a:cxnSpLocks/>
+          </p:cNvCxnSpPr>
+          <p:nvPr/>
+        </p:nvCxnSpPr>
+        <p:spPr>
+          <a:xfrm flipH="1" flipV="1">
+            <a:off x="7038538" y="4851281"/>
+            <a:ext cx="1532941" cy="1214115"/>
+          </a:xfrm>
+          <a:prstGeom prst="straightConnector1">
+            <a:avLst/>
+          </a:prstGeom>
+          <a:ln>
+            <a:tailEnd type="triangle"/>
+          </a:ln>
+        </p:spPr>
+        <p:style>
+          <a:lnRef idx="3">
+            <a:schemeClr val="dk1"/>
+          </a:lnRef>
+          <a:fillRef idx="0">
+            <a:schemeClr val="dk1"/>
+          </a:fillRef>
+          <a:effectRef idx="2">
+            <a:schemeClr val="dk1"/>
+          </a:effectRef>
+          <a:fontRef idx="minor">
+            <a:schemeClr val="tx1"/>
+          </a:fontRef>
+        </p:style>
+      </p:cxnSp>
+      <p:pic>
+        <p:nvPicPr>
+          <p:cNvPr id="30" name="Graphic 29" descr="Monitor">
+            <a:extLst>
+              <a:ext uri="{FF2B5EF4-FFF2-40B4-BE49-F238E27FC236}">
+                <a16:creationId xmlns:a16="http://schemas.microsoft.com/office/drawing/2014/main" id="{5EE72351-5F0B-40E4-BF82-2DBE21BBC03A}"/>
+              </a:ext>
+            </a:extLst>
+          </p:cNvPr>
+          <p:cNvPicPr>
+            <a:picLocks noChangeAspect="1"/>
+          </p:cNvPicPr>
+          <p:nvPr/>
+        </p:nvPicPr>
+        <p:blipFill>
+          <a:blip r:embed="rId9">
+            <a:extLst>
+              <a:ext uri="{28A0092B-C50C-407E-A947-70E740481C1C}">
+                <a14:useLocalDpi xmlns:a14="http://schemas.microsoft.com/office/drawing/2010/main" val="0"/>
+              </a:ext>
+              <a:ext uri="{96DAC541-7B7A-43D3-8B79-37D633B846F1}">
+                <asvg:svgBlip xmlns:asvg="http://schemas.microsoft.com/office/drawing/2016/SVG/main" r:embed="rId10"/>
+              </a:ext>
+            </a:extLst>
+          </a:blip>
+          <a:stretch>
+            <a:fillRect/>
+          </a:stretch>
+        </p:blipFill>
+        <p:spPr>
+          <a:xfrm>
+            <a:off x="8557138" y="5686770"/>
+            <a:ext cx="1104237" cy="1104237"/>
+          </a:xfrm>
+          <a:prstGeom prst="rect">
+            <a:avLst/>
+          </a:prstGeom>
+        </p:spPr>
+      </p:pic>
+      <p:cxnSp>
+        <p:nvCxnSpPr>
+          <p:cNvPr id="31" name="Straight Arrow Connector 30">
+            <a:extLst>
+              <a:ext uri="{FF2B5EF4-FFF2-40B4-BE49-F238E27FC236}">
+                <a16:creationId xmlns:a16="http://schemas.microsoft.com/office/drawing/2014/main" id="{8615CF75-B39A-488F-AFBF-F0F01CD21FE4}"/>
+              </a:ext>
+            </a:extLst>
+          </p:cNvPr>
+          <p:cNvCxnSpPr>
+            <a:cxnSpLocks/>
+          </p:cNvCxnSpPr>
+          <p:nvPr/>
+        </p:nvCxnSpPr>
+        <p:spPr>
+          <a:xfrm flipV="1">
+            <a:off x="6842047" y="2971800"/>
+            <a:ext cx="1556035" cy="1028517"/>
+          </a:xfrm>
+          <a:prstGeom prst="straightConnector1">
+            <a:avLst/>
+          </a:prstGeom>
+          <a:ln>
+            <a:tailEnd type="triangle"/>
+          </a:ln>
+        </p:spPr>
+        <p:style>
+          <a:lnRef idx="3">
+            <a:schemeClr val="dk1"/>
+          </a:lnRef>
+          <a:fillRef idx="0">
+            <a:schemeClr val="dk1"/>
+          </a:fillRef>
+          <a:effectRef idx="2">
+            <a:schemeClr val="dk1"/>
+          </a:effectRef>
+          <a:fontRef idx="minor">
+            <a:schemeClr val="tx1"/>
+          </a:fontRef>
+        </p:style>
+      </p:cxnSp>
+      <p:cxnSp>
+        <p:nvCxnSpPr>
+          <p:cNvPr id="34" name="Straight Arrow Connector 33">
+            <a:extLst>
+              <a:ext uri="{FF2B5EF4-FFF2-40B4-BE49-F238E27FC236}">
+                <a16:creationId xmlns:a16="http://schemas.microsoft.com/office/drawing/2014/main" id="{2BA1A75D-E95A-4F98-9C4B-DC191054F861}"/>
+              </a:ext>
+            </a:extLst>
+          </p:cNvPr>
+          <p:cNvCxnSpPr>
+            <a:cxnSpLocks/>
+            <a:endCxn id="30" idx="1"/>
+          </p:cNvCxnSpPr>
+          <p:nvPr/>
+        </p:nvCxnSpPr>
+        <p:spPr>
+          <a:xfrm>
+            <a:off x="6842047" y="4872547"/>
+            <a:ext cx="1715091" cy="1366342"/>
+          </a:xfrm>
+          <a:prstGeom prst="straightConnector1">
+            <a:avLst/>
+          </a:prstGeom>
+          <a:ln>
+            <a:tailEnd type="triangle"/>
+          </a:ln>
+        </p:spPr>
+        <p:style>
+          <a:lnRef idx="3">
+            <a:schemeClr val="dk1"/>
+          </a:lnRef>
+          <a:fillRef idx="0">
+            <a:schemeClr val="dk1"/>
+          </a:fillRef>
+          <a:effectRef idx="2">
+            <a:schemeClr val="dk1"/>
+          </a:effectRef>
+          <a:fontRef idx="minor">
+            <a:schemeClr val="tx1"/>
+          </a:fontRef>
+        </p:style>
+      </p:cxnSp>
       <p:sp>
         <p:nvSpPr>
-          <p:cNvPr id="68" name="TextBox 67">
+          <p:cNvPr id="39" name="TextBox 38">
             <a:extLst>
               <a:ext uri="{FF2B5EF4-FFF2-40B4-BE49-F238E27FC236}">
-                <a16:creationId xmlns:a16="http://schemas.microsoft.com/office/drawing/2014/main" id="{C3949517-1967-4CD8-88D2-A274684BC410}"/>
+                <a16:creationId xmlns:a16="http://schemas.microsoft.com/office/drawing/2014/main" id="{42B4F0C8-B91E-4504-B41E-62BA89E9ADC7}"/>
               </a:ext>
             </a:extLst>
           </p:cNvPr>
@@ -6695,8 +6977,8 @@
         </p:nvSpPr>
         <p:spPr>
           <a:xfrm>
-            <a:off x="7423508" y="4541451"/>
-            <a:ext cx="1371600" cy="307777"/>
+            <a:off x="8314686" y="1921375"/>
+            <a:ext cx="1610944" cy="307777"/>
           </a:xfrm>
           <a:prstGeom prst="rect">
             <a:avLst/>
@@ -6711,17 +6993,17 @@
           <a:p>
             <a:r>
               <a:rPr lang="en-US" sz="1400" dirty="0"/>
-              <a:t>Response</a:t>
+              <a:t>Client - hospital</a:t>
             </a:r>
           </a:p>
         </p:txBody>
       </p:sp>
       <p:sp>
         <p:nvSpPr>
-          <p:cNvPr id="19" name="TextBox 18">
+          <p:cNvPr id="40" name="TextBox 39">
             <a:extLst>
               <a:ext uri="{FF2B5EF4-FFF2-40B4-BE49-F238E27FC236}">
-                <a16:creationId xmlns:a16="http://schemas.microsoft.com/office/drawing/2014/main" id="{11D62BB5-E0BD-4761-A4B1-4A4CAFC221C4}"/>
+                <a16:creationId xmlns:a16="http://schemas.microsoft.com/office/drawing/2014/main" id="{D551E8D8-E7EB-4DB0-B852-3E6A657A2E44}"/>
               </a:ext>
             </a:extLst>
           </p:cNvPr>
@@ -6730,8 +7012,8 @@
         </p:nvSpPr>
         <p:spPr>
           <a:xfrm>
-            <a:off x="4694932" y="5179875"/>
-            <a:ext cx="1908311" cy="307777"/>
+            <a:off x="8639160" y="5496751"/>
+            <a:ext cx="2181239" cy="307777"/>
           </a:xfrm>
           <a:prstGeom prst="rect">
             <a:avLst/>
@@ -6746,11 +7028,357 @@
           <a:p>
             <a:r>
               <a:rPr lang="en-US" sz="1400" dirty="0"/>
-              <a:t>.sav model deployed </a:t>
+              <a:t>Client – medical schools</a:t>
             </a:r>
           </a:p>
         </p:txBody>
       </p:sp>
+      <p:pic>
+        <p:nvPicPr>
+          <p:cNvPr id="43" name="Graphic 42" descr="Browser window">
+            <a:extLst>
+              <a:ext uri="{FF2B5EF4-FFF2-40B4-BE49-F238E27FC236}">
+                <a16:creationId xmlns:a16="http://schemas.microsoft.com/office/drawing/2014/main" id="{4C1C9364-DCDF-40CD-8242-B88A918B1E4E}"/>
+              </a:ext>
+            </a:extLst>
+          </p:cNvPr>
+          <p:cNvPicPr>
+            <a:picLocks noChangeAspect="1"/>
+          </p:cNvPicPr>
+          <p:nvPr/>
+        </p:nvPicPr>
+        <p:blipFill>
+          <a:blip r:embed="rId11">
+            <a:extLst>
+              <a:ext uri="{96DAC541-7B7A-43D3-8B79-37D633B846F1}">
+                <asvg:svgBlip xmlns:asvg="http://schemas.microsoft.com/office/drawing/2016/SVG/main" r:embed="rId12"/>
+              </a:ext>
+            </a:extLst>
+          </a:blip>
+          <a:stretch>
+            <a:fillRect/>
+          </a:stretch>
+        </p:blipFill>
+        <p:spPr>
+          <a:xfrm>
+            <a:off x="5902600" y="3872538"/>
+            <a:ext cx="975956" cy="975956"/>
+          </a:xfrm>
+          <a:prstGeom prst="rect">
+            <a:avLst/>
+          </a:prstGeom>
+        </p:spPr>
+      </p:pic>
+      <p:pic>
+        <p:nvPicPr>
+          <p:cNvPr id="44" name="Graphic 43" descr="Earth globe Americas">
+            <a:extLst>
+              <a:ext uri="{FF2B5EF4-FFF2-40B4-BE49-F238E27FC236}">
+                <a16:creationId xmlns:a16="http://schemas.microsoft.com/office/drawing/2014/main" id="{EC8546A4-C420-41E6-A5F3-65B11171C3B1}"/>
+              </a:ext>
+            </a:extLst>
+          </p:cNvPr>
+          <p:cNvPicPr>
+            <a:picLocks noChangeAspect="1"/>
+          </p:cNvPicPr>
+          <p:nvPr/>
+        </p:nvPicPr>
+        <p:blipFill>
+          <a:blip r:embed="rId13">
+            <a:extLst>
+              <a:ext uri="{96DAC541-7B7A-43D3-8B79-37D633B846F1}">
+                <asvg:svgBlip xmlns:asvg="http://schemas.microsoft.com/office/drawing/2016/SVG/main" r:embed="rId14"/>
+              </a:ext>
+            </a:extLst>
+          </a:blip>
+          <a:stretch>
+            <a:fillRect/>
+          </a:stretch>
+        </p:blipFill>
+        <p:spPr>
+          <a:xfrm>
+            <a:off x="5982110" y="4169455"/>
+            <a:ext cx="492796" cy="492796"/>
+          </a:xfrm>
+          <a:prstGeom prst="rect">
+            <a:avLst/>
+          </a:prstGeom>
+        </p:spPr>
+      </p:pic>
+      <p:pic>
+        <p:nvPicPr>
+          <p:cNvPr id="46" name="Graphic 45" descr="Bar chart">
+            <a:extLst>
+              <a:ext uri="{FF2B5EF4-FFF2-40B4-BE49-F238E27FC236}">
+                <a16:creationId xmlns:a16="http://schemas.microsoft.com/office/drawing/2014/main" id="{5E594A3F-F871-4F0B-AECF-B952C6D5E770}"/>
+              </a:ext>
+            </a:extLst>
+          </p:cNvPr>
+          <p:cNvPicPr>
+            <a:picLocks noChangeAspect="1"/>
+          </p:cNvPicPr>
+          <p:nvPr/>
+        </p:nvPicPr>
+        <p:blipFill>
+          <a:blip r:embed="rId15">
+            <a:extLst>
+              <a:ext uri="{96DAC541-7B7A-43D3-8B79-37D633B846F1}">
+                <asvg:svgBlip xmlns:asvg="http://schemas.microsoft.com/office/drawing/2016/SVG/main" r:embed="rId16"/>
+              </a:ext>
+            </a:extLst>
+          </a:blip>
+          <a:stretch>
+            <a:fillRect/>
+          </a:stretch>
+        </p:blipFill>
+        <p:spPr>
+          <a:xfrm>
+            <a:off x="6350068" y="4227154"/>
+            <a:ext cx="399488" cy="399488"/>
+          </a:xfrm>
+          <a:prstGeom prst="rect">
+            <a:avLst/>
+          </a:prstGeom>
+        </p:spPr>
+      </p:pic>
+      <p:pic>
+        <p:nvPicPr>
+          <p:cNvPr id="47" name="Picture 46" descr="Icon&#10;&#10;Description automatically generated">
+            <a:extLst>
+              <a:ext uri="{FF2B5EF4-FFF2-40B4-BE49-F238E27FC236}">
+                <a16:creationId xmlns:a16="http://schemas.microsoft.com/office/drawing/2014/main" id="{CC1A9445-4E3F-4F1C-A306-33E6BC149BDF}"/>
+              </a:ext>
+            </a:extLst>
+          </p:cNvPr>
+          <p:cNvPicPr>
+            <a:picLocks noChangeAspect="1"/>
+          </p:cNvPicPr>
+          <p:nvPr/>
+        </p:nvPicPr>
+        <p:blipFill>
+          <a:blip r:embed="rId17"/>
+          <a:stretch>
+            <a:fillRect/>
+          </a:stretch>
+        </p:blipFill>
+        <p:spPr>
+          <a:xfrm>
+            <a:off x="5166600" y="4015474"/>
+            <a:ext cx="786593" cy="786593"/>
+          </a:xfrm>
+          <a:prstGeom prst="rect">
+            <a:avLst/>
+          </a:prstGeom>
+        </p:spPr>
+      </p:pic>
+      <p:pic>
+        <p:nvPicPr>
+          <p:cNvPr id="48" name="Graphic 47" descr="Processor">
+            <a:extLst>
+              <a:ext uri="{FF2B5EF4-FFF2-40B4-BE49-F238E27FC236}">
+                <a16:creationId xmlns:a16="http://schemas.microsoft.com/office/drawing/2014/main" id="{234843A1-A280-40D0-8802-53AB19762107}"/>
+              </a:ext>
+            </a:extLst>
+          </p:cNvPr>
+          <p:cNvPicPr>
+            <a:picLocks noChangeAspect="1"/>
+          </p:cNvPicPr>
+          <p:nvPr/>
+        </p:nvPicPr>
+        <p:blipFill>
+          <a:blip r:embed="rId18">
+            <a:extLst>
+              <a:ext uri="{96DAC541-7B7A-43D3-8B79-37D633B846F1}">
+                <asvg:svgBlip xmlns:asvg="http://schemas.microsoft.com/office/drawing/2016/SVG/main" r:embed="rId19"/>
+              </a:ext>
+            </a:extLst>
+          </a:blip>
+          <a:stretch>
+            <a:fillRect/>
+          </a:stretch>
+        </p:blipFill>
+        <p:spPr>
+          <a:xfrm>
+            <a:off x="4432413" y="4021638"/>
+            <a:ext cx="731899" cy="731899"/>
+          </a:xfrm>
+          <a:prstGeom prst="rect">
+            <a:avLst/>
+          </a:prstGeom>
+        </p:spPr>
+      </p:pic>
+      <p:pic>
+        <p:nvPicPr>
+          <p:cNvPr id="49" name="Picture 48">
+            <a:extLst>
+              <a:ext uri="{FF2B5EF4-FFF2-40B4-BE49-F238E27FC236}">
+                <a16:creationId xmlns:a16="http://schemas.microsoft.com/office/drawing/2014/main" id="{73E42CD6-BF76-4DA2-86A9-0BA3EDC87DA7}"/>
+              </a:ext>
+            </a:extLst>
+          </p:cNvPr>
+          <p:cNvPicPr>
+            <a:picLocks noChangeAspect="1"/>
+          </p:cNvPicPr>
+          <p:nvPr/>
+        </p:nvPicPr>
+        <p:blipFill>
+          <a:blip r:embed="rId20"/>
+          <a:stretch>
+            <a:fillRect/>
+          </a:stretch>
+        </p:blipFill>
+        <p:spPr>
+          <a:xfrm>
+            <a:off x="5358501" y="6303067"/>
+            <a:ext cx="375324" cy="375324"/>
+          </a:xfrm>
+          <a:prstGeom prst="rect">
+            <a:avLst/>
+          </a:prstGeom>
+        </p:spPr>
+      </p:pic>
+      <p:sp>
+        <p:nvSpPr>
+          <p:cNvPr id="50" name="TextBox 49">
+            <a:extLst>
+              <a:ext uri="{FF2B5EF4-FFF2-40B4-BE49-F238E27FC236}">
+                <a16:creationId xmlns:a16="http://schemas.microsoft.com/office/drawing/2014/main" id="{4F31DB2C-331A-483F-9DA9-DF2F04CDD426}"/>
+              </a:ext>
+            </a:extLst>
+          </p:cNvPr>
+          <p:cNvSpPr txBox="1"/>
+          <p:nvPr/>
+        </p:nvSpPr>
+        <p:spPr>
+          <a:xfrm>
+            <a:off x="4135573" y="2410451"/>
+            <a:ext cx="2603155" cy="646331"/>
+          </a:xfrm>
+          <a:prstGeom prst="rect">
+            <a:avLst/>
+          </a:prstGeom>
+          <a:noFill/>
+        </p:spPr>
+        <p:txBody>
+          <a:bodyPr wrap="square" rtlCol="0">
+            <a:spAutoFit/>
+          </a:bodyPr>
+          <a:lstStyle/>
+          <a:p>
+            <a:r>
+              <a:rPr lang="en-US" dirty="0"/>
+              <a:t>App on the cloud = high availability/accessibility </a:t>
+            </a:r>
+          </a:p>
+        </p:txBody>
+      </p:sp>
+      <p:pic>
+        <p:nvPicPr>
+          <p:cNvPr id="51" name="Picture 50" descr="Icon&#10;&#10;Description automatically generated">
+            <a:extLst>
+              <a:ext uri="{FF2B5EF4-FFF2-40B4-BE49-F238E27FC236}">
+                <a16:creationId xmlns:a16="http://schemas.microsoft.com/office/drawing/2014/main" id="{2B6F308F-4C34-406E-BBD2-73E0213360AD}"/>
+              </a:ext>
+            </a:extLst>
+          </p:cNvPr>
+          <p:cNvPicPr>
+            <a:picLocks noChangeAspect="1"/>
+          </p:cNvPicPr>
+          <p:nvPr/>
+        </p:nvPicPr>
+        <p:blipFill>
+          <a:blip r:embed="rId17"/>
+          <a:stretch>
+            <a:fillRect/>
+          </a:stretch>
+        </p:blipFill>
+        <p:spPr>
+          <a:xfrm>
+            <a:off x="5164312" y="5581632"/>
+            <a:ext cx="755422" cy="755422"/>
+          </a:xfrm>
+          <a:prstGeom prst="rect">
+            <a:avLst/>
+          </a:prstGeom>
+        </p:spPr>
+      </p:pic>
+      <p:pic>
+        <p:nvPicPr>
+          <p:cNvPr id="53" name="Graphic 52" descr="Database">
+            <a:extLst>
+              <a:ext uri="{FF2B5EF4-FFF2-40B4-BE49-F238E27FC236}">
+                <a16:creationId xmlns:a16="http://schemas.microsoft.com/office/drawing/2014/main" id="{DB75D712-69D7-44CE-8B99-4922BD9BFEE7}"/>
+              </a:ext>
+            </a:extLst>
+          </p:cNvPr>
+          <p:cNvPicPr>
+            <a:picLocks noChangeAspect="1"/>
+          </p:cNvPicPr>
+          <p:nvPr/>
+        </p:nvPicPr>
+        <p:blipFill>
+          <a:blip r:embed="rId21">
+            <a:extLst>
+              <a:ext uri="{96DAC541-7B7A-43D3-8B79-37D633B846F1}">
+                <asvg:svgBlip xmlns:asvg="http://schemas.microsoft.com/office/drawing/2016/SVG/main" r:embed="rId22"/>
+              </a:ext>
+            </a:extLst>
+          </a:blip>
+          <a:stretch>
+            <a:fillRect/>
+          </a:stretch>
+        </p:blipFill>
+        <p:spPr>
+          <a:xfrm>
+            <a:off x="1314882" y="3651809"/>
+            <a:ext cx="914400" cy="914400"/>
+          </a:xfrm>
+          <a:prstGeom prst="rect">
+            <a:avLst/>
+          </a:prstGeom>
+        </p:spPr>
+      </p:pic>
+      <p:cxnSp>
+        <p:nvCxnSpPr>
+          <p:cNvPr id="54" name="Straight Arrow Connector 53">
+            <a:extLst>
+              <a:ext uri="{FF2B5EF4-FFF2-40B4-BE49-F238E27FC236}">
+                <a16:creationId xmlns:a16="http://schemas.microsoft.com/office/drawing/2014/main" id="{E522A877-64F2-4001-A948-D41AD3C56F77}"/>
+              </a:ext>
+            </a:extLst>
+          </p:cNvPr>
+          <p:cNvCxnSpPr>
+            <a:cxnSpLocks/>
+          </p:cNvCxnSpPr>
+          <p:nvPr/>
+        </p:nvCxnSpPr>
+        <p:spPr>
+          <a:xfrm flipH="1" flipV="1">
+            <a:off x="2284249" y="4306686"/>
+            <a:ext cx="1435957" cy="778"/>
+          </a:xfrm>
+          <a:prstGeom prst="straightConnector1">
+            <a:avLst/>
+          </a:prstGeom>
+          <a:ln>
+            <a:tailEnd type="triangle"/>
+          </a:ln>
+        </p:spPr>
+        <p:style>
+          <a:lnRef idx="3">
+            <a:schemeClr val="dk1"/>
+          </a:lnRef>
+          <a:fillRef idx="0">
+            <a:schemeClr val="dk1"/>
+          </a:fillRef>
+          <a:effectRef idx="2">
+            <a:schemeClr val="dk1"/>
+          </a:effectRef>
+          <a:fontRef idx="minor">
+            <a:schemeClr val="tx1"/>
+          </a:fontRef>
+        </p:style>
+      </p:cxnSp>
     </p:spTree>
     <p:extLst>
       <p:ext uri="{BB962C8B-B14F-4D97-AF65-F5344CB8AC3E}">
